--- a/fig_DSN.pptx
+++ b/fig_DSN.pptx
@@ -6,18 +6,19 @@
   </p:sldMasterIdLst>
   <p:sldIdLst>
     <p:sldId id="256" r:id="rId2"/>
-    <p:sldId id="257" r:id="rId3"/>
-    <p:sldId id="258" r:id="rId4"/>
-    <p:sldId id="259" r:id="rId5"/>
+    <p:sldId id="260" r:id="rId3"/>
+    <p:sldId id="257" r:id="rId4"/>
+    <p:sldId id="258" r:id="rId5"/>
+    <p:sldId id="259" r:id="rId6"/>
   </p:sldIdLst>
-  <p:sldSz cx="9144000" cy="6858000" type="screen4x3"/>
+  <p:sldSz cx="27432000" cy="18288000"/>
   <p:notesSz cx="6858000" cy="9144000"/>
   <p:defaultTextStyle>
     <a:defPPr>
       <a:defRPr lang="en-US"/>
     </a:defPPr>
-    <a:lvl1pPr marL="0" algn="l" defTabSz="914400" rtl="0" eaLnBrk="1" latinLnBrk="0" hangingPunct="1">
-      <a:defRPr sz="1800" kern="1200">
+    <a:lvl1pPr marL="0" algn="l" defTabSz="2612532" rtl="0" eaLnBrk="1" latinLnBrk="0" hangingPunct="1">
+      <a:defRPr sz="5100" kern="1200">
         <a:solidFill>
           <a:schemeClr val="tx1"/>
         </a:solidFill>
@@ -26,8 +27,8 @@
         <a:cs typeface="+mn-cs"/>
       </a:defRPr>
     </a:lvl1pPr>
-    <a:lvl2pPr marL="457200" algn="l" defTabSz="914400" rtl="0" eaLnBrk="1" latinLnBrk="0" hangingPunct="1">
-      <a:defRPr sz="1800" kern="1200">
+    <a:lvl2pPr marL="1306266" algn="l" defTabSz="2612532" rtl="0" eaLnBrk="1" latinLnBrk="0" hangingPunct="1">
+      <a:defRPr sz="5100" kern="1200">
         <a:solidFill>
           <a:schemeClr val="tx1"/>
         </a:solidFill>
@@ -36,8 +37,8 @@
         <a:cs typeface="+mn-cs"/>
       </a:defRPr>
     </a:lvl2pPr>
-    <a:lvl3pPr marL="914400" algn="l" defTabSz="914400" rtl="0" eaLnBrk="1" latinLnBrk="0" hangingPunct="1">
-      <a:defRPr sz="1800" kern="1200">
+    <a:lvl3pPr marL="2612532" algn="l" defTabSz="2612532" rtl="0" eaLnBrk="1" latinLnBrk="0" hangingPunct="1">
+      <a:defRPr sz="5100" kern="1200">
         <a:solidFill>
           <a:schemeClr val="tx1"/>
         </a:solidFill>
@@ -46,8 +47,8 @@
         <a:cs typeface="+mn-cs"/>
       </a:defRPr>
     </a:lvl3pPr>
-    <a:lvl4pPr marL="1371600" algn="l" defTabSz="914400" rtl="0" eaLnBrk="1" latinLnBrk="0" hangingPunct="1">
-      <a:defRPr sz="1800" kern="1200">
+    <a:lvl4pPr marL="3918798" algn="l" defTabSz="2612532" rtl="0" eaLnBrk="1" latinLnBrk="0" hangingPunct="1">
+      <a:defRPr sz="5100" kern="1200">
         <a:solidFill>
           <a:schemeClr val="tx1"/>
         </a:solidFill>
@@ -56,8 +57,8 @@
         <a:cs typeface="+mn-cs"/>
       </a:defRPr>
     </a:lvl4pPr>
-    <a:lvl5pPr marL="1828800" algn="l" defTabSz="914400" rtl="0" eaLnBrk="1" latinLnBrk="0" hangingPunct="1">
-      <a:defRPr sz="1800" kern="1200">
+    <a:lvl5pPr marL="5225064" algn="l" defTabSz="2612532" rtl="0" eaLnBrk="1" latinLnBrk="0" hangingPunct="1">
+      <a:defRPr sz="5100" kern="1200">
         <a:solidFill>
           <a:schemeClr val="tx1"/>
         </a:solidFill>
@@ -66,8 +67,8 @@
         <a:cs typeface="+mn-cs"/>
       </a:defRPr>
     </a:lvl5pPr>
-    <a:lvl6pPr marL="2286000" algn="l" defTabSz="914400" rtl="0" eaLnBrk="1" latinLnBrk="0" hangingPunct="1">
-      <a:defRPr sz="1800" kern="1200">
+    <a:lvl6pPr marL="6531331" algn="l" defTabSz="2612532" rtl="0" eaLnBrk="1" latinLnBrk="0" hangingPunct="1">
+      <a:defRPr sz="5100" kern="1200">
         <a:solidFill>
           <a:schemeClr val="tx1"/>
         </a:solidFill>
@@ -76,8 +77,8 @@
         <a:cs typeface="+mn-cs"/>
       </a:defRPr>
     </a:lvl6pPr>
-    <a:lvl7pPr marL="2743200" algn="l" defTabSz="914400" rtl="0" eaLnBrk="1" latinLnBrk="0" hangingPunct="1">
-      <a:defRPr sz="1800" kern="1200">
+    <a:lvl7pPr marL="7837597" algn="l" defTabSz="2612532" rtl="0" eaLnBrk="1" latinLnBrk="0" hangingPunct="1">
+      <a:defRPr sz="5100" kern="1200">
         <a:solidFill>
           <a:schemeClr val="tx1"/>
         </a:solidFill>
@@ -86,8 +87,8 @@
         <a:cs typeface="+mn-cs"/>
       </a:defRPr>
     </a:lvl7pPr>
-    <a:lvl8pPr marL="3200400" algn="l" defTabSz="914400" rtl="0" eaLnBrk="1" latinLnBrk="0" hangingPunct="1">
-      <a:defRPr sz="1800" kern="1200">
+    <a:lvl8pPr marL="9143863" algn="l" defTabSz="2612532" rtl="0" eaLnBrk="1" latinLnBrk="0" hangingPunct="1">
+      <a:defRPr sz="5100" kern="1200">
         <a:solidFill>
           <a:schemeClr val="tx1"/>
         </a:solidFill>
@@ -96,8 +97,8 @@
         <a:cs typeface="+mn-cs"/>
       </a:defRPr>
     </a:lvl8pPr>
-    <a:lvl9pPr marL="3657600" algn="l" defTabSz="914400" rtl="0" eaLnBrk="1" latinLnBrk="0" hangingPunct="1">
-      <a:defRPr sz="1800" kern="1200">
+    <a:lvl9pPr marL="10450129" algn="l" defTabSz="2612532" rtl="0" eaLnBrk="1" latinLnBrk="0" hangingPunct="1">
+      <a:defRPr sz="5100" kern="1200">
         <a:solidFill>
           <a:schemeClr val="tx1"/>
         </a:solidFill>
@@ -139,8 +140,8 @@
         </p:nvSpPr>
         <p:spPr>
           <a:xfrm>
-            <a:off x="685800" y="2130425"/>
-            <a:ext cx="7772400" cy="1470025"/>
+            <a:off x="2057400" y="5681135"/>
+            <a:ext cx="23317200" cy="3920067"/>
           </a:xfrm>
         </p:spPr>
         <p:txBody>
@@ -167,8 +168,8 @@
         </p:nvSpPr>
         <p:spPr>
           <a:xfrm>
-            <a:off x="1371600" y="3886200"/>
-            <a:ext cx="6400800" cy="1752600"/>
+            <a:off x="4114800" y="10363200"/>
+            <a:ext cx="19202400" cy="4673600"/>
           </a:xfrm>
         </p:spPr>
         <p:txBody>
@@ -184,7 +185,7 @@
                 </a:solidFill>
               </a:defRPr>
             </a:lvl1pPr>
-            <a:lvl2pPr marL="457200" indent="0" algn="ctr">
+            <a:lvl2pPr marL="1306266" indent="0" algn="ctr">
               <a:buNone/>
               <a:defRPr>
                 <a:solidFill>
@@ -194,7 +195,7 @@
                 </a:solidFill>
               </a:defRPr>
             </a:lvl2pPr>
-            <a:lvl3pPr marL="914400" indent="0" algn="ctr">
+            <a:lvl3pPr marL="2612532" indent="0" algn="ctr">
               <a:buNone/>
               <a:defRPr>
                 <a:solidFill>
@@ -204,7 +205,7 @@
                 </a:solidFill>
               </a:defRPr>
             </a:lvl3pPr>
-            <a:lvl4pPr marL="1371600" indent="0" algn="ctr">
+            <a:lvl4pPr marL="3918798" indent="0" algn="ctr">
               <a:buNone/>
               <a:defRPr>
                 <a:solidFill>
@@ -214,7 +215,7 @@
                 </a:solidFill>
               </a:defRPr>
             </a:lvl4pPr>
-            <a:lvl5pPr marL="1828800" indent="0" algn="ctr">
+            <a:lvl5pPr marL="5225064" indent="0" algn="ctr">
               <a:buNone/>
               <a:defRPr>
                 <a:solidFill>
@@ -224,7 +225,7 @@
                 </a:solidFill>
               </a:defRPr>
             </a:lvl5pPr>
-            <a:lvl6pPr marL="2286000" indent="0" algn="ctr">
+            <a:lvl6pPr marL="6531331" indent="0" algn="ctr">
               <a:buNone/>
               <a:defRPr>
                 <a:solidFill>
@@ -234,7 +235,7 @@
                 </a:solidFill>
               </a:defRPr>
             </a:lvl6pPr>
-            <a:lvl7pPr marL="2743200" indent="0" algn="ctr">
+            <a:lvl7pPr marL="7837597" indent="0" algn="ctr">
               <a:buNone/>
               <a:defRPr>
                 <a:solidFill>
@@ -244,7 +245,7 @@
                 </a:solidFill>
               </a:defRPr>
             </a:lvl7pPr>
-            <a:lvl8pPr marL="3200400" indent="0" algn="ctr">
+            <a:lvl8pPr marL="9143863" indent="0" algn="ctr">
               <a:buNone/>
               <a:defRPr>
                 <a:solidFill>
@@ -254,7 +255,7 @@
                 </a:solidFill>
               </a:defRPr>
             </a:lvl8pPr>
-            <a:lvl9pPr marL="3657600" indent="0" algn="ctr">
+            <a:lvl9pPr marL="10450129" indent="0" algn="ctr">
               <a:buNone/>
               <a:defRPr>
                 <a:solidFill>
@@ -291,7 +292,8 @@
           <a:p>
             <a:fld id="{A014A4AB-FE67-4545-BF42-A7A57FF9A4DA}" type="datetimeFigureOut">
               <a:rPr lang="en-US" smtClean="0"/>
-              <a:t>12/7/2011</a:t>
+              <a:pPr/>
+              <a:t>3/1/2012</a:t>
             </a:fld>
             <a:endParaRPr lang="en-US"/>
           </a:p>
@@ -333,6 +335,7 @@
           <a:p>
             <a:fld id="{0A592555-19D5-42C5-9613-B36E482FB174}" type="slidenum">
               <a:rPr lang="en-US" smtClean="0"/>
+              <a:pPr/>
               <a:t>‹#›</a:t>
             </a:fld>
             <a:endParaRPr lang="en-US"/>
@@ -456,7 +459,8 @@
           <a:p>
             <a:fld id="{A014A4AB-FE67-4545-BF42-A7A57FF9A4DA}" type="datetimeFigureOut">
               <a:rPr lang="en-US" smtClean="0"/>
-              <a:t>12/7/2011</a:t>
+              <a:pPr/>
+              <a:t>3/1/2012</a:t>
             </a:fld>
             <a:endParaRPr lang="en-US"/>
           </a:p>
@@ -498,6 +502,7 @@
           <a:p>
             <a:fld id="{0A592555-19D5-42C5-9613-B36E482FB174}" type="slidenum">
               <a:rPr lang="en-US" smtClean="0"/>
+              <a:pPr/>
               <a:t>‹#›</a:t>
             </a:fld>
             <a:endParaRPr lang="en-US"/>
@@ -541,8 +546,8 @@
         </p:nvSpPr>
         <p:spPr>
           <a:xfrm>
-            <a:off x="6629400" y="274638"/>
-            <a:ext cx="2057400" cy="5851525"/>
+            <a:off x="19888200" y="732369"/>
+            <a:ext cx="6172200" cy="15604067"/>
           </a:xfrm>
         </p:spPr>
         <p:txBody>
@@ -569,8 +574,8 @@
         </p:nvSpPr>
         <p:spPr>
           <a:xfrm>
-            <a:off x="457200" y="274638"/>
-            <a:ext cx="6019800" cy="5851525"/>
+            <a:off x="1371600" y="732369"/>
+            <a:ext cx="18059400" cy="15604067"/>
           </a:xfrm>
         </p:spPr>
         <p:txBody>
@@ -631,7 +636,8 @@
           <a:p>
             <a:fld id="{A014A4AB-FE67-4545-BF42-A7A57FF9A4DA}" type="datetimeFigureOut">
               <a:rPr lang="en-US" smtClean="0"/>
-              <a:t>12/7/2011</a:t>
+              <a:pPr/>
+              <a:t>3/1/2012</a:t>
             </a:fld>
             <a:endParaRPr lang="en-US"/>
           </a:p>
@@ -673,6 +679,7 @@
           <a:p>
             <a:fld id="{0A592555-19D5-42C5-9613-B36E482FB174}" type="slidenum">
               <a:rPr lang="en-US" smtClean="0"/>
+              <a:pPr/>
               <a:t>‹#›</a:t>
             </a:fld>
             <a:endParaRPr lang="en-US"/>
@@ -796,7 +803,8 @@
           <a:p>
             <a:fld id="{A014A4AB-FE67-4545-BF42-A7A57FF9A4DA}" type="datetimeFigureOut">
               <a:rPr lang="en-US" smtClean="0"/>
-              <a:t>12/7/2011</a:t>
+              <a:pPr/>
+              <a:t>3/1/2012</a:t>
             </a:fld>
             <a:endParaRPr lang="en-US"/>
           </a:p>
@@ -838,6 +846,7 @@
           <a:p>
             <a:fld id="{0A592555-19D5-42C5-9613-B36E482FB174}" type="slidenum">
               <a:rPr lang="en-US" smtClean="0"/>
+              <a:pPr/>
               <a:t>‹#›</a:t>
             </a:fld>
             <a:endParaRPr lang="en-US"/>
@@ -881,15 +890,15 @@
         </p:nvSpPr>
         <p:spPr>
           <a:xfrm>
-            <a:off x="722313" y="4406900"/>
-            <a:ext cx="7772400" cy="1362075"/>
+            <a:off x="2166939" y="11751735"/>
+            <a:ext cx="23317200" cy="3632200"/>
           </a:xfrm>
         </p:spPr>
         <p:txBody>
           <a:bodyPr anchor="t"/>
           <a:lstStyle>
             <a:lvl1pPr algn="l">
-              <a:defRPr sz="4000" b="1" cap="all"/>
+              <a:defRPr sz="11400" b="1" cap="all"/>
             </a:lvl1pPr>
           </a:lstStyle>
           <a:p>
@@ -913,8 +922,8 @@
         </p:nvSpPr>
         <p:spPr>
           <a:xfrm>
-            <a:off x="722313" y="2906713"/>
-            <a:ext cx="7772400" cy="1500187"/>
+            <a:off x="2166939" y="7751236"/>
+            <a:ext cx="23317200" cy="4000499"/>
           </a:xfrm>
         </p:spPr>
         <p:txBody>
@@ -922,7 +931,7 @@
           <a:lstStyle>
             <a:lvl1pPr marL="0" indent="0">
               <a:buNone/>
-              <a:defRPr sz="2000">
+              <a:defRPr sz="5700">
                 <a:solidFill>
                   <a:schemeClr val="tx1">
                     <a:tint val="75000"/>
@@ -930,9 +939,9 @@
                 </a:solidFill>
               </a:defRPr>
             </a:lvl1pPr>
-            <a:lvl2pPr marL="457200" indent="0">
+            <a:lvl2pPr marL="1306266" indent="0">
               <a:buNone/>
-              <a:defRPr sz="1800">
+              <a:defRPr sz="5100">
                 <a:solidFill>
                   <a:schemeClr val="tx1">
                     <a:tint val="75000"/>
@@ -940,9 +949,9 @@
                 </a:solidFill>
               </a:defRPr>
             </a:lvl2pPr>
-            <a:lvl3pPr marL="914400" indent="0">
+            <a:lvl3pPr marL="2612532" indent="0">
               <a:buNone/>
-              <a:defRPr sz="1600">
+              <a:defRPr sz="4600">
                 <a:solidFill>
                   <a:schemeClr val="tx1">
                     <a:tint val="75000"/>
@@ -950,9 +959,9 @@
                 </a:solidFill>
               </a:defRPr>
             </a:lvl3pPr>
-            <a:lvl4pPr marL="1371600" indent="0">
+            <a:lvl4pPr marL="3918798" indent="0">
               <a:buNone/>
-              <a:defRPr sz="1400">
+              <a:defRPr sz="4000">
                 <a:solidFill>
                   <a:schemeClr val="tx1">
                     <a:tint val="75000"/>
@@ -960,9 +969,9 @@
                 </a:solidFill>
               </a:defRPr>
             </a:lvl4pPr>
-            <a:lvl5pPr marL="1828800" indent="0">
+            <a:lvl5pPr marL="5225064" indent="0">
               <a:buNone/>
-              <a:defRPr sz="1400">
+              <a:defRPr sz="4000">
                 <a:solidFill>
                   <a:schemeClr val="tx1">
                     <a:tint val="75000"/>
@@ -970,9 +979,9 @@
                 </a:solidFill>
               </a:defRPr>
             </a:lvl5pPr>
-            <a:lvl6pPr marL="2286000" indent="0">
+            <a:lvl6pPr marL="6531331" indent="0">
               <a:buNone/>
-              <a:defRPr sz="1400">
+              <a:defRPr sz="4000">
                 <a:solidFill>
                   <a:schemeClr val="tx1">
                     <a:tint val="75000"/>
@@ -980,9 +989,9 @@
                 </a:solidFill>
               </a:defRPr>
             </a:lvl6pPr>
-            <a:lvl7pPr marL="2743200" indent="0">
+            <a:lvl7pPr marL="7837597" indent="0">
               <a:buNone/>
-              <a:defRPr sz="1400">
+              <a:defRPr sz="4000">
                 <a:solidFill>
                   <a:schemeClr val="tx1">
                     <a:tint val="75000"/>
@@ -990,9 +999,9 @@
                 </a:solidFill>
               </a:defRPr>
             </a:lvl7pPr>
-            <a:lvl8pPr marL="3200400" indent="0">
+            <a:lvl8pPr marL="9143863" indent="0">
               <a:buNone/>
-              <a:defRPr sz="1400">
+              <a:defRPr sz="4000">
                 <a:solidFill>
                   <a:schemeClr val="tx1">
                     <a:tint val="75000"/>
@@ -1000,9 +1009,9 @@
                 </a:solidFill>
               </a:defRPr>
             </a:lvl8pPr>
-            <a:lvl9pPr marL="3657600" indent="0">
+            <a:lvl9pPr marL="10450129" indent="0">
               <a:buNone/>
-              <a:defRPr sz="1400">
+              <a:defRPr sz="4000">
                 <a:solidFill>
                   <a:schemeClr val="tx1">
                     <a:tint val="75000"/>
@@ -1037,7 +1046,8 @@
           <a:p>
             <a:fld id="{A014A4AB-FE67-4545-BF42-A7A57FF9A4DA}" type="datetimeFigureOut">
               <a:rPr lang="en-US" smtClean="0"/>
-              <a:t>12/7/2011</a:t>
+              <a:pPr/>
+              <a:t>3/1/2012</a:t>
             </a:fld>
             <a:endParaRPr lang="en-US"/>
           </a:p>
@@ -1079,6 +1089,7 @@
           <a:p>
             <a:fld id="{0A592555-19D5-42C5-9613-B36E482FB174}" type="slidenum">
               <a:rPr lang="en-US" smtClean="0"/>
+              <a:pPr/>
               <a:t>‹#›</a:t>
             </a:fld>
             <a:endParaRPr lang="en-US"/>
@@ -1145,39 +1156,39 @@
         </p:nvSpPr>
         <p:spPr>
           <a:xfrm>
-            <a:off x="457200" y="1600200"/>
-            <a:ext cx="4038600" cy="4525963"/>
+            <a:off x="1371600" y="4267201"/>
+            <a:ext cx="12115800" cy="12069235"/>
           </a:xfrm>
         </p:spPr>
         <p:txBody>
           <a:bodyPr/>
           <a:lstStyle>
             <a:lvl1pPr>
-              <a:defRPr sz="2800"/>
+              <a:defRPr sz="8000"/>
             </a:lvl1pPr>
             <a:lvl2pPr>
-              <a:defRPr sz="2400"/>
+              <a:defRPr sz="6900"/>
             </a:lvl2pPr>
             <a:lvl3pPr>
-              <a:defRPr sz="2000"/>
+              <a:defRPr sz="5700"/>
             </a:lvl3pPr>
             <a:lvl4pPr>
-              <a:defRPr sz="1800"/>
+              <a:defRPr sz="5100"/>
             </a:lvl4pPr>
             <a:lvl5pPr>
-              <a:defRPr sz="1800"/>
+              <a:defRPr sz="5100"/>
             </a:lvl5pPr>
             <a:lvl6pPr>
-              <a:defRPr sz="1800"/>
+              <a:defRPr sz="5100"/>
             </a:lvl6pPr>
             <a:lvl7pPr>
-              <a:defRPr sz="1800"/>
+              <a:defRPr sz="5100"/>
             </a:lvl7pPr>
             <a:lvl8pPr>
-              <a:defRPr sz="1800"/>
+              <a:defRPr sz="5100"/>
             </a:lvl8pPr>
             <a:lvl9pPr>
-              <a:defRPr sz="1800"/>
+              <a:defRPr sz="5100"/>
             </a:lvl9pPr>
           </a:lstStyle>
           <a:p>
@@ -1230,39 +1241,39 @@
         </p:nvSpPr>
         <p:spPr>
           <a:xfrm>
-            <a:off x="4648200" y="1600200"/>
-            <a:ext cx="4038600" cy="4525963"/>
+            <a:off x="13944600" y="4267201"/>
+            <a:ext cx="12115800" cy="12069235"/>
           </a:xfrm>
         </p:spPr>
         <p:txBody>
           <a:bodyPr/>
           <a:lstStyle>
             <a:lvl1pPr>
-              <a:defRPr sz="2800"/>
+              <a:defRPr sz="8000"/>
             </a:lvl1pPr>
             <a:lvl2pPr>
-              <a:defRPr sz="2400"/>
+              <a:defRPr sz="6900"/>
             </a:lvl2pPr>
             <a:lvl3pPr>
-              <a:defRPr sz="2000"/>
+              <a:defRPr sz="5700"/>
             </a:lvl3pPr>
             <a:lvl4pPr>
-              <a:defRPr sz="1800"/>
+              <a:defRPr sz="5100"/>
             </a:lvl4pPr>
             <a:lvl5pPr>
-              <a:defRPr sz="1800"/>
+              <a:defRPr sz="5100"/>
             </a:lvl5pPr>
             <a:lvl6pPr>
-              <a:defRPr sz="1800"/>
+              <a:defRPr sz="5100"/>
             </a:lvl6pPr>
             <a:lvl7pPr>
-              <a:defRPr sz="1800"/>
+              <a:defRPr sz="5100"/>
             </a:lvl7pPr>
             <a:lvl8pPr>
-              <a:defRPr sz="1800"/>
+              <a:defRPr sz="5100"/>
             </a:lvl8pPr>
             <a:lvl9pPr>
-              <a:defRPr sz="1800"/>
+              <a:defRPr sz="5100"/>
             </a:lvl9pPr>
           </a:lstStyle>
           <a:p>
@@ -1320,7 +1331,8 @@
           <a:p>
             <a:fld id="{A014A4AB-FE67-4545-BF42-A7A57FF9A4DA}" type="datetimeFigureOut">
               <a:rPr lang="en-US" smtClean="0"/>
-              <a:t>12/7/2011</a:t>
+              <a:pPr/>
+              <a:t>3/1/2012</a:t>
             </a:fld>
             <a:endParaRPr lang="en-US"/>
           </a:p>
@@ -1362,6 +1374,7 @@
           <a:p>
             <a:fld id="{0A592555-19D5-42C5-9613-B36E482FB174}" type="slidenum">
               <a:rPr lang="en-US" smtClean="0"/>
+              <a:pPr/>
               <a:t>‹#›</a:t>
             </a:fld>
             <a:endParaRPr lang="en-US"/>
@@ -1432,8 +1445,8 @@
         </p:nvSpPr>
         <p:spPr>
           <a:xfrm>
-            <a:off x="457200" y="1535113"/>
-            <a:ext cx="4040188" cy="639762"/>
+            <a:off x="1371600" y="4093635"/>
+            <a:ext cx="12120564" cy="1706032"/>
           </a:xfrm>
         </p:spPr>
         <p:txBody>
@@ -1441,39 +1454,39 @@
           <a:lstStyle>
             <a:lvl1pPr marL="0" indent="0">
               <a:buNone/>
-              <a:defRPr sz="2400" b="1"/>
+              <a:defRPr sz="6900" b="1"/>
             </a:lvl1pPr>
-            <a:lvl2pPr marL="457200" indent="0">
+            <a:lvl2pPr marL="1306266" indent="0">
               <a:buNone/>
-              <a:defRPr sz="2000" b="1"/>
+              <a:defRPr sz="5700" b="1"/>
             </a:lvl2pPr>
-            <a:lvl3pPr marL="914400" indent="0">
+            <a:lvl3pPr marL="2612532" indent="0">
               <a:buNone/>
-              <a:defRPr sz="1800" b="1"/>
+              <a:defRPr sz="5100" b="1"/>
             </a:lvl3pPr>
-            <a:lvl4pPr marL="1371600" indent="0">
+            <a:lvl4pPr marL="3918798" indent="0">
               <a:buNone/>
-              <a:defRPr sz="1600" b="1"/>
+              <a:defRPr sz="4600" b="1"/>
             </a:lvl4pPr>
-            <a:lvl5pPr marL="1828800" indent="0">
+            <a:lvl5pPr marL="5225064" indent="0">
               <a:buNone/>
-              <a:defRPr sz="1600" b="1"/>
+              <a:defRPr sz="4600" b="1"/>
             </a:lvl5pPr>
-            <a:lvl6pPr marL="2286000" indent="0">
+            <a:lvl6pPr marL="6531331" indent="0">
               <a:buNone/>
-              <a:defRPr sz="1600" b="1"/>
+              <a:defRPr sz="4600" b="1"/>
             </a:lvl6pPr>
-            <a:lvl7pPr marL="2743200" indent="0">
+            <a:lvl7pPr marL="7837597" indent="0">
               <a:buNone/>
-              <a:defRPr sz="1600" b="1"/>
+              <a:defRPr sz="4600" b="1"/>
             </a:lvl7pPr>
-            <a:lvl8pPr marL="3200400" indent="0">
+            <a:lvl8pPr marL="9143863" indent="0">
               <a:buNone/>
-              <a:defRPr sz="1600" b="1"/>
+              <a:defRPr sz="4600" b="1"/>
             </a:lvl8pPr>
-            <a:lvl9pPr marL="3657600" indent="0">
+            <a:lvl9pPr marL="10450129" indent="0">
               <a:buNone/>
-              <a:defRPr sz="1600" b="1"/>
+              <a:defRPr sz="4600" b="1"/>
             </a:lvl9pPr>
           </a:lstStyle>
           <a:p>
@@ -1497,39 +1510,39 @@
         </p:nvSpPr>
         <p:spPr>
           <a:xfrm>
-            <a:off x="457200" y="2174875"/>
-            <a:ext cx="4040188" cy="3951288"/>
+            <a:off x="1371600" y="5799667"/>
+            <a:ext cx="12120564" cy="10536768"/>
           </a:xfrm>
         </p:spPr>
         <p:txBody>
           <a:bodyPr/>
           <a:lstStyle>
             <a:lvl1pPr>
-              <a:defRPr sz="2400"/>
+              <a:defRPr sz="6900"/>
             </a:lvl1pPr>
             <a:lvl2pPr>
-              <a:defRPr sz="2000"/>
+              <a:defRPr sz="5700"/>
             </a:lvl2pPr>
             <a:lvl3pPr>
-              <a:defRPr sz="1800"/>
+              <a:defRPr sz="5100"/>
             </a:lvl3pPr>
             <a:lvl4pPr>
-              <a:defRPr sz="1600"/>
+              <a:defRPr sz="4600"/>
             </a:lvl4pPr>
             <a:lvl5pPr>
-              <a:defRPr sz="1600"/>
+              <a:defRPr sz="4600"/>
             </a:lvl5pPr>
             <a:lvl6pPr>
-              <a:defRPr sz="1600"/>
+              <a:defRPr sz="4600"/>
             </a:lvl6pPr>
             <a:lvl7pPr>
-              <a:defRPr sz="1600"/>
+              <a:defRPr sz="4600"/>
             </a:lvl7pPr>
             <a:lvl8pPr>
-              <a:defRPr sz="1600"/>
+              <a:defRPr sz="4600"/>
             </a:lvl8pPr>
             <a:lvl9pPr>
-              <a:defRPr sz="1600"/>
+              <a:defRPr sz="4600"/>
             </a:lvl9pPr>
           </a:lstStyle>
           <a:p>
@@ -1582,8 +1595,8 @@
         </p:nvSpPr>
         <p:spPr>
           <a:xfrm>
-            <a:off x="4645025" y="1535113"/>
-            <a:ext cx="4041775" cy="639762"/>
+            <a:off x="13935077" y="4093635"/>
+            <a:ext cx="12125325" cy="1706032"/>
           </a:xfrm>
         </p:spPr>
         <p:txBody>
@@ -1591,39 +1604,39 @@
           <a:lstStyle>
             <a:lvl1pPr marL="0" indent="0">
               <a:buNone/>
-              <a:defRPr sz="2400" b="1"/>
+              <a:defRPr sz="6900" b="1"/>
             </a:lvl1pPr>
-            <a:lvl2pPr marL="457200" indent="0">
+            <a:lvl2pPr marL="1306266" indent="0">
               <a:buNone/>
-              <a:defRPr sz="2000" b="1"/>
+              <a:defRPr sz="5700" b="1"/>
             </a:lvl2pPr>
-            <a:lvl3pPr marL="914400" indent="0">
+            <a:lvl3pPr marL="2612532" indent="0">
               <a:buNone/>
-              <a:defRPr sz="1800" b="1"/>
+              <a:defRPr sz="5100" b="1"/>
             </a:lvl3pPr>
-            <a:lvl4pPr marL="1371600" indent="0">
+            <a:lvl4pPr marL="3918798" indent="0">
               <a:buNone/>
-              <a:defRPr sz="1600" b="1"/>
+              <a:defRPr sz="4600" b="1"/>
             </a:lvl4pPr>
-            <a:lvl5pPr marL="1828800" indent="0">
+            <a:lvl5pPr marL="5225064" indent="0">
               <a:buNone/>
-              <a:defRPr sz="1600" b="1"/>
+              <a:defRPr sz="4600" b="1"/>
             </a:lvl5pPr>
-            <a:lvl6pPr marL="2286000" indent="0">
+            <a:lvl6pPr marL="6531331" indent="0">
               <a:buNone/>
-              <a:defRPr sz="1600" b="1"/>
+              <a:defRPr sz="4600" b="1"/>
             </a:lvl6pPr>
-            <a:lvl7pPr marL="2743200" indent="0">
+            <a:lvl7pPr marL="7837597" indent="0">
               <a:buNone/>
-              <a:defRPr sz="1600" b="1"/>
+              <a:defRPr sz="4600" b="1"/>
             </a:lvl7pPr>
-            <a:lvl8pPr marL="3200400" indent="0">
+            <a:lvl8pPr marL="9143863" indent="0">
               <a:buNone/>
-              <a:defRPr sz="1600" b="1"/>
+              <a:defRPr sz="4600" b="1"/>
             </a:lvl8pPr>
-            <a:lvl9pPr marL="3657600" indent="0">
+            <a:lvl9pPr marL="10450129" indent="0">
               <a:buNone/>
-              <a:defRPr sz="1600" b="1"/>
+              <a:defRPr sz="4600" b="1"/>
             </a:lvl9pPr>
           </a:lstStyle>
           <a:p>
@@ -1647,39 +1660,39 @@
         </p:nvSpPr>
         <p:spPr>
           <a:xfrm>
-            <a:off x="4645025" y="2174875"/>
-            <a:ext cx="4041775" cy="3951288"/>
+            <a:off x="13935077" y="5799667"/>
+            <a:ext cx="12125325" cy="10536768"/>
           </a:xfrm>
         </p:spPr>
         <p:txBody>
           <a:bodyPr/>
           <a:lstStyle>
             <a:lvl1pPr>
-              <a:defRPr sz="2400"/>
+              <a:defRPr sz="6900"/>
             </a:lvl1pPr>
             <a:lvl2pPr>
-              <a:defRPr sz="2000"/>
+              <a:defRPr sz="5700"/>
             </a:lvl2pPr>
             <a:lvl3pPr>
-              <a:defRPr sz="1800"/>
+              <a:defRPr sz="5100"/>
             </a:lvl3pPr>
             <a:lvl4pPr>
-              <a:defRPr sz="1600"/>
+              <a:defRPr sz="4600"/>
             </a:lvl4pPr>
             <a:lvl5pPr>
-              <a:defRPr sz="1600"/>
+              <a:defRPr sz="4600"/>
             </a:lvl5pPr>
             <a:lvl6pPr>
-              <a:defRPr sz="1600"/>
+              <a:defRPr sz="4600"/>
             </a:lvl6pPr>
             <a:lvl7pPr>
-              <a:defRPr sz="1600"/>
+              <a:defRPr sz="4600"/>
             </a:lvl7pPr>
             <a:lvl8pPr>
-              <a:defRPr sz="1600"/>
+              <a:defRPr sz="4600"/>
             </a:lvl8pPr>
             <a:lvl9pPr>
-              <a:defRPr sz="1600"/>
+              <a:defRPr sz="4600"/>
             </a:lvl9pPr>
           </a:lstStyle>
           <a:p>
@@ -1737,7 +1750,8 @@
           <a:p>
             <a:fld id="{A014A4AB-FE67-4545-BF42-A7A57FF9A4DA}" type="datetimeFigureOut">
               <a:rPr lang="en-US" smtClean="0"/>
-              <a:t>12/7/2011</a:t>
+              <a:pPr/>
+              <a:t>3/1/2012</a:t>
             </a:fld>
             <a:endParaRPr lang="en-US"/>
           </a:p>
@@ -1779,6 +1793,7 @@
           <a:p>
             <a:fld id="{0A592555-19D5-42C5-9613-B36E482FB174}" type="slidenum">
               <a:rPr lang="en-US" smtClean="0"/>
+              <a:pPr/>
               <a:t>‹#›</a:t>
             </a:fld>
             <a:endParaRPr lang="en-US"/>
@@ -1850,7 +1865,8 @@
           <a:p>
             <a:fld id="{A014A4AB-FE67-4545-BF42-A7A57FF9A4DA}" type="datetimeFigureOut">
               <a:rPr lang="en-US" smtClean="0"/>
-              <a:t>12/7/2011</a:t>
+              <a:pPr/>
+              <a:t>3/1/2012</a:t>
             </a:fld>
             <a:endParaRPr lang="en-US"/>
           </a:p>
@@ -1892,6 +1908,7 @@
           <a:p>
             <a:fld id="{0A592555-19D5-42C5-9613-B36E482FB174}" type="slidenum">
               <a:rPr lang="en-US" smtClean="0"/>
+              <a:pPr/>
               <a:t>‹#›</a:t>
             </a:fld>
             <a:endParaRPr lang="en-US"/>
@@ -1940,7 +1957,8 @@
           <a:p>
             <a:fld id="{A014A4AB-FE67-4545-BF42-A7A57FF9A4DA}" type="datetimeFigureOut">
               <a:rPr lang="en-US" smtClean="0"/>
-              <a:t>12/7/2011</a:t>
+              <a:pPr/>
+              <a:t>3/1/2012</a:t>
             </a:fld>
             <a:endParaRPr lang="en-US"/>
           </a:p>
@@ -1982,6 +2000,7 @@
           <a:p>
             <a:fld id="{0A592555-19D5-42C5-9613-B36E482FB174}" type="slidenum">
               <a:rPr lang="en-US" smtClean="0"/>
+              <a:pPr/>
               <a:t>‹#›</a:t>
             </a:fld>
             <a:endParaRPr lang="en-US"/>
@@ -2025,15 +2044,15 @@
         </p:nvSpPr>
         <p:spPr>
           <a:xfrm>
-            <a:off x="457200" y="273050"/>
-            <a:ext cx="3008313" cy="1162050"/>
+            <a:off x="1371602" y="728133"/>
+            <a:ext cx="9024939" cy="3098800"/>
           </a:xfrm>
         </p:spPr>
         <p:txBody>
           <a:bodyPr anchor="b"/>
           <a:lstStyle>
             <a:lvl1pPr algn="l">
-              <a:defRPr sz="2000" b="1"/>
+              <a:defRPr sz="5700" b="1"/>
             </a:lvl1pPr>
           </a:lstStyle>
           <a:p>
@@ -2057,39 +2076,39 @@
         </p:nvSpPr>
         <p:spPr>
           <a:xfrm>
-            <a:off x="3575050" y="273050"/>
-            <a:ext cx="5111750" cy="5853113"/>
+            <a:off x="10725150" y="728135"/>
+            <a:ext cx="15335250" cy="15608301"/>
           </a:xfrm>
         </p:spPr>
         <p:txBody>
           <a:bodyPr/>
           <a:lstStyle>
             <a:lvl1pPr>
-              <a:defRPr sz="3200"/>
+              <a:defRPr sz="9100"/>
             </a:lvl1pPr>
             <a:lvl2pPr>
-              <a:defRPr sz="2800"/>
+              <a:defRPr sz="8000"/>
             </a:lvl2pPr>
             <a:lvl3pPr>
-              <a:defRPr sz="2400"/>
+              <a:defRPr sz="6900"/>
             </a:lvl3pPr>
             <a:lvl4pPr>
-              <a:defRPr sz="2000"/>
+              <a:defRPr sz="5700"/>
             </a:lvl4pPr>
             <a:lvl5pPr>
-              <a:defRPr sz="2000"/>
+              <a:defRPr sz="5700"/>
             </a:lvl5pPr>
             <a:lvl6pPr>
-              <a:defRPr sz="2000"/>
+              <a:defRPr sz="5700"/>
             </a:lvl6pPr>
             <a:lvl7pPr>
-              <a:defRPr sz="2000"/>
+              <a:defRPr sz="5700"/>
             </a:lvl7pPr>
             <a:lvl8pPr>
-              <a:defRPr sz="2000"/>
+              <a:defRPr sz="5700"/>
             </a:lvl8pPr>
             <a:lvl9pPr>
-              <a:defRPr sz="2000"/>
+              <a:defRPr sz="5700"/>
             </a:lvl9pPr>
           </a:lstStyle>
           <a:p>
@@ -2142,8 +2161,8 @@
         </p:nvSpPr>
         <p:spPr>
           <a:xfrm>
-            <a:off x="457200" y="1435100"/>
-            <a:ext cx="3008313" cy="4691063"/>
+            <a:off x="1371602" y="3826935"/>
+            <a:ext cx="9024939" cy="12509501"/>
           </a:xfrm>
         </p:spPr>
         <p:txBody>
@@ -2151,39 +2170,39 @@
           <a:lstStyle>
             <a:lvl1pPr marL="0" indent="0">
               <a:buNone/>
-              <a:defRPr sz="1400"/>
+              <a:defRPr sz="4000"/>
             </a:lvl1pPr>
-            <a:lvl2pPr marL="457200" indent="0">
+            <a:lvl2pPr marL="1306266" indent="0">
               <a:buNone/>
-              <a:defRPr sz="1200"/>
+              <a:defRPr sz="3400"/>
             </a:lvl2pPr>
-            <a:lvl3pPr marL="914400" indent="0">
+            <a:lvl3pPr marL="2612532" indent="0">
               <a:buNone/>
-              <a:defRPr sz="1000"/>
+              <a:defRPr sz="2900"/>
             </a:lvl3pPr>
-            <a:lvl4pPr marL="1371600" indent="0">
+            <a:lvl4pPr marL="3918798" indent="0">
               <a:buNone/>
-              <a:defRPr sz="900"/>
+              <a:defRPr sz="2600"/>
             </a:lvl4pPr>
-            <a:lvl5pPr marL="1828800" indent="0">
+            <a:lvl5pPr marL="5225064" indent="0">
               <a:buNone/>
-              <a:defRPr sz="900"/>
+              <a:defRPr sz="2600"/>
             </a:lvl5pPr>
-            <a:lvl6pPr marL="2286000" indent="0">
+            <a:lvl6pPr marL="6531331" indent="0">
               <a:buNone/>
-              <a:defRPr sz="900"/>
+              <a:defRPr sz="2600"/>
             </a:lvl6pPr>
-            <a:lvl7pPr marL="2743200" indent="0">
+            <a:lvl7pPr marL="7837597" indent="0">
               <a:buNone/>
-              <a:defRPr sz="900"/>
+              <a:defRPr sz="2600"/>
             </a:lvl7pPr>
-            <a:lvl8pPr marL="3200400" indent="0">
+            <a:lvl8pPr marL="9143863" indent="0">
               <a:buNone/>
-              <a:defRPr sz="900"/>
+              <a:defRPr sz="2600"/>
             </a:lvl8pPr>
-            <a:lvl9pPr marL="3657600" indent="0">
+            <a:lvl9pPr marL="10450129" indent="0">
               <a:buNone/>
-              <a:defRPr sz="900"/>
+              <a:defRPr sz="2600"/>
             </a:lvl9pPr>
           </a:lstStyle>
           <a:p>
@@ -2212,7 +2231,8 @@
           <a:p>
             <a:fld id="{A014A4AB-FE67-4545-BF42-A7A57FF9A4DA}" type="datetimeFigureOut">
               <a:rPr lang="en-US" smtClean="0"/>
-              <a:t>12/7/2011</a:t>
+              <a:pPr/>
+              <a:t>3/1/2012</a:t>
             </a:fld>
             <a:endParaRPr lang="en-US"/>
           </a:p>
@@ -2254,6 +2274,7 @@
           <a:p>
             <a:fld id="{0A592555-19D5-42C5-9613-B36E482FB174}" type="slidenum">
               <a:rPr lang="en-US" smtClean="0"/>
+              <a:pPr/>
               <a:t>‹#›</a:t>
             </a:fld>
             <a:endParaRPr lang="en-US"/>
@@ -2297,15 +2318,15 @@
         </p:nvSpPr>
         <p:spPr>
           <a:xfrm>
-            <a:off x="1792288" y="4800600"/>
-            <a:ext cx="5486400" cy="566738"/>
+            <a:off x="5376864" y="12801600"/>
+            <a:ext cx="16459200" cy="1511301"/>
           </a:xfrm>
         </p:spPr>
         <p:txBody>
           <a:bodyPr anchor="b"/>
           <a:lstStyle>
             <a:lvl1pPr algn="l">
-              <a:defRPr sz="2000" b="1"/>
+              <a:defRPr sz="5700" b="1"/>
             </a:lvl1pPr>
           </a:lstStyle>
           <a:p>
@@ -2329,8 +2350,8 @@
         </p:nvSpPr>
         <p:spPr>
           <a:xfrm>
-            <a:off x="1792288" y="612775"/>
-            <a:ext cx="5486400" cy="4114800"/>
+            <a:off x="5376864" y="1634067"/>
+            <a:ext cx="16459200" cy="10972800"/>
           </a:xfrm>
         </p:spPr>
         <p:txBody>
@@ -2338,39 +2359,39 @@
           <a:lstStyle>
             <a:lvl1pPr marL="0" indent="0">
               <a:buNone/>
-              <a:defRPr sz="3200"/>
+              <a:defRPr sz="9100"/>
             </a:lvl1pPr>
-            <a:lvl2pPr marL="457200" indent="0">
+            <a:lvl2pPr marL="1306266" indent="0">
               <a:buNone/>
-              <a:defRPr sz="2800"/>
+              <a:defRPr sz="8000"/>
             </a:lvl2pPr>
-            <a:lvl3pPr marL="914400" indent="0">
+            <a:lvl3pPr marL="2612532" indent="0">
               <a:buNone/>
-              <a:defRPr sz="2400"/>
+              <a:defRPr sz="6900"/>
             </a:lvl3pPr>
-            <a:lvl4pPr marL="1371600" indent="0">
+            <a:lvl4pPr marL="3918798" indent="0">
               <a:buNone/>
-              <a:defRPr sz="2000"/>
+              <a:defRPr sz="5700"/>
             </a:lvl4pPr>
-            <a:lvl5pPr marL="1828800" indent="0">
+            <a:lvl5pPr marL="5225064" indent="0">
               <a:buNone/>
-              <a:defRPr sz="2000"/>
+              <a:defRPr sz="5700"/>
             </a:lvl5pPr>
-            <a:lvl6pPr marL="2286000" indent="0">
+            <a:lvl6pPr marL="6531331" indent="0">
               <a:buNone/>
-              <a:defRPr sz="2000"/>
+              <a:defRPr sz="5700"/>
             </a:lvl6pPr>
-            <a:lvl7pPr marL="2743200" indent="0">
+            <a:lvl7pPr marL="7837597" indent="0">
               <a:buNone/>
-              <a:defRPr sz="2000"/>
+              <a:defRPr sz="5700"/>
             </a:lvl7pPr>
-            <a:lvl8pPr marL="3200400" indent="0">
+            <a:lvl8pPr marL="9143863" indent="0">
               <a:buNone/>
-              <a:defRPr sz="2000"/>
+              <a:defRPr sz="5700"/>
             </a:lvl8pPr>
-            <a:lvl9pPr marL="3657600" indent="0">
+            <a:lvl9pPr marL="10450129" indent="0">
               <a:buNone/>
-              <a:defRPr sz="2000"/>
+              <a:defRPr sz="5700"/>
             </a:lvl9pPr>
           </a:lstStyle>
           <a:p>
@@ -2390,8 +2411,8 @@
         </p:nvSpPr>
         <p:spPr>
           <a:xfrm>
-            <a:off x="1792288" y="5367338"/>
-            <a:ext cx="5486400" cy="804862"/>
+            <a:off x="5376864" y="14312901"/>
+            <a:ext cx="16459200" cy="2146299"/>
           </a:xfrm>
         </p:spPr>
         <p:txBody>
@@ -2399,39 +2420,39 @@
           <a:lstStyle>
             <a:lvl1pPr marL="0" indent="0">
               <a:buNone/>
-              <a:defRPr sz="1400"/>
+              <a:defRPr sz="4000"/>
             </a:lvl1pPr>
-            <a:lvl2pPr marL="457200" indent="0">
+            <a:lvl2pPr marL="1306266" indent="0">
               <a:buNone/>
-              <a:defRPr sz="1200"/>
+              <a:defRPr sz="3400"/>
             </a:lvl2pPr>
-            <a:lvl3pPr marL="914400" indent="0">
+            <a:lvl3pPr marL="2612532" indent="0">
               <a:buNone/>
-              <a:defRPr sz="1000"/>
+              <a:defRPr sz="2900"/>
             </a:lvl3pPr>
-            <a:lvl4pPr marL="1371600" indent="0">
+            <a:lvl4pPr marL="3918798" indent="0">
               <a:buNone/>
-              <a:defRPr sz="900"/>
+              <a:defRPr sz="2600"/>
             </a:lvl4pPr>
-            <a:lvl5pPr marL="1828800" indent="0">
+            <a:lvl5pPr marL="5225064" indent="0">
               <a:buNone/>
-              <a:defRPr sz="900"/>
+              <a:defRPr sz="2600"/>
             </a:lvl5pPr>
-            <a:lvl6pPr marL="2286000" indent="0">
+            <a:lvl6pPr marL="6531331" indent="0">
               <a:buNone/>
-              <a:defRPr sz="900"/>
+              <a:defRPr sz="2600"/>
             </a:lvl6pPr>
-            <a:lvl7pPr marL="2743200" indent="0">
+            <a:lvl7pPr marL="7837597" indent="0">
               <a:buNone/>
-              <a:defRPr sz="900"/>
+              <a:defRPr sz="2600"/>
             </a:lvl7pPr>
-            <a:lvl8pPr marL="3200400" indent="0">
+            <a:lvl8pPr marL="9143863" indent="0">
               <a:buNone/>
-              <a:defRPr sz="900"/>
+              <a:defRPr sz="2600"/>
             </a:lvl8pPr>
-            <a:lvl9pPr marL="3657600" indent="0">
+            <a:lvl9pPr marL="10450129" indent="0">
               <a:buNone/>
-              <a:defRPr sz="900"/>
+              <a:defRPr sz="2600"/>
             </a:lvl9pPr>
           </a:lstStyle>
           <a:p>
@@ -2460,7 +2481,8 @@
           <a:p>
             <a:fld id="{A014A4AB-FE67-4545-BF42-A7A57FF9A4DA}" type="datetimeFigureOut">
               <a:rPr lang="en-US" smtClean="0"/>
-              <a:t>12/7/2011</a:t>
+              <a:pPr/>
+              <a:t>3/1/2012</a:t>
             </a:fld>
             <a:endParaRPr lang="en-US"/>
           </a:p>
@@ -2502,6 +2524,7 @@
           <a:p>
             <a:fld id="{0A592555-19D5-42C5-9613-B36E482FB174}" type="slidenum">
               <a:rPr lang="en-US" smtClean="0"/>
+              <a:pPr/>
               <a:t>‹#›</a:t>
             </a:fld>
             <a:endParaRPr lang="en-US"/>
@@ -2550,15 +2573,15 @@
         </p:nvSpPr>
         <p:spPr>
           <a:xfrm>
-            <a:off x="457200" y="274638"/>
-            <a:ext cx="8229600" cy="1143000"/>
+            <a:off x="1371600" y="732368"/>
+            <a:ext cx="24688800" cy="3048000"/>
           </a:xfrm>
           <a:prstGeom prst="rect">
             <a:avLst/>
           </a:prstGeom>
         </p:spPr>
         <p:txBody>
-          <a:bodyPr vert="horz" lIns="91440" tIns="45720" rIns="91440" bIns="45720" rtlCol="0" anchor="ctr">
+          <a:bodyPr vert="horz" lIns="261253" tIns="130627" rIns="261253" bIns="130627" rtlCol="0" anchor="ctr">
             <a:normAutofit/>
           </a:bodyPr>
           <a:lstStyle/>
@@ -2583,15 +2606,15 @@
         </p:nvSpPr>
         <p:spPr>
           <a:xfrm>
-            <a:off x="457200" y="1600200"/>
-            <a:ext cx="8229600" cy="4525963"/>
+            <a:off x="1371600" y="4267201"/>
+            <a:ext cx="24688800" cy="12069235"/>
           </a:xfrm>
           <a:prstGeom prst="rect">
             <a:avLst/>
           </a:prstGeom>
         </p:spPr>
         <p:txBody>
-          <a:bodyPr vert="horz" lIns="91440" tIns="45720" rIns="91440" bIns="45720" rtlCol="0">
+          <a:bodyPr vert="horz" lIns="261253" tIns="130627" rIns="261253" bIns="130627" rtlCol="0">
             <a:normAutofit/>
           </a:bodyPr>
           <a:lstStyle/>
@@ -2645,18 +2668,18 @@
         </p:nvSpPr>
         <p:spPr>
           <a:xfrm>
-            <a:off x="457200" y="6356350"/>
-            <a:ext cx="2133600" cy="365125"/>
+            <a:off x="1371600" y="16950268"/>
+            <a:ext cx="6400800" cy="973667"/>
           </a:xfrm>
           <a:prstGeom prst="rect">
             <a:avLst/>
           </a:prstGeom>
         </p:spPr>
         <p:txBody>
-          <a:bodyPr vert="horz" lIns="91440" tIns="45720" rIns="91440" bIns="45720" rtlCol="0" anchor="ctr"/>
+          <a:bodyPr vert="horz" lIns="261253" tIns="130627" rIns="261253" bIns="130627" rtlCol="0" anchor="ctr"/>
           <a:lstStyle>
             <a:lvl1pPr algn="l">
-              <a:defRPr sz="1200">
+              <a:defRPr sz="3400">
                 <a:solidFill>
                   <a:schemeClr val="tx1">
                     <a:tint val="75000"/>
@@ -2668,7 +2691,8 @@
           <a:p>
             <a:fld id="{A014A4AB-FE67-4545-BF42-A7A57FF9A4DA}" type="datetimeFigureOut">
               <a:rPr lang="en-US" smtClean="0"/>
-              <a:t>12/7/2011</a:t>
+              <a:pPr/>
+              <a:t>3/1/2012</a:t>
             </a:fld>
             <a:endParaRPr lang="en-US"/>
           </a:p>
@@ -2686,18 +2710,18 @@
         </p:nvSpPr>
         <p:spPr>
           <a:xfrm>
-            <a:off x="3124200" y="6356350"/>
-            <a:ext cx="2895600" cy="365125"/>
+            <a:off x="9372600" y="16950268"/>
+            <a:ext cx="8686800" cy="973667"/>
           </a:xfrm>
           <a:prstGeom prst="rect">
             <a:avLst/>
           </a:prstGeom>
         </p:spPr>
         <p:txBody>
-          <a:bodyPr vert="horz" lIns="91440" tIns="45720" rIns="91440" bIns="45720" rtlCol="0" anchor="ctr"/>
+          <a:bodyPr vert="horz" lIns="261253" tIns="130627" rIns="261253" bIns="130627" rtlCol="0" anchor="ctr"/>
           <a:lstStyle>
             <a:lvl1pPr algn="ctr">
-              <a:defRPr sz="1200">
+              <a:defRPr sz="3400">
                 <a:solidFill>
                   <a:schemeClr val="tx1">
                     <a:tint val="75000"/>
@@ -2723,18 +2747,18 @@
         </p:nvSpPr>
         <p:spPr>
           <a:xfrm>
-            <a:off x="6553200" y="6356350"/>
-            <a:ext cx="2133600" cy="365125"/>
+            <a:off x="19659600" y="16950268"/>
+            <a:ext cx="6400800" cy="973667"/>
           </a:xfrm>
           <a:prstGeom prst="rect">
             <a:avLst/>
           </a:prstGeom>
         </p:spPr>
         <p:txBody>
-          <a:bodyPr vert="horz" lIns="91440" tIns="45720" rIns="91440" bIns="45720" rtlCol="0" anchor="ctr"/>
+          <a:bodyPr vert="horz" lIns="261253" tIns="130627" rIns="261253" bIns="130627" rtlCol="0" anchor="ctr"/>
           <a:lstStyle>
             <a:lvl1pPr algn="r">
-              <a:defRPr sz="1200">
+              <a:defRPr sz="3400">
                 <a:solidFill>
                   <a:schemeClr val="tx1">
                     <a:tint val="75000"/>
@@ -2746,6 +2770,7 @@
           <a:p>
             <a:fld id="{0A592555-19D5-42C5-9613-B36E482FB174}" type="slidenum">
               <a:rPr lang="en-US" smtClean="0"/>
+              <a:pPr/>
               <a:t>‹#›</a:t>
             </a:fld>
             <a:endParaRPr lang="en-US"/>
@@ -2770,12 +2795,12 @@
   </p:sldLayoutIdLst>
   <p:txStyles>
     <p:titleStyle>
-      <a:lvl1pPr algn="ctr" defTabSz="914400" rtl="0" eaLnBrk="1" latinLnBrk="0" hangingPunct="1">
+      <a:lvl1pPr algn="ctr" defTabSz="2612532" rtl="0" eaLnBrk="1" latinLnBrk="0" hangingPunct="1">
         <a:spcBef>
           <a:spcPct val="0"/>
         </a:spcBef>
         <a:buNone/>
-        <a:defRPr sz="4400" kern="1200">
+        <a:defRPr sz="12600" kern="1200">
           <a:solidFill>
             <a:schemeClr val="tx1"/>
           </a:solidFill>
@@ -2786,13 +2811,13 @@
       </a:lvl1pPr>
     </p:titleStyle>
     <p:bodyStyle>
-      <a:lvl1pPr marL="342900" indent="-342900" algn="l" defTabSz="914400" rtl="0" eaLnBrk="1" latinLnBrk="0" hangingPunct="1">
+      <a:lvl1pPr marL="979700" indent="-979700" algn="l" defTabSz="2612532" rtl="0" eaLnBrk="1" latinLnBrk="0" hangingPunct="1">
         <a:spcBef>
           <a:spcPct val="20000"/>
         </a:spcBef>
         <a:buFont typeface="Arial" pitchFamily="34" charset="0"/>
         <a:buChar char="•"/>
-        <a:defRPr sz="3200" kern="1200">
+        <a:defRPr sz="9100" kern="1200">
           <a:solidFill>
             <a:schemeClr val="tx1"/>
           </a:solidFill>
@@ -2801,13 +2826,13 @@
           <a:cs typeface="+mn-cs"/>
         </a:defRPr>
       </a:lvl1pPr>
-      <a:lvl2pPr marL="742950" indent="-285750" algn="l" defTabSz="914400" rtl="0" eaLnBrk="1" latinLnBrk="0" hangingPunct="1">
+      <a:lvl2pPr marL="2122682" indent="-816416" algn="l" defTabSz="2612532" rtl="0" eaLnBrk="1" latinLnBrk="0" hangingPunct="1">
         <a:spcBef>
           <a:spcPct val="20000"/>
         </a:spcBef>
         <a:buFont typeface="Arial" pitchFamily="34" charset="0"/>
         <a:buChar char="–"/>
-        <a:defRPr sz="2800" kern="1200">
+        <a:defRPr sz="8000" kern="1200">
           <a:solidFill>
             <a:schemeClr val="tx1"/>
           </a:solidFill>
@@ -2816,13 +2841,13 @@
           <a:cs typeface="+mn-cs"/>
         </a:defRPr>
       </a:lvl2pPr>
-      <a:lvl3pPr marL="1143000" indent="-228600" algn="l" defTabSz="914400" rtl="0" eaLnBrk="1" latinLnBrk="0" hangingPunct="1">
+      <a:lvl3pPr marL="3265665" indent="-653133" algn="l" defTabSz="2612532" rtl="0" eaLnBrk="1" latinLnBrk="0" hangingPunct="1">
         <a:spcBef>
           <a:spcPct val="20000"/>
         </a:spcBef>
         <a:buFont typeface="Arial" pitchFamily="34" charset="0"/>
         <a:buChar char="•"/>
-        <a:defRPr sz="2400" kern="1200">
+        <a:defRPr sz="6900" kern="1200">
           <a:solidFill>
             <a:schemeClr val="tx1"/>
           </a:solidFill>
@@ -2831,13 +2856,13 @@
           <a:cs typeface="+mn-cs"/>
         </a:defRPr>
       </a:lvl3pPr>
-      <a:lvl4pPr marL="1600200" indent="-228600" algn="l" defTabSz="914400" rtl="0" eaLnBrk="1" latinLnBrk="0" hangingPunct="1">
+      <a:lvl4pPr marL="4571931" indent="-653133" algn="l" defTabSz="2612532" rtl="0" eaLnBrk="1" latinLnBrk="0" hangingPunct="1">
         <a:spcBef>
           <a:spcPct val="20000"/>
         </a:spcBef>
         <a:buFont typeface="Arial" pitchFamily="34" charset="0"/>
         <a:buChar char="–"/>
-        <a:defRPr sz="2000" kern="1200">
+        <a:defRPr sz="5700" kern="1200">
           <a:solidFill>
             <a:schemeClr val="tx1"/>
           </a:solidFill>
@@ -2846,13 +2871,13 @@
           <a:cs typeface="+mn-cs"/>
         </a:defRPr>
       </a:lvl4pPr>
-      <a:lvl5pPr marL="2057400" indent="-228600" algn="l" defTabSz="914400" rtl="0" eaLnBrk="1" latinLnBrk="0" hangingPunct="1">
+      <a:lvl5pPr marL="5878198" indent="-653133" algn="l" defTabSz="2612532" rtl="0" eaLnBrk="1" latinLnBrk="0" hangingPunct="1">
         <a:spcBef>
           <a:spcPct val="20000"/>
         </a:spcBef>
         <a:buFont typeface="Arial" pitchFamily="34" charset="0"/>
         <a:buChar char="»"/>
-        <a:defRPr sz="2000" kern="1200">
+        <a:defRPr sz="5700" kern="1200">
           <a:solidFill>
             <a:schemeClr val="tx1"/>
           </a:solidFill>
@@ -2861,13 +2886,13 @@
           <a:cs typeface="+mn-cs"/>
         </a:defRPr>
       </a:lvl5pPr>
-      <a:lvl6pPr marL="2514600" indent="-228600" algn="l" defTabSz="914400" rtl="0" eaLnBrk="1" latinLnBrk="0" hangingPunct="1">
+      <a:lvl6pPr marL="7184464" indent="-653133" algn="l" defTabSz="2612532" rtl="0" eaLnBrk="1" latinLnBrk="0" hangingPunct="1">
         <a:spcBef>
           <a:spcPct val="20000"/>
         </a:spcBef>
         <a:buFont typeface="Arial" pitchFamily="34" charset="0"/>
         <a:buChar char="•"/>
-        <a:defRPr sz="2000" kern="1200">
+        <a:defRPr sz="5700" kern="1200">
           <a:solidFill>
             <a:schemeClr val="tx1"/>
           </a:solidFill>
@@ -2876,13 +2901,13 @@
           <a:cs typeface="+mn-cs"/>
         </a:defRPr>
       </a:lvl6pPr>
-      <a:lvl7pPr marL="2971800" indent="-228600" algn="l" defTabSz="914400" rtl="0" eaLnBrk="1" latinLnBrk="0" hangingPunct="1">
+      <a:lvl7pPr marL="8490730" indent="-653133" algn="l" defTabSz="2612532" rtl="0" eaLnBrk="1" latinLnBrk="0" hangingPunct="1">
         <a:spcBef>
           <a:spcPct val="20000"/>
         </a:spcBef>
         <a:buFont typeface="Arial" pitchFamily="34" charset="0"/>
         <a:buChar char="•"/>
-        <a:defRPr sz="2000" kern="1200">
+        <a:defRPr sz="5700" kern="1200">
           <a:solidFill>
             <a:schemeClr val="tx1"/>
           </a:solidFill>
@@ -2891,13 +2916,13 @@
           <a:cs typeface="+mn-cs"/>
         </a:defRPr>
       </a:lvl7pPr>
-      <a:lvl8pPr marL="3429000" indent="-228600" algn="l" defTabSz="914400" rtl="0" eaLnBrk="1" latinLnBrk="0" hangingPunct="1">
+      <a:lvl8pPr marL="9796996" indent="-653133" algn="l" defTabSz="2612532" rtl="0" eaLnBrk="1" latinLnBrk="0" hangingPunct="1">
         <a:spcBef>
           <a:spcPct val="20000"/>
         </a:spcBef>
         <a:buFont typeface="Arial" pitchFamily="34" charset="0"/>
         <a:buChar char="•"/>
-        <a:defRPr sz="2000" kern="1200">
+        <a:defRPr sz="5700" kern="1200">
           <a:solidFill>
             <a:schemeClr val="tx1"/>
           </a:solidFill>
@@ -2906,13 +2931,13 @@
           <a:cs typeface="+mn-cs"/>
         </a:defRPr>
       </a:lvl8pPr>
-      <a:lvl9pPr marL="3886200" indent="-228600" algn="l" defTabSz="914400" rtl="0" eaLnBrk="1" latinLnBrk="0" hangingPunct="1">
+      <a:lvl9pPr marL="11103262" indent="-653133" algn="l" defTabSz="2612532" rtl="0" eaLnBrk="1" latinLnBrk="0" hangingPunct="1">
         <a:spcBef>
           <a:spcPct val="20000"/>
         </a:spcBef>
         <a:buFont typeface="Arial" pitchFamily="34" charset="0"/>
         <a:buChar char="•"/>
-        <a:defRPr sz="2000" kern="1200">
+        <a:defRPr sz="5700" kern="1200">
           <a:solidFill>
             <a:schemeClr val="tx1"/>
           </a:solidFill>
@@ -2926,8 +2951,8 @@
       <a:defPPr>
         <a:defRPr lang="en-US"/>
       </a:defPPr>
-      <a:lvl1pPr marL="0" algn="l" defTabSz="914400" rtl="0" eaLnBrk="1" latinLnBrk="0" hangingPunct="1">
-        <a:defRPr sz="1800" kern="1200">
+      <a:lvl1pPr marL="0" algn="l" defTabSz="2612532" rtl="0" eaLnBrk="1" latinLnBrk="0" hangingPunct="1">
+        <a:defRPr sz="5100" kern="1200">
           <a:solidFill>
             <a:schemeClr val="tx1"/>
           </a:solidFill>
@@ -2936,8 +2961,8 @@
           <a:cs typeface="+mn-cs"/>
         </a:defRPr>
       </a:lvl1pPr>
-      <a:lvl2pPr marL="457200" algn="l" defTabSz="914400" rtl="0" eaLnBrk="1" latinLnBrk="0" hangingPunct="1">
-        <a:defRPr sz="1800" kern="1200">
+      <a:lvl2pPr marL="1306266" algn="l" defTabSz="2612532" rtl="0" eaLnBrk="1" latinLnBrk="0" hangingPunct="1">
+        <a:defRPr sz="5100" kern="1200">
           <a:solidFill>
             <a:schemeClr val="tx1"/>
           </a:solidFill>
@@ -2946,8 +2971,8 @@
           <a:cs typeface="+mn-cs"/>
         </a:defRPr>
       </a:lvl2pPr>
-      <a:lvl3pPr marL="914400" algn="l" defTabSz="914400" rtl="0" eaLnBrk="1" latinLnBrk="0" hangingPunct="1">
-        <a:defRPr sz="1800" kern="1200">
+      <a:lvl3pPr marL="2612532" algn="l" defTabSz="2612532" rtl="0" eaLnBrk="1" latinLnBrk="0" hangingPunct="1">
+        <a:defRPr sz="5100" kern="1200">
           <a:solidFill>
             <a:schemeClr val="tx1"/>
           </a:solidFill>
@@ -2956,8 +2981,8 @@
           <a:cs typeface="+mn-cs"/>
         </a:defRPr>
       </a:lvl3pPr>
-      <a:lvl4pPr marL="1371600" algn="l" defTabSz="914400" rtl="0" eaLnBrk="1" latinLnBrk="0" hangingPunct="1">
-        <a:defRPr sz="1800" kern="1200">
+      <a:lvl4pPr marL="3918798" algn="l" defTabSz="2612532" rtl="0" eaLnBrk="1" latinLnBrk="0" hangingPunct="1">
+        <a:defRPr sz="5100" kern="1200">
           <a:solidFill>
             <a:schemeClr val="tx1"/>
           </a:solidFill>
@@ -2966,8 +2991,8 @@
           <a:cs typeface="+mn-cs"/>
         </a:defRPr>
       </a:lvl4pPr>
-      <a:lvl5pPr marL="1828800" algn="l" defTabSz="914400" rtl="0" eaLnBrk="1" latinLnBrk="0" hangingPunct="1">
-        <a:defRPr sz="1800" kern="1200">
+      <a:lvl5pPr marL="5225064" algn="l" defTabSz="2612532" rtl="0" eaLnBrk="1" latinLnBrk="0" hangingPunct="1">
+        <a:defRPr sz="5100" kern="1200">
           <a:solidFill>
             <a:schemeClr val="tx1"/>
           </a:solidFill>
@@ -2976,8 +3001,8 @@
           <a:cs typeface="+mn-cs"/>
         </a:defRPr>
       </a:lvl5pPr>
-      <a:lvl6pPr marL="2286000" algn="l" defTabSz="914400" rtl="0" eaLnBrk="1" latinLnBrk="0" hangingPunct="1">
-        <a:defRPr sz="1800" kern="1200">
+      <a:lvl6pPr marL="6531331" algn="l" defTabSz="2612532" rtl="0" eaLnBrk="1" latinLnBrk="0" hangingPunct="1">
+        <a:defRPr sz="5100" kern="1200">
           <a:solidFill>
             <a:schemeClr val="tx1"/>
           </a:solidFill>
@@ -2986,8 +3011,8 @@
           <a:cs typeface="+mn-cs"/>
         </a:defRPr>
       </a:lvl6pPr>
-      <a:lvl7pPr marL="2743200" algn="l" defTabSz="914400" rtl="0" eaLnBrk="1" latinLnBrk="0" hangingPunct="1">
-        <a:defRPr sz="1800" kern="1200">
+      <a:lvl7pPr marL="7837597" algn="l" defTabSz="2612532" rtl="0" eaLnBrk="1" latinLnBrk="0" hangingPunct="1">
+        <a:defRPr sz="5100" kern="1200">
           <a:solidFill>
             <a:schemeClr val="tx1"/>
           </a:solidFill>
@@ -2996,8 +3021,8 @@
           <a:cs typeface="+mn-cs"/>
         </a:defRPr>
       </a:lvl7pPr>
-      <a:lvl8pPr marL="3200400" algn="l" defTabSz="914400" rtl="0" eaLnBrk="1" latinLnBrk="0" hangingPunct="1">
-        <a:defRPr sz="1800" kern="1200">
+      <a:lvl8pPr marL="9143863" algn="l" defTabSz="2612532" rtl="0" eaLnBrk="1" latinLnBrk="0" hangingPunct="1">
+        <a:defRPr sz="5100" kern="1200">
           <a:solidFill>
             <a:schemeClr val="tx1"/>
           </a:solidFill>
@@ -3006,8 +3031,8 @@
           <a:cs typeface="+mn-cs"/>
         </a:defRPr>
       </a:lvl8pPr>
-      <a:lvl9pPr marL="3657600" algn="l" defTabSz="914400" rtl="0" eaLnBrk="1" latinLnBrk="0" hangingPunct="1">
-        <a:defRPr sz="1800" kern="1200">
+      <a:lvl9pPr marL="10450129" algn="l" defTabSz="2612532" rtl="0" eaLnBrk="1" latinLnBrk="0" hangingPunct="1">
+        <a:defRPr sz="5100" kern="1200">
           <a:solidFill>
             <a:schemeClr val="tx1"/>
           </a:solidFill>
@@ -3116,8 +3141,8 @@
         </p:nvSpPr>
         <p:spPr>
           <a:xfrm>
-            <a:off x="1582341" y="1549177"/>
-            <a:ext cx="2664296" cy="4176464"/>
+            <a:off x="15660216" y="5495595"/>
+            <a:ext cx="7992888" cy="11137237"/>
           </a:xfrm>
           <a:prstGeom prst="flowChartProcess">
             <a:avLst/>
@@ -3138,11 +3163,11 @@
           </a:fontRef>
         </p:style>
         <p:txBody>
-          <a:bodyPr rtlCol="0" anchor="ctr"/>
+          <a:bodyPr lIns="261253" tIns="130627" rIns="261253" bIns="130627" rtlCol="0" anchor="ctr"/>
           <a:lstStyle/>
           <a:p>
             <a:pPr algn="ctr"/>
-            <a:endParaRPr lang="en-US" sz="1400"/>
+            <a:endParaRPr lang="en-US" sz="4000" dirty="0"/>
           </a:p>
         </p:txBody>
       </p:sp>
@@ -3154,8 +3179,8 @@
         </p:nvSpPr>
         <p:spPr>
           <a:xfrm>
-            <a:off x="4606677" y="1621185"/>
-            <a:ext cx="2952328" cy="2736304"/>
+            <a:off x="17820456" y="4343467"/>
+            <a:ext cx="8856984" cy="7296811"/>
           </a:xfrm>
           <a:prstGeom prst="flowChartProcess">
             <a:avLst/>
@@ -3176,7 +3201,7 @@
           </a:fontRef>
         </p:style>
         <p:txBody>
-          <a:bodyPr rtlCol="0" anchor="ctr"/>
+          <a:bodyPr lIns="261253" tIns="130627" rIns="261253" bIns="130627" rtlCol="0" anchor="ctr"/>
           <a:lstStyle/>
           <a:p>
             <a:pPr algn="ctr"/>
@@ -3186,14 +3211,2213 @@
       </p:sp>
       <p:sp>
         <p:nvSpPr>
-          <p:cNvPr id="6" name="AutoShape 9"/>
+          <p:cNvPr id="7" name="Text Box 7"/>
           <p:cNvSpPr/>
           <p:nvPr/>
         </p:nvSpPr>
         <p:spPr>
           <a:xfrm>
-            <a:off x="5182741" y="2413273"/>
-            <a:ext cx="1728192" cy="1584176"/>
+            <a:off x="15116175" y="4515182"/>
+            <a:ext cx="6696744" cy="768085"/>
+          </a:xfrm>
+          <a:custGeom>
+            <a:avLst/>
+            <a:gdLst>
+              <a:gd name="f0" fmla="val w"/>
+              <a:gd name="f1" fmla="val h"/>
+              <a:gd name="f2" fmla="val 0"/>
+              <a:gd name="f3" fmla="val 21600"/>
+              <a:gd name="f4" fmla="*/ f0 1 21600"/>
+              <a:gd name="f5" fmla="*/ f1 1 21600"/>
+              <a:gd name="f6" fmla="val f2"/>
+              <a:gd name="f7" fmla="val f3"/>
+              <a:gd name="f8" fmla="+- f7 0 f6"/>
+              <a:gd name="f9" fmla="*/ f8 1 21600"/>
+              <a:gd name="f10" fmla="*/ f6 1 f9"/>
+              <a:gd name="f11" fmla="*/ f7 1 f9"/>
+              <a:gd name="f12" fmla="*/ f10 f4 1"/>
+              <a:gd name="f13" fmla="*/ f11 f4 1"/>
+              <a:gd name="f14" fmla="*/ f11 f5 1"/>
+              <a:gd name="f15" fmla="*/ f10 f5 1"/>
+            </a:gdLst>
+            <a:ahLst/>
+            <a:cxnLst>
+              <a:cxn ang="3cd4">
+                <a:pos x="hc" y="t"/>
+              </a:cxn>
+              <a:cxn ang="0">
+                <a:pos x="r" y="vc"/>
+              </a:cxn>
+              <a:cxn ang="cd4">
+                <a:pos x="hc" y="b"/>
+              </a:cxn>
+              <a:cxn ang="cd2">
+                <a:pos x="l" y="vc"/>
+              </a:cxn>
+            </a:cxnLst>
+            <a:rect l="f12" t="f15" r="f13" b="f14"/>
+            <a:pathLst>
+              <a:path w="21600" h="21600">
+                <a:moveTo>
+                  <a:pt x="f2" y="f2"/>
+                </a:moveTo>
+                <a:lnTo>
+                  <a:pt x="f3" y="f2"/>
+                </a:lnTo>
+                <a:lnTo>
+                  <a:pt x="f3" y="f3"/>
+                </a:lnTo>
+                <a:lnTo>
+                  <a:pt x="f2" y="f3"/>
+                </a:lnTo>
+                <a:lnTo>
+                  <a:pt x="f2" y="f2"/>
+                </a:lnTo>
+                <a:close/>
+              </a:path>
+            </a:pathLst>
+          </a:custGeom>
+          <a:noFill/>
+          <a:ln w="9363">
+            <a:noFill/>
+            <a:prstDash val="solid"/>
+            <a:round/>
+          </a:ln>
+        </p:spPr>
+        <p:txBody>
+          <a:bodyPr vert="horz" wrap="square" lIns="257150" tIns="128561" rIns="257150" bIns="128561" anchor="t" anchorCtr="1" compatLnSpc="0"/>
+          <a:lstStyle/>
+          <a:p>
+            <a:pPr algn="ctr">
+              <a:defRPr sz="2650" b="0" i="0" u="none" strike="noStrike" kern="0" cap="none" spc="0" baseline="0">
+                <a:solidFill>
+                  <a:srgbClr val="000000"/>
+                </a:solidFill>
+                <a:uFillTx/>
+              </a:defRPr>
+            </a:pPr>
+            <a:r>
+              <a:rPr lang="en-US" sz="5700" dirty="0" smtClean="0">
+                <a:solidFill>
+                  <a:srgbClr val="000000"/>
+                </a:solidFill>
+                <a:latin typeface="Arial" pitchFamily="18"/>
+                <a:ea typeface="DejaVu Sans" pitchFamily="2"/>
+                <a:cs typeface="Lohit Hindi" pitchFamily="2"/>
+              </a:rPr>
+              <a:t>Application Code</a:t>
+            </a:r>
+            <a:endParaRPr lang="en-US" sz="5700" dirty="0">
+              <a:solidFill>
+                <a:srgbClr val="000000"/>
+              </a:solidFill>
+              <a:latin typeface="Arial" pitchFamily="18"/>
+              <a:ea typeface="DejaVu Sans" pitchFamily="2"/>
+              <a:cs typeface="Lohit Hindi" pitchFamily="2"/>
+            </a:endParaRPr>
+          </a:p>
+          <a:p>
+            <a:pPr algn="ctr">
+              <a:defRPr sz="2650" b="0" i="0" u="none" strike="noStrike" kern="0" cap="none" spc="0" baseline="0">
+                <a:solidFill>
+                  <a:srgbClr val="000000"/>
+                </a:solidFill>
+                <a:uFillTx/>
+              </a:defRPr>
+            </a:pPr>
+            <a:endParaRPr lang="en-US" sz="4000" dirty="0">
+              <a:solidFill>
+                <a:srgbClr val="000000"/>
+              </a:solidFill>
+              <a:latin typeface="Arial" pitchFamily="18"/>
+              <a:ea typeface="DejaVu Sans" pitchFamily="2"/>
+              <a:cs typeface="Lohit Hindi" pitchFamily="2"/>
+            </a:endParaRPr>
+          </a:p>
+        </p:txBody>
+      </p:sp>
+      <p:sp>
+        <p:nvSpPr>
+          <p:cNvPr id="10" name="Text Box 3"/>
+          <p:cNvSpPr/>
+          <p:nvPr/>
+        </p:nvSpPr>
+        <p:spPr>
+          <a:xfrm>
+            <a:off x="8243392" y="10008096"/>
+            <a:ext cx="1872208" cy="432048"/>
+          </a:xfrm>
+          <a:custGeom>
+            <a:avLst/>
+            <a:gdLst>
+              <a:gd name="f0" fmla="val w"/>
+              <a:gd name="f1" fmla="val h"/>
+              <a:gd name="f2" fmla="val 0"/>
+              <a:gd name="f3" fmla="val 21600"/>
+              <a:gd name="f4" fmla="*/ f0 1 21600"/>
+              <a:gd name="f5" fmla="*/ f1 1 21600"/>
+              <a:gd name="f6" fmla="val f2"/>
+              <a:gd name="f7" fmla="val f3"/>
+              <a:gd name="f8" fmla="+- f7 0 f6"/>
+              <a:gd name="f9" fmla="*/ f8 1 21600"/>
+              <a:gd name="f10" fmla="*/ f6 1 f9"/>
+              <a:gd name="f11" fmla="*/ f7 1 f9"/>
+              <a:gd name="f12" fmla="*/ f10 f4 1"/>
+              <a:gd name="f13" fmla="*/ f11 f4 1"/>
+              <a:gd name="f14" fmla="*/ f11 f5 1"/>
+              <a:gd name="f15" fmla="*/ f10 f5 1"/>
+            </a:gdLst>
+            <a:ahLst/>
+            <a:cxnLst>
+              <a:cxn ang="3cd4">
+                <a:pos x="hc" y="t"/>
+              </a:cxn>
+              <a:cxn ang="0">
+                <a:pos x="r" y="vc"/>
+              </a:cxn>
+              <a:cxn ang="cd4">
+                <a:pos x="hc" y="b"/>
+              </a:cxn>
+              <a:cxn ang="cd2">
+                <a:pos x="l" y="vc"/>
+              </a:cxn>
+            </a:cxnLst>
+            <a:rect l="f12" t="f15" r="f13" b="f14"/>
+            <a:pathLst>
+              <a:path w="21600" h="21600">
+                <a:moveTo>
+                  <a:pt x="f2" y="f2"/>
+                </a:moveTo>
+                <a:lnTo>
+                  <a:pt x="f3" y="f2"/>
+                </a:lnTo>
+                <a:lnTo>
+                  <a:pt x="f3" y="f3"/>
+                </a:lnTo>
+                <a:lnTo>
+                  <a:pt x="f2" y="f3"/>
+                </a:lnTo>
+                <a:lnTo>
+                  <a:pt x="f2" y="f2"/>
+                </a:lnTo>
+                <a:close/>
+              </a:path>
+            </a:pathLst>
+          </a:custGeom>
+          <a:ln/>
+        </p:spPr>
+        <p:style>
+          <a:lnRef idx="1">
+            <a:schemeClr val="dk1"/>
+          </a:lnRef>
+          <a:fillRef idx="2">
+            <a:schemeClr val="dk1"/>
+          </a:fillRef>
+          <a:effectRef idx="1">
+            <a:schemeClr val="dk1"/>
+          </a:effectRef>
+          <a:fontRef idx="minor">
+            <a:schemeClr val="dk1"/>
+          </a:fontRef>
+        </p:style>
+        <p:txBody>
+          <a:bodyPr vert="horz" wrap="square" lIns="257150" tIns="128561" rIns="257150" bIns="128561" anchor="t" anchorCtr="1" compatLnSpc="0"/>
+          <a:lstStyle/>
+          <a:p>
+            <a:pPr algn="ctr">
+              <a:defRPr sz="2650" b="0" i="0" u="none" strike="noStrike" kern="0" cap="none" spc="0" baseline="0">
+                <a:solidFill>
+                  <a:srgbClr val="000000"/>
+                </a:solidFill>
+                <a:uFillTx/>
+              </a:defRPr>
+            </a:pPr>
+            <a:r>
+              <a:rPr lang="en-US" sz="1200" dirty="0" smtClean="0">
+                <a:solidFill>
+                  <a:srgbClr val="000000"/>
+                </a:solidFill>
+                <a:latin typeface="Arial" pitchFamily="18"/>
+                <a:ea typeface="DejaVu Sans" pitchFamily="2"/>
+                <a:cs typeface="Lohit Hindi" pitchFamily="2"/>
+              </a:rPr>
+              <a:t>PDP</a:t>
+            </a:r>
+            <a:endParaRPr lang="en-US" sz="1200" dirty="0">
+              <a:solidFill>
+                <a:srgbClr val="000000"/>
+              </a:solidFill>
+              <a:latin typeface="Arial" pitchFamily="18"/>
+              <a:ea typeface="DejaVu Sans" pitchFamily="2"/>
+              <a:cs typeface="Lohit Hindi" pitchFamily="2"/>
+            </a:endParaRPr>
+          </a:p>
+          <a:p>
+            <a:pPr algn="ctr">
+              <a:defRPr sz="2650" b="0" i="0" u="none" strike="noStrike" kern="0" cap="none" spc="0" baseline="0">
+                <a:solidFill>
+                  <a:srgbClr val="000000"/>
+                </a:solidFill>
+                <a:uFillTx/>
+              </a:defRPr>
+            </a:pPr>
+            <a:endParaRPr lang="en-US" sz="8000" dirty="0">
+              <a:solidFill>
+                <a:srgbClr val="000000"/>
+              </a:solidFill>
+              <a:latin typeface="Arial" pitchFamily="18"/>
+              <a:ea typeface="DejaVu Sans" pitchFamily="2"/>
+              <a:cs typeface="Lohit Hindi" pitchFamily="2"/>
+            </a:endParaRPr>
+          </a:p>
+          <a:p>
+            <a:pPr algn="ctr">
+              <a:defRPr sz="2650" b="0" i="0" u="none" strike="noStrike" kern="0" cap="none" spc="0" baseline="0">
+                <a:solidFill>
+                  <a:srgbClr val="000000"/>
+                </a:solidFill>
+                <a:uFillTx/>
+              </a:defRPr>
+            </a:pPr>
+            <a:endParaRPr lang="en-US" sz="8000" dirty="0">
+              <a:solidFill>
+                <a:srgbClr val="000000"/>
+              </a:solidFill>
+              <a:latin typeface="Arial" pitchFamily="18"/>
+              <a:ea typeface="DejaVu Sans" pitchFamily="2"/>
+              <a:cs typeface="Lohit Hindi" pitchFamily="2"/>
+            </a:endParaRPr>
+          </a:p>
+          <a:p>
+            <a:pPr algn="ctr">
+              <a:defRPr sz="2650" b="0" i="0" u="none" strike="noStrike" kern="0" cap="none" spc="0" baseline="0">
+                <a:solidFill>
+                  <a:srgbClr val="000000"/>
+                </a:solidFill>
+                <a:uFillTx/>
+              </a:defRPr>
+            </a:pPr>
+            <a:endParaRPr lang="en-US" sz="8000" dirty="0">
+              <a:solidFill>
+                <a:srgbClr val="000000"/>
+              </a:solidFill>
+              <a:latin typeface="Arial" pitchFamily="18"/>
+              <a:ea typeface="DejaVu Sans" pitchFamily="2"/>
+              <a:cs typeface="Lohit Hindi" pitchFamily="2"/>
+            </a:endParaRPr>
+          </a:p>
+          <a:p>
+            <a:pPr algn="ctr">
+              <a:defRPr sz="2650" b="0" i="0" u="none" strike="noStrike" kern="0" cap="none" spc="0" baseline="0">
+                <a:solidFill>
+                  <a:srgbClr val="000000"/>
+                </a:solidFill>
+                <a:uFillTx/>
+              </a:defRPr>
+            </a:pPr>
+            <a:endParaRPr lang="en-US" sz="8000" dirty="0">
+              <a:solidFill>
+                <a:srgbClr val="000000"/>
+              </a:solidFill>
+              <a:latin typeface="Arial" pitchFamily="18"/>
+              <a:ea typeface="DejaVu Sans" pitchFamily="2"/>
+              <a:cs typeface="Lohit Hindi" pitchFamily="2"/>
+            </a:endParaRPr>
+          </a:p>
+          <a:p>
+            <a:pPr algn="ctr">
+              <a:defRPr sz="2650" b="0" i="0" u="none" strike="noStrike" kern="0" cap="none" spc="0" baseline="0">
+                <a:solidFill>
+                  <a:srgbClr val="000000"/>
+                </a:solidFill>
+                <a:uFillTx/>
+              </a:defRPr>
+            </a:pPr>
+            <a:endParaRPr lang="en-US" sz="8000" dirty="0">
+              <a:solidFill>
+                <a:srgbClr val="000000"/>
+              </a:solidFill>
+              <a:latin typeface="Arial" pitchFamily="18"/>
+              <a:ea typeface="DejaVu Sans" pitchFamily="2"/>
+              <a:cs typeface="Lohit Hindi" pitchFamily="2"/>
+            </a:endParaRPr>
+          </a:p>
+        </p:txBody>
+      </p:sp>
+      <p:sp>
+        <p:nvSpPr>
+          <p:cNvPr id="11" name="Text Box 3"/>
+          <p:cNvSpPr/>
+          <p:nvPr/>
+        </p:nvSpPr>
+        <p:spPr>
+          <a:xfrm>
+            <a:off x="6443192" y="3455368"/>
+            <a:ext cx="936104" cy="425467"/>
+          </a:xfrm>
+          <a:custGeom>
+            <a:avLst/>
+            <a:gdLst>
+              <a:gd name="f0" fmla="val w"/>
+              <a:gd name="f1" fmla="val h"/>
+              <a:gd name="f2" fmla="val 0"/>
+              <a:gd name="f3" fmla="val 21600"/>
+              <a:gd name="f4" fmla="*/ f0 1 21600"/>
+              <a:gd name="f5" fmla="*/ f1 1 21600"/>
+              <a:gd name="f6" fmla="val f2"/>
+              <a:gd name="f7" fmla="val f3"/>
+              <a:gd name="f8" fmla="+- f7 0 f6"/>
+              <a:gd name="f9" fmla="*/ f8 1 21600"/>
+              <a:gd name="f10" fmla="*/ f6 1 f9"/>
+              <a:gd name="f11" fmla="*/ f7 1 f9"/>
+              <a:gd name="f12" fmla="*/ f10 f4 1"/>
+              <a:gd name="f13" fmla="*/ f11 f4 1"/>
+              <a:gd name="f14" fmla="*/ f11 f5 1"/>
+              <a:gd name="f15" fmla="*/ f10 f5 1"/>
+            </a:gdLst>
+            <a:ahLst/>
+            <a:cxnLst>
+              <a:cxn ang="3cd4">
+                <a:pos x="hc" y="t"/>
+              </a:cxn>
+              <a:cxn ang="0">
+                <a:pos x="r" y="vc"/>
+              </a:cxn>
+              <a:cxn ang="cd4">
+                <a:pos x="hc" y="b"/>
+              </a:cxn>
+              <a:cxn ang="cd2">
+                <a:pos x="l" y="vc"/>
+              </a:cxn>
+            </a:cxnLst>
+            <a:rect l="f12" t="f15" r="f13" b="f14"/>
+            <a:pathLst>
+              <a:path w="21600" h="21600">
+                <a:moveTo>
+                  <a:pt x="f2" y="f2"/>
+                </a:moveTo>
+                <a:lnTo>
+                  <a:pt x="f3" y="f2"/>
+                </a:lnTo>
+                <a:lnTo>
+                  <a:pt x="f3" y="f3"/>
+                </a:lnTo>
+                <a:lnTo>
+                  <a:pt x="f2" y="f3"/>
+                </a:lnTo>
+                <a:lnTo>
+                  <a:pt x="f2" y="f2"/>
+                </a:lnTo>
+                <a:close/>
+              </a:path>
+            </a:pathLst>
+          </a:custGeom>
+          <a:ln/>
+        </p:spPr>
+        <p:style>
+          <a:lnRef idx="2">
+            <a:schemeClr val="dk1"/>
+          </a:lnRef>
+          <a:fillRef idx="1">
+            <a:schemeClr val="lt1"/>
+          </a:fillRef>
+          <a:effectRef idx="0">
+            <a:schemeClr val="dk1"/>
+          </a:effectRef>
+          <a:fontRef idx="minor">
+            <a:schemeClr val="dk1"/>
+          </a:fontRef>
+        </p:style>
+        <p:txBody>
+          <a:bodyPr vert="horz" wrap="square" lIns="257150" tIns="128561" rIns="257150" bIns="128561" anchor="t" anchorCtr="1" compatLnSpc="0"/>
+          <a:lstStyle/>
+          <a:p>
+            <a:pPr algn="ctr">
+              <a:defRPr sz="2650" b="0" i="0" u="none" strike="noStrike" kern="0" cap="none" spc="0" baseline="0">
+                <a:solidFill>
+                  <a:srgbClr val="000000"/>
+                </a:solidFill>
+                <a:uFillTx/>
+              </a:defRPr>
+            </a:pPr>
+            <a:r>
+              <a:rPr lang="en-US" sz="1400" b="1" dirty="0" smtClean="0">
+                <a:solidFill>
+                  <a:srgbClr val="000000"/>
+                </a:solidFill>
+                <a:latin typeface="Arial" pitchFamily="18"/>
+                <a:ea typeface="DejaVu Sans" pitchFamily="2"/>
+                <a:cs typeface="Lohit Hindi" pitchFamily="2"/>
+              </a:rPr>
+              <a:t>PEP</a:t>
+            </a:r>
+            <a:endParaRPr lang="en-US" sz="1400" b="1" dirty="0">
+              <a:solidFill>
+                <a:srgbClr val="000000"/>
+              </a:solidFill>
+              <a:latin typeface="Arial" pitchFamily="18"/>
+              <a:ea typeface="DejaVu Sans" pitchFamily="2"/>
+              <a:cs typeface="Lohit Hindi" pitchFamily="2"/>
+            </a:endParaRPr>
+          </a:p>
+          <a:p>
+            <a:pPr algn="ctr">
+              <a:defRPr sz="2650" b="0" i="0" u="none" strike="noStrike" kern="0" cap="none" spc="0" baseline="0">
+                <a:solidFill>
+                  <a:srgbClr val="000000"/>
+                </a:solidFill>
+                <a:uFillTx/>
+              </a:defRPr>
+            </a:pPr>
+            <a:endParaRPr lang="en-US" sz="1400" b="1" dirty="0">
+              <a:solidFill>
+                <a:srgbClr val="000000"/>
+              </a:solidFill>
+              <a:latin typeface="Arial" pitchFamily="18"/>
+              <a:ea typeface="DejaVu Sans" pitchFamily="2"/>
+              <a:cs typeface="Lohit Hindi" pitchFamily="2"/>
+            </a:endParaRPr>
+          </a:p>
+          <a:p>
+            <a:pPr algn="ctr">
+              <a:defRPr sz="2650" b="0" i="0" u="none" strike="noStrike" kern="0" cap="none" spc="0" baseline="0">
+                <a:solidFill>
+                  <a:srgbClr val="000000"/>
+                </a:solidFill>
+                <a:uFillTx/>
+              </a:defRPr>
+            </a:pPr>
+            <a:endParaRPr lang="en-US" sz="1400" b="1" dirty="0">
+              <a:solidFill>
+                <a:srgbClr val="000000"/>
+              </a:solidFill>
+              <a:latin typeface="Arial" pitchFamily="18"/>
+              <a:ea typeface="DejaVu Sans" pitchFamily="2"/>
+              <a:cs typeface="Lohit Hindi" pitchFamily="2"/>
+            </a:endParaRPr>
+          </a:p>
+          <a:p>
+            <a:pPr algn="ctr">
+              <a:defRPr sz="2650" b="0" i="0" u="none" strike="noStrike" kern="0" cap="none" spc="0" baseline="0">
+                <a:solidFill>
+                  <a:srgbClr val="000000"/>
+                </a:solidFill>
+                <a:uFillTx/>
+              </a:defRPr>
+            </a:pPr>
+            <a:endParaRPr lang="en-US" sz="1400" b="1" dirty="0">
+              <a:solidFill>
+                <a:srgbClr val="000000"/>
+              </a:solidFill>
+              <a:latin typeface="Arial" pitchFamily="18"/>
+              <a:ea typeface="DejaVu Sans" pitchFamily="2"/>
+              <a:cs typeface="Lohit Hindi" pitchFamily="2"/>
+            </a:endParaRPr>
+          </a:p>
+          <a:p>
+            <a:pPr algn="ctr">
+              <a:defRPr sz="2650" b="0" i="0" u="none" strike="noStrike" kern="0" cap="none" spc="0" baseline="0">
+                <a:solidFill>
+                  <a:srgbClr val="000000"/>
+                </a:solidFill>
+                <a:uFillTx/>
+              </a:defRPr>
+            </a:pPr>
+            <a:endParaRPr lang="en-US" sz="1400" b="1" dirty="0">
+              <a:solidFill>
+                <a:srgbClr val="000000"/>
+              </a:solidFill>
+              <a:latin typeface="Arial" pitchFamily="18"/>
+              <a:ea typeface="DejaVu Sans" pitchFamily="2"/>
+              <a:cs typeface="Lohit Hindi" pitchFamily="2"/>
+            </a:endParaRPr>
+          </a:p>
+          <a:p>
+            <a:pPr algn="ctr">
+              <a:defRPr sz="2650" b="0" i="0" u="none" strike="noStrike" kern="0" cap="none" spc="0" baseline="0">
+                <a:solidFill>
+                  <a:srgbClr val="000000"/>
+                </a:solidFill>
+                <a:uFillTx/>
+              </a:defRPr>
+            </a:pPr>
+            <a:endParaRPr lang="en-US" sz="1400" b="1" dirty="0">
+              <a:solidFill>
+                <a:srgbClr val="000000"/>
+              </a:solidFill>
+              <a:latin typeface="Arial" pitchFamily="18"/>
+              <a:ea typeface="DejaVu Sans" pitchFamily="2"/>
+              <a:cs typeface="Lohit Hindi" pitchFamily="2"/>
+            </a:endParaRPr>
+          </a:p>
+        </p:txBody>
+      </p:sp>
+      <p:cxnSp>
+        <p:nvCxnSpPr>
+          <p:cNvPr id="12" name="직선 화살표 연결선 11"/>
+          <p:cNvCxnSpPr/>
+          <p:nvPr/>
+        </p:nvCxnSpPr>
+        <p:spPr>
+          <a:xfrm flipV="1">
+            <a:off x="17708463" y="14116248"/>
+            <a:ext cx="0" cy="960107"/>
+          </a:xfrm>
+          <a:prstGeom prst="straightConnector1">
+            <a:avLst/>
+          </a:prstGeom>
+          <a:ln w="28575">
+            <a:tailEnd type="arrow"/>
+          </a:ln>
+        </p:spPr>
+        <p:style>
+          <a:lnRef idx="2">
+            <a:schemeClr val="dk1"/>
+          </a:lnRef>
+          <a:fillRef idx="0">
+            <a:schemeClr val="dk1"/>
+          </a:fillRef>
+          <a:effectRef idx="1">
+            <a:schemeClr val="dk1"/>
+          </a:effectRef>
+          <a:fontRef idx="minor">
+            <a:schemeClr val="tx1"/>
+          </a:fontRef>
+        </p:style>
+      </p:cxnSp>
+      <p:cxnSp>
+        <p:nvCxnSpPr>
+          <p:cNvPr id="13" name="직선 화살표 연결선 12"/>
+          <p:cNvCxnSpPr/>
+          <p:nvPr/>
+        </p:nvCxnSpPr>
+        <p:spPr>
+          <a:xfrm>
+            <a:off x="18572559" y="14116248"/>
+            <a:ext cx="0" cy="1152128"/>
+          </a:xfrm>
+          <a:prstGeom prst="straightConnector1">
+            <a:avLst/>
+          </a:prstGeom>
+          <a:ln w="28575">
+            <a:tailEnd type="arrow"/>
+          </a:ln>
+        </p:spPr>
+        <p:style>
+          <a:lnRef idx="2">
+            <a:schemeClr val="dk1"/>
+          </a:lnRef>
+          <a:fillRef idx="0">
+            <a:schemeClr val="dk1"/>
+          </a:fillRef>
+          <a:effectRef idx="1">
+            <a:schemeClr val="dk1"/>
+          </a:effectRef>
+          <a:fontRef idx="minor">
+            <a:schemeClr val="tx1"/>
+          </a:fontRef>
+        </p:style>
+      </p:cxnSp>
+      <p:sp>
+        <p:nvSpPr>
+          <p:cNvPr id="14" name="순서도: 처리 13"/>
+          <p:cNvSpPr/>
+          <p:nvPr/>
+        </p:nvSpPr>
+        <p:spPr>
+          <a:xfrm>
+            <a:off x="6443192" y="3887416"/>
+            <a:ext cx="5328592" cy="4680520"/>
+          </a:xfrm>
+          <a:prstGeom prst="flowChartProcess">
+            <a:avLst/>
+          </a:prstGeom>
+        </p:spPr>
+        <p:style>
+          <a:lnRef idx="1">
+            <a:schemeClr val="dk1"/>
+          </a:lnRef>
+          <a:fillRef idx="2">
+            <a:schemeClr val="dk1"/>
+          </a:fillRef>
+          <a:effectRef idx="1">
+            <a:schemeClr val="dk1"/>
+          </a:effectRef>
+          <a:fontRef idx="minor">
+            <a:schemeClr val="dk1"/>
+          </a:fontRef>
+        </p:style>
+        <p:txBody>
+          <a:bodyPr lIns="261253" tIns="130627" rIns="261253" bIns="130627" rtlCol="0" anchor="ctr"/>
+          <a:lstStyle/>
+          <a:p>
+            <a:r>
+              <a:rPr lang="en-US" sz="1200" dirty="0" smtClean="0"/>
+              <a:t>public  void </a:t>
+            </a:r>
+            <a:r>
+              <a:rPr lang="en-US" sz="1200" b="1" dirty="0" err="1" smtClean="0"/>
+              <a:t>borrowBook</a:t>
+            </a:r>
+            <a:r>
+              <a:rPr lang="en-US" sz="1200" dirty="0" smtClean="0"/>
+              <a:t> (User </a:t>
+            </a:r>
+            <a:r>
+              <a:rPr lang="en-US" sz="1200" dirty="0" err="1" smtClean="0"/>
+              <a:t>user</a:t>
+            </a:r>
+            <a:r>
+              <a:rPr lang="en-US" sz="1200" dirty="0" smtClean="0"/>
+              <a:t>, Book </a:t>
+            </a:r>
+            <a:r>
+              <a:rPr lang="en-US" sz="1200" dirty="0" err="1" smtClean="0"/>
+              <a:t>book</a:t>
+            </a:r>
+            <a:r>
+              <a:rPr lang="en-US" sz="1200" dirty="0" smtClean="0"/>
+              <a:t>, Context </a:t>
+            </a:r>
+            <a:r>
+              <a:rPr lang="en-US" sz="1200" dirty="0" err="1" smtClean="0"/>
+              <a:t>context</a:t>
+            </a:r>
+            <a:r>
+              <a:rPr lang="en-US" sz="1200" dirty="0" smtClean="0"/>
+              <a:t>)</a:t>
+            </a:r>
+          </a:p>
+          <a:p>
+            <a:r>
+              <a:rPr lang="en-US" sz="1200" dirty="0" smtClean="0"/>
+              <a:t>throws </a:t>
+            </a:r>
+            <a:r>
+              <a:rPr lang="en-US" sz="1200" dirty="0" err="1" smtClean="0"/>
+              <a:t>PolicyViolationException</a:t>
+            </a:r>
+            <a:endParaRPr lang="en-US" sz="1200" dirty="0" smtClean="0"/>
+          </a:p>
+          <a:p>
+            <a:r>
+              <a:rPr lang="en-US" sz="1200" dirty="0" smtClean="0"/>
+              <a:t>{</a:t>
+            </a:r>
+            <a:endParaRPr lang="en-US" sz="1200" dirty="0" smtClean="0"/>
+          </a:p>
+          <a:p>
+            <a:r>
+              <a:rPr lang="en-US" sz="1200" dirty="0" smtClean="0"/>
+              <a:t>       </a:t>
+            </a:r>
+            <a:endParaRPr lang="en-US" sz="1200" dirty="0" smtClean="0"/>
+          </a:p>
+          <a:p>
+            <a:endParaRPr lang="en-US" sz="1200" dirty="0" smtClean="0"/>
+          </a:p>
+          <a:p>
+            <a:endParaRPr lang="en-US" sz="1200" dirty="0" smtClean="0"/>
+          </a:p>
+          <a:p>
+            <a:r>
+              <a:rPr lang="en-US" sz="1200" dirty="0" smtClean="0"/>
+              <a:t> </a:t>
+            </a:r>
+            <a:r>
+              <a:rPr lang="en-US" sz="1200" dirty="0" smtClean="0"/>
+              <a:t>    Request </a:t>
+            </a:r>
+            <a:r>
+              <a:rPr lang="en-US" sz="1200" dirty="0" err="1" smtClean="0"/>
+              <a:t>request</a:t>
+            </a:r>
+            <a:r>
+              <a:rPr lang="en-US" sz="1200" dirty="0" smtClean="0"/>
+              <a:t> = new Request </a:t>
+            </a:r>
+            <a:r>
+              <a:rPr lang="en-US" sz="1200" i="1" dirty="0" smtClean="0"/>
+              <a:t>execute(</a:t>
+            </a:r>
+            <a:r>
+              <a:rPr lang="en-US" sz="1200" i="1" dirty="0" err="1" smtClean="0"/>
+              <a:t>user.getRole</a:t>
+            </a:r>
+            <a:r>
+              <a:rPr lang="en-US" sz="1200" i="1" dirty="0" smtClean="0"/>
+              <a:t>(), </a:t>
+            </a:r>
+          </a:p>
+          <a:p>
+            <a:r>
+              <a:rPr lang="en-US" sz="1200" i="1" dirty="0" smtClean="0"/>
+              <a:t>                "</a:t>
+            </a:r>
+            <a:r>
+              <a:rPr lang="en-US" sz="1200" i="1" dirty="0" smtClean="0"/>
+              <a:t>BORROW", </a:t>
+            </a:r>
+            <a:r>
+              <a:rPr lang="en-US" sz="1200" dirty="0" smtClean="0"/>
+              <a:t>"</a:t>
+            </a:r>
+            <a:r>
+              <a:rPr lang="en-US" sz="1200" i="1" dirty="0" smtClean="0"/>
+              <a:t>BOOK", </a:t>
+            </a:r>
+            <a:r>
+              <a:rPr lang="en-US" sz="1200" i="1" dirty="0" smtClean="0"/>
+              <a:t>context</a:t>
+            </a:r>
+            <a:r>
+              <a:rPr lang="en-US" sz="1200" i="1" dirty="0" smtClean="0"/>
+              <a:t>); // Subject, Action, Resource, Context</a:t>
+            </a:r>
+            <a:endParaRPr lang="en-US" sz="1200" dirty="0" smtClean="0"/>
+          </a:p>
+          <a:p>
+            <a:endParaRPr lang="en-US" sz="1200" dirty="0" smtClean="0"/>
+          </a:p>
+          <a:p>
+            <a:r>
+              <a:rPr lang="en-US" sz="1200" dirty="0" smtClean="0"/>
+              <a:t> </a:t>
+            </a:r>
+            <a:r>
+              <a:rPr lang="en-US" sz="1200" dirty="0" smtClean="0"/>
+              <a:t>     String </a:t>
+            </a:r>
+            <a:r>
+              <a:rPr lang="en-US" sz="1200" dirty="0" smtClean="0"/>
+              <a:t>decision </a:t>
+            </a:r>
+            <a:r>
+              <a:rPr lang="en-US" sz="1200" dirty="0" smtClean="0"/>
+              <a:t>= </a:t>
+            </a:r>
+            <a:r>
+              <a:rPr lang="en-US" sz="1200" b="1" dirty="0" err="1" smtClean="0"/>
+              <a:t>executePDP</a:t>
+            </a:r>
+            <a:r>
+              <a:rPr lang="en-US" sz="1200" dirty="0" smtClean="0"/>
+              <a:t> (</a:t>
+            </a:r>
+            <a:r>
+              <a:rPr lang="en-US" sz="1200" dirty="0" smtClean="0"/>
+              <a:t>request </a:t>
+            </a:r>
+            <a:r>
+              <a:rPr lang="en-US" sz="1200" dirty="0" smtClean="0"/>
+              <a:t>);</a:t>
+            </a:r>
+          </a:p>
+          <a:p>
+            <a:endParaRPr lang="en-US" sz="1200" dirty="0" smtClean="0"/>
+          </a:p>
+          <a:p>
+            <a:r>
+              <a:rPr lang="en-US" sz="1200" dirty="0" smtClean="0"/>
+              <a:t>       </a:t>
+            </a:r>
+            <a:r>
+              <a:rPr lang="en-US" sz="1200" dirty="0" smtClean="0"/>
+              <a:t>if (</a:t>
+            </a:r>
+            <a:r>
+              <a:rPr lang="en-US" sz="1200" dirty="0" err="1" smtClean="0"/>
+              <a:t>decision.equals</a:t>
+            </a:r>
+            <a:r>
+              <a:rPr lang="en-US" sz="1200" dirty="0" smtClean="0"/>
+              <a:t> (“Deny”){</a:t>
+            </a:r>
+          </a:p>
+          <a:p>
+            <a:r>
+              <a:rPr lang="en-US" sz="1200" dirty="0" smtClean="0"/>
+              <a:t> </a:t>
+            </a:r>
+            <a:r>
+              <a:rPr lang="en-US" sz="1200" dirty="0" smtClean="0"/>
+              <a:t>             </a:t>
+            </a:r>
+            <a:r>
+              <a:rPr lang="en-US" sz="1200" dirty="0" err="1" smtClean="0"/>
+              <a:t>thorws</a:t>
+            </a:r>
+            <a:r>
+              <a:rPr lang="en-US" sz="1200" dirty="0" smtClean="0"/>
+              <a:t> </a:t>
+            </a:r>
+            <a:r>
+              <a:rPr lang="en-US" sz="1200" dirty="0" smtClean="0"/>
+              <a:t>new </a:t>
+            </a:r>
+            <a:r>
+              <a:rPr lang="en-US" sz="1200" dirty="0" err="1" smtClean="0"/>
+              <a:t>PolicyViolationException</a:t>
+            </a:r>
+            <a:r>
+              <a:rPr lang="en-US" sz="1200" dirty="0" smtClean="0"/>
+              <a:t> (“Deny”)}</a:t>
+            </a:r>
+          </a:p>
+          <a:p>
+            <a:r>
+              <a:rPr lang="en-US" sz="1200" dirty="0" smtClean="0"/>
+              <a:t>      else if (</a:t>
+            </a:r>
+            <a:r>
+              <a:rPr lang="en-US" sz="1200" dirty="0" err="1" smtClean="0"/>
+              <a:t>decision.equals</a:t>
+            </a:r>
+            <a:r>
+              <a:rPr lang="en-US" sz="1200" dirty="0" smtClean="0"/>
+              <a:t> (“</a:t>
+            </a:r>
+            <a:r>
+              <a:rPr lang="en-US" sz="1200" dirty="0" smtClean="0"/>
+              <a:t>Undefined”))</a:t>
+            </a:r>
+          </a:p>
+          <a:p>
+            <a:r>
+              <a:rPr lang="en-US" sz="1200" dirty="0" smtClean="0"/>
+              <a:t> </a:t>
+            </a:r>
+            <a:r>
+              <a:rPr lang="en-US" sz="1200" dirty="0" smtClean="0"/>
+              <a:t>            </a:t>
+            </a:r>
+            <a:r>
+              <a:rPr lang="en-US" sz="1200" dirty="0" err="1" smtClean="0"/>
+              <a:t>thorws</a:t>
+            </a:r>
+            <a:r>
+              <a:rPr lang="en-US" sz="1200" dirty="0" smtClean="0"/>
+              <a:t> </a:t>
+            </a:r>
+            <a:r>
+              <a:rPr lang="en-US" sz="1200" dirty="0" smtClean="0"/>
+              <a:t>new </a:t>
+            </a:r>
+            <a:r>
+              <a:rPr lang="en-US" sz="1200" dirty="0" err="1" smtClean="0"/>
+              <a:t>PolicyViolationException</a:t>
+            </a:r>
+            <a:r>
+              <a:rPr lang="en-US" sz="1200" dirty="0" smtClean="0"/>
+              <a:t> (“Undefined”)}</a:t>
+            </a:r>
+          </a:p>
+          <a:p>
+            <a:r>
+              <a:rPr lang="en-US" sz="1200" dirty="0" smtClean="0"/>
+              <a:t>      else if (</a:t>
+            </a:r>
+            <a:r>
+              <a:rPr lang="en-US" sz="1200" dirty="0" err="1" smtClean="0"/>
+              <a:t>decision.equals</a:t>
+            </a:r>
+            <a:r>
+              <a:rPr lang="en-US" sz="1200" dirty="0" smtClean="0"/>
+              <a:t> (“Permit”){</a:t>
+            </a:r>
+          </a:p>
+          <a:p>
+            <a:r>
+              <a:rPr lang="en-US" sz="1200" dirty="0" smtClean="0"/>
+              <a:t>            // </a:t>
+            </a:r>
+            <a:r>
+              <a:rPr lang="en-US" sz="1200" dirty="0" smtClean="0"/>
+              <a:t>borrow </a:t>
+            </a:r>
+            <a:r>
+              <a:rPr lang="en-US" sz="1200" dirty="0" smtClean="0"/>
+              <a:t>Book process if decision is </a:t>
+            </a:r>
+            <a:r>
+              <a:rPr lang="en-US" sz="1200" dirty="0" smtClean="0"/>
+              <a:t>Permitted</a:t>
+            </a:r>
+          </a:p>
+          <a:p>
+            <a:r>
+              <a:rPr lang="en-US" sz="1200" dirty="0" smtClean="0"/>
+              <a:t> </a:t>
+            </a:r>
+            <a:r>
+              <a:rPr lang="en-US" sz="1200" dirty="0" smtClean="0"/>
+              <a:t>                …</a:t>
+            </a:r>
+          </a:p>
+          <a:p>
+            <a:r>
+              <a:rPr lang="en-US" sz="1200" dirty="0" smtClean="0"/>
+              <a:t> </a:t>
+            </a:r>
+            <a:r>
+              <a:rPr lang="en-US" sz="1200" dirty="0" smtClean="0"/>
+              <a:t>              // code here to borrow book </a:t>
+            </a:r>
+          </a:p>
+          <a:p>
+            <a:r>
+              <a:rPr lang="en-US" sz="1200" dirty="0" smtClean="0"/>
+              <a:t> </a:t>
+            </a:r>
+            <a:r>
+              <a:rPr lang="en-US" sz="1200" dirty="0" smtClean="0"/>
+              <a:t>               …</a:t>
+            </a:r>
+          </a:p>
+          <a:p>
+            <a:r>
+              <a:rPr lang="en-US" sz="1200" dirty="0" smtClean="0"/>
+              <a:t> </a:t>
+            </a:r>
+            <a:r>
+              <a:rPr lang="en-US" sz="1200" dirty="0" smtClean="0"/>
+              <a:t>      }</a:t>
+            </a:r>
+            <a:endParaRPr lang="en-US" sz="1200" dirty="0" smtClean="0"/>
+          </a:p>
+          <a:p>
+            <a:endParaRPr lang="en-US" sz="1200" dirty="0" smtClean="0"/>
+          </a:p>
+          <a:p>
+            <a:r>
+              <a:rPr lang="en-US" sz="1200" dirty="0" smtClean="0"/>
+              <a:t>       </a:t>
+            </a:r>
+          </a:p>
+          <a:p>
+            <a:r>
+              <a:rPr lang="en-US" sz="1200" dirty="0" smtClean="0"/>
+              <a:t>    }</a:t>
+            </a:r>
+          </a:p>
+        </p:txBody>
+      </p:sp>
+      <p:sp>
+        <p:nvSpPr>
+          <p:cNvPr id="15" name="순서도: 처리 14"/>
+          <p:cNvSpPr/>
+          <p:nvPr/>
+        </p:nvSpPr>
+        <p:spPr>
+          <a:xfrm>
+            <a:off x="1042592" y="5831632"/>
+            <a:ext cx="4104456" cy="4680520"/>
+          </a:xfrm>
+          <a:prstGeom prst="flowChartProcess">
+            <a:avLst/>
+          </a:prstGeom>
+        </p:spPr>
+        <p:style>
+          <a:lnRef idx="1">
+            <a:schemeClr val="dk1"/>
+          </a:lnRef>
+          <a:fillRef idx="2">
+            <a:schemeClr val="dk1"/>
+          </a:fillRef>
+          <a:effectRef idx="1">
+            <a:schemeClr val="dk1"/>
+          </a:effectRef>
+          <a:fontRef idx="minor">
+            <a:schemeClr val="dk1"/>
+          </a:fontRef>
+        </p:style>
+        <p:txBody>
+          <a:bodyPr lIns="261253" tIns="130627" rIns="261253" bIns="130627" rtlCol="0" anchor="ctr"/>
+          <a:lstStyle/>
+          <a:p>
+            <a:r>
+              <a:rPr lang="en-US" sz="1200" dirty="0" smtClean="0"/>
+              <a:t> private void </a:t>
+            </a:r>
+            <a:r>
+              <a:rPr lang="en-US" sz="1200" b="1" dirty="0" err="1" smtClean="0"/>
+              <a:t>doBorrowInHolidaysWithUser</a:t>
+            </a:r>
+            <a:r>
+              <a:rPr lang="en-US" sz="1200" dirty="0" smtClean="0"/>
+              <a:t>() {</a:t>
+            </a:r>
+          </a:p>
+          <a:p>
+            <a:r>
+              <a:rPr lang="en-US" sz="1200" dirty="0" smtClean="0"/>
+              <a:t>    </a:t>
+            </a:r>
+            <a:r>
+              <a:rPr lang="en-US" sz="1200" dirty="0" smtClean="0"/>
+              <a:t>String user = </a:t>
+            </a:r>
+            <a:r>
+              <a:rPr lang="en-US" sz="1200" dirty="0" err="1" smtClean="0"/>
+              <a:t>UserGetInstance</a:t>
+            </a:r>
+            <a:r>
+              <a:rPr lang="en-US" sz="1200" dirty="0" smtClean="0"/>
+              <a:t>(“ID”, “</a:t>
+            </a:r>
+            <a:r>
+              <a:rPr lang="en-US" sz="1200" dirty="0" smtClean="0"/>
+              <a:t>BORROWER</a:t>
+            </a:r>
+            <a:r>
+              <a:rPr lang="en-US" sz="1200" dirty="0" smtClean="0"/>
+              <a:t>”);</a:t>
+            </a:r>
+            <a:endParaRPr lang="en-US" sz="1200" dirty="0" smtClean="0"/>
+          </a:p>
+          <a:p>
+            <a:r>
+              <a:rPr lang="en-US" sz="1200" dirty="0" smtClean="0"/>
+              <a:t>    </a:t>
+            </a:r>
+            <a:r>
+              <a:rPr lang="en-US" sz="1200" dirty="0" smtClean="0"/>
+              <a:t>Context </a:t>
+            </a:r>
+            <a:r>
+              <a:rPr lang="en-US" sz="1200" dirty="0" err="1" smtClean="0"/>
+              <a:t>context</a:t>
+            </a:r>
+            <a:r>
+              <a:rPr lang="en-US" sz="1200" dirty="0" smtClean="0"/>
+              <a:t> </a:t>
+            </a:r>
+            <a:r>
+              <a:rPr lang="en-US" sz="1200" dirty="0" smtClean="0"/>
+              <a:t>= </a:t>
+            </a:r>
+            <a:r>
+              <a:rPr lang="en-US" sz="1200" dirty="0" err="1" smtClean="0"/>
+              <a:t>ContextGetInstance</a:t>
+            </a:r>
+            <a:r>
+              <a:rPr lang="en-US" sz="1200" dirty="0" smtClean="0"/>
+              <a:t>("</a:t>
+            </a:r>
+            <a:r>
+              <a:rPr lang="en-US" sz="1200" dirty="0" smtClean="0"/>
+              <a:t>holidays");</a:t>
+            </a:r>
+          </a:p>
+          <a:p>
+            <a:r>
+              <a:rPr lang="en-US" sz="1200" dirty="0" smtClean="0"/>
+              <a:t>    </a:t>
+            </a:r>
+          </a:p>
+          <a:p>
+            <a:r>
+              <a:rPr lang="en-US" sz="1200" dirty="0" smtClean="0"/>
+              <a:t>        Book </a:t>
+            </a:r>
+            <a:r>
+              <a:rPr lang="en-US" sz="1200" dirty="0" err="1" smtClean="0"/>
+              <a:t>book</a:t>
+            </a:r>
+            <a:r>
+              <a:rPr lang="en-US" sz="1200" dirty="0" smtClean="0"/>
+              <a:t> = new Book();</a:t>
+            </a:r>
+          </a:p>
+          <a:p>
+            <a:r>
+              <a:rPr lang="en-US" sz="1200" dirty="0" smtClean="0"/>
+              <a:t>        book1.setTitle("JAVA programming");</a:t>
+            </a:r>
+          </a:p>
+          <a:p>
+            <a:r>
+              <a:rPr lang="en-US" sz="1200" dirty="0" smtClean="0"/>
+              <a:t>        book1.setAuthor("James So");</a:t>
+            </a:r>
+          </a:p>
+          <a:p>
+            <a:r>
+              <a:rPr lang="en-US" sz="1200" dirty="0" smtClean="0"/>
+              <a:t>        </a:t>
+            </a:r>
+          </a:p>
+          <a:p>
+            <a:r>
+              <a:rPr lang="en-US" sz="1200" dirty="0" smtClean="0"/>
+              <a:t>        // test borrow books in holidays</a:t>
+            </a:r>
+          </a:p>
+          <a:p>
+            <a:r>
+              <a:rPr lang="en-US" sz="1200" dirty="0" smtClean="0"/>
+              <a:t>        try {</a:t>
+            </a:r>
+          </a:p>
+          <a:p>
+            <a:endParaRPr lang="en-US" sz="1200" dirty="0" smtClean="0"/>
+          </a:p>
+          <a:p>
+            <a:r>
+              <a:rPr lang="en-US" sz="1200" dirty="0" smtClean="0"/>
+              <a:t>            </a:t>
+            </a:r>
+            <a:r>
+              <a:rPr lang="en-US" sz="1200" b="1" dirty="0" err="1" smtClean="0"/>
+              <a:t>bookService.borrowBook</a:t>
+            </a:r>
+            <a:r>
+              <a:rPr lang="en-US" sz="1200" b="1" dirty="0" smtClean="0"/>
+              <a:t>(user, book, context);</a:t>
+            </a:r>
+          </a:p>
+          <a:p>
+            <a:r>
+              <a:rPr lang="en-US" sz="1200" dirty="0" smtClean="0"/>
+              <a:t>            // if we go here then failure</a:t>
+            </a:r>
+          </a:p>
+          <a:p>
+            <a:r>
+              <a:rPr lang="en-US" sz="1200" dirty="0" smtClean="0"/>
+              <a:t>            fail("Book is borrowed by BORROWER during holidays");</a:t>
+            </a:r>
+          </a:p>
+          <a:p>
+            <a:endParaRPr lang="en-US" sz="1200" dirty="0" smtClean="0"/>
+          </a:p>
+          <a:p>
+            <a:r>
+              <a:rPr lang="en-US" sz="1200" dirty="0" smtClean="0"/>
+              <a:t>        } catch (Exception e) {</a:t>
+            </a:r>
+          </a:p>
+          <a:p>
+            <a:r>
+              <a:rPr lang="en-US" sz="1200" dirty="0" smtClean="0"/>
+              <a:t>            fail(</a:t>
+            </a:r>
+            <a:r>
+              <a:rPr lang="en-US" sz="1200" dirty="0" err="1" smtClean="0"/>
+              <a:t>e.getMessage</a:t>
+            </a:r>
+            <a:r>
+              <a:rPr lang="en-US" sz="1200" dirty="0" smtClean="0"/>
+              <a:t>());</a:t>
+            </a:r>
+          </a:p>
+          <a:p>
+            <a:r>
+              <a:rPr lang="en-US" sz="1200" dirty="0" smtClean="0"/>
+              <a:t>        }</a:t>
+            </a:r>
+          </a:p>
+          <a:p>
+            <a:r>
+              <a:rPr lang="en-US" sz="1200" dirty="0" smtClean="0"/>
+              <a:t>        </a:t>
+            </a:r>
+          </a:p>
+          <a:p>
+            <a:r>
+              <a:rPr lang="en-US" sz="1200" dirty="0" smtClean="0"/>
+              <a:t>        // proceed if book is borrowed by BORROWER</a:t>
+            </a:r>
+          </a:p>
+          <a:p>
+            <a:r>
+              <a:rPr lang="en-US" sz="1200" dirty="0" smtClean="0"/>
+              <a:t>        ....        </a:t>
+            </a:r>
+          </a:p>
+          <a:p>
+            <a:r>
+              <a:rPr lang="en-US" sz="1200" dirty="0" smtClean="0"/>
+              <a:t>    }</a:t>
+            </a:r>
+            <a:endParaRPr lang="en-US" sz="1200" dirty="0"/>
+          </a:p>
+        </p:txBody>
+      </p:sp>
+      <p:sp>
+        <p:nvSpPr>
+          <p:cNvPr id="18" name="Text Box 7"/>
+          <p:cNvSpPr/>
+          <p:nvPr/>
+        </p:nvSpPr>
+        <p:spPr>
+          <a:xfrm>
+            <a:off x="1618656" y="5327576"/>
+            <a:ext cx="2592288" cy="288032"/>
+          </a:xfrm>
+          <a:custGeom>
+            <a:avLst/>
+            <a:gdLst>
+              <a:gd name="f0" fmla="val w"/>
+              <a:gd name="f1" fmla="val h"/>
+              <a:gd name="f2" fmla="val 0"/>
+              <a:gd name="f3" fmla="val 21600"/>
+              <a:gd name="f4" fmla="*/ f0 1 21600"/>
+              <a:gd name="f5" fmla="*/ f1 1 21600"/>
+              <a:gd name="f6" fmla="val f2"/>
+              <a:gd name="f7" fmla="val f3"/>
+              <a:gd name="f8" fmla="+- f7 0 f6"/>
+              <a:gd name="f9" fmla="*/ f8 1 21600"/>
+              <a:gd name="f10" fmla="*/ f6 1 f9"/>
+              <a:gd name="f11" fmla="*/ f7 1 f9"/>
+              <a:gd name="f12" fmla="*/ f10 f4 1"/>
+              <a:gd name="f13" fmla="*/ f11 f4 1"/>
+              <a:gd name="f14" fmla="*/ f11 f5 1"/>
+              <a:gd name="f15" fmla="*/ f10 f5 1"/>
+            </a:gdLst>
+            <a:ahLst/>
+            <a:cxnLst>
+              <a:cxn ang="3cd4">
+                <a:pos x="hc" y="t"/>
+              </a:cxn>
+              <a:cxn ang="0">
+                <a:pos x="r" y="vc"/>
+              </a:cxn>
+              <a:cxn ang="cd4">
+                <a:pos x="hc" y="b"/>
+              </a:cxn>
+              <a:cxn ang="cd2">
+                <a:pos x="l" y="vc"/>
+              </a:cxn>
+            </a:cxnLst>
+            <a:rect l="f12" t="f15" r="f13" b="f14"/>
+            <a:pathLst>
+              <a:path w="21600" h="21600">
+                <a:moveTo>
+                  <a:pt x="f2" y="f2"/>
+                </a:moveTo>
+                <a:lnTo>
+                  <a:pt x="f3" y="f2"/>
+                </a:lnTo>
+                <a:lnTo>
+                  <a:pt x="f3" y="f3"/>
+                </a:lnTo>
+                <a:lnTo>
+                  <a:pt x="f2" y="f3"/>
+                </a:lnTo>
+                <a:lnTo>
+                  <a:pt x="f2" y="f2"/>
+                </a:lnTo>
+                <a:close/>
+              </a:path>
+            </a:pathLst>
+          </a:custGeom>
+          <a:noFill/>
+          <a:ln w="9363">
+            <a:noFill/>
+            <a:prstDash val="solid"/>
+            <a:round/>
+          </a:ln>
+        </p:spPr>
+        <p:txBody>
+          <a:bodyPr vert="horz" wrap="square" lIns="257150" tIns="128561" rIns="257150" bIns="128561" anchor="t" anchorCtr="1" compatLnSpc="0"/>
+          <a:lstStyle/>
+          <a:p>
+            <a:pPr algn="ctr">
+              <a:defRPr sz="2650" b="0" i="0" u="none" strike="noStrike" kern="0" cap="none" spc="0" baseline="0">
+                <a:solidFill>
+                  <a:srgbClr val="000000"/>
+                </a:solidFill>
+                <a:uFillTx/>
+              </a:defRPr>
+            </a:pPr>
+            <a:r>
+              <a:rPr lang="en-US" sz="2000" dirty="0" smtClean="0">
+                <a:solidFill>
+                  <a:srgbClr val="000000"/>
+                </a:solidFill>
+                <a:latin typeface="Arial" pitchFamily="18"/>
+                <a:ea typeface="DejaVu Sans" pitchFamily="2"/>
+                <a:cs typeface="Lohit Hindi" pitchFamily="2"/>
+              </a:rPr>
+              <a:t>Test Case Code</a:t>
+            </a:r>
+            <a:endParaRPr lang="en-US" sz="2000" dirty="0">
+              <a:solidFill>
+                <a:srgbClr val="000000"/>
+              </a:solidFill>
+              <a:latin typeface="Arial" pitchFamily="18"/>
+              <a:ea typeface="DejaVu Sans" pitchFamily="2"/>
+              <a:cs typeface="Lohit Hindi" pitchFamily="2"/>
+            </a:endParaRPr>
+          </a:p>
+          <a:p>
+            <a:pPr algn="ctr">
+              <a:defRPr sz="2650" b="0" i="0" u="none" strike="noStrike" kern="0" cap="none" spc="0" baseline="0">
+                <a:solidFill>
+                  <a:srgbClr val="000000"/>
+                </a:solidFill>
+                <a:uFillTx/>
+              </a:defRPr>
+            </a:pPr>
+            <a:endParaRPr lang="en-US" sz="2000" dirty="0">
+              <a:solidFill>
+                <a:srgbClr val="000000"/>
+              </a:solidFill>
+              <a:latin typeface="Arial" pitchFamily="18"/>
+              <a:ea typeface="DejaVu Sans" pitchFamily="2"/>
+              <a:cs typeface="Lohit Hindi" pitchFamily="2"/>
+            </a:endParaRPr>
+          </a:p>
+        </p:txBody>
+      </p:sp>
+      <p:grpSp>
+        <p:nvGrpSpPr>
+          <p:cNvPr id="27" name="그룹 26"/>
+          <p:cNvGrpSpPr/>
+          <p:nvPr/>
+        </p:nvGrpSpPr>
+        <p:grpSpPr>
+          <a:xfrm rot="5400000">
+            <a:off x="20124712" y="14112552"/>
+            <a:ext cx="576064" cy="5616624"/>
+            <a:chOff x="2230413" y="5381861"/>
+            <a:chExt cx="864096" cy="919844"/>
+          </a:xfrm>
+        </p:grpSpPr>
+        <p:cxnSp>
+          <p:nvCxnSpPr>
+            <p:cNvPr id="28" name="직선 화살표 연결선 27"/>
+            <p:cNvCxnSpPr/>
+            <p:nvPr/>
+          </p:nvCxnSpPr>
+          <p:spPr>
+            <a:xfrm>
+              <a:off x="3094509" y="5437609"/>
+              <a:ext cx="0" cy="864096"/>
+            </a:xfrm>
+            <a:prstGeom prst="straightConnector1">
+              <a:avLst/>
+            </a:prstGeom>
+            <a:ln w="28575">
+              <a:tailEnd type="arrow"/>
+            </a:ln>
+          </p:spPr>
+          <p:style>
+            <a:lnRef idx="2">
+              <a:schemeClr val="dk1"/>
+            </a:lnRef>
+            <a:fillRef idx="0">
+              <a:schemeClr val="dk1"/>
+            </a:fillRef>
+            <a:effectRef idx="1">
+              <a:schemeClr val="dk1"/>
+            </a:effectRef>
+            <a:fontRef idx="minor">
+              <a:schemeClr val="tx1"/>
+            </a:fontRef>
+          </p:style>
+        </p:cxnSp>
+        <p:cxnSp>
+          <p:nvCxnSpPr>
+            <p:cNvPr id="29" name="직선 화살표 연결선 28"/>
+            <p:cNvCxnSpPr/>
+            <p:nvPr/>
+          </p:nvCxnSpPr>
+          <p:spPr>
+            <a:xfrm flipV="1">
+              <a:off x="2230413" y="5381861"/>
+              <a:ext cx="0" cy="864096"/>
+            </a:xfrm>
+            <a:prstGeom prst="straightConnector1">
+              <a:avLst/>
+            </a:prstGeom>
+            <a:ln w="28575">
+              <a:tailEnd type="arrow"/>
+            </a:ln>
+          </p:spPr>
+          <p:style>
+            <a:lnRef idx="2">
+              <a:schemeClr val="dk1"/>
+            </a:lnRef>
+            <a:fillRef idx="0">
+              <a:schemeClr val="dk1"/>
+            </a:fillRef>
+            <a:effectRef idx="1">
+              <a:schemeClr val="dk1"/>
+            </a:effectRef>
+            <a:fontRef idx="minor">
+              <a:schemeClr val="tx1"/>
+            </a:fontRef>
+          </p:style>
+        </p:cxnSp>
+      </p:grpSp>
+      <p:sp>
+        <p:nvSpPr>
+          <p:cNvPr id="30" name="TextBox 29"/>
+          <p:cNvSpPr txBox="1"/>
+          <p:nvPr/>
+        </p:nvSpPr>
+        <p:spPr>
+          <a:xfrm>
+            <a:off x="7667328" y="16632832"/>
+            <a:ext cx="16201800" cy="11774649"/>
+          </a:xfrm>
+          <a:prstGeom prst="rect">
+            <a:avLst/>
+          </a:prstGeom>
+          <a:noFill/>
+        </p:spPr>
+        <p:txBody>
+          <a:bodyPr wrap="square" lIns="261253" tIns="130627" rIns="261253" bIns="130627" rtlCol="0">
+            <a:spAutoFit/>
+          </a:bodyPr>
+          <a:lstStyle/>
+          <a:p>
+            <a:r>
+              <a:rPr lang="en-US" sz="3400" dirty="0" smtClean="0"/>
+              <a:t> private void </a:t>
+            </a:r>
+            <a:r>
+              <a:rPr lang="en-US" sz="3400" dirty="0" err="1" smtClean="0"/>
+              <a:t>doBorrowInHolidaysWithUser</a:t>
+            </a:r>
+            <a:r>
+              <a:rPr lang="en-US" sz="3400" dirty="0" smtClean="0"/>
+              <a:t>() {</a:t>
+            </a:r>
+          </a:p>
+          <a:p>
+            <a:r>
+              <a:rPr lang="en-US" sz="3400" dirty="0" smtClean="0"/>
+              <a:t>    User </a:t>
+            </a:r>
+            <a:r>
+              <a:rPr lang="en-US" sz="3400" dirty="0" err="1" smtClean="0"/>
+              <a:t>user</a:t>
+            </a:r>
+            <a:r>
+              <a:rPr lang="en-US" sz="3400" dirty="0" smtClean="0"/>
+              <a:t> = </a:t>
+            </a:r>
+            <a:r>
+              <a:rPr lang="en-US" sz="3400" u="sng" dirty="0" err="1" smtClean="0"/>
+              <a:t>UserGetInstance</a:t>
+            </a:r>
+            <a:r>
+              <a:rPr lang="en-US" sz="3400" u="sng" dirty="0" smtClean="0"/>
+              <a:t>(“ID”, “BORROWER”);</a:t>
+            </a:r>
+          </a:p>
+          <a:p>
+            <a:r>
+              <a:rPr lang="en-US" sz="3400" dirty="0" smtClean="0"/>
+              <a:t>    Context </a:t>
+            </a:r>
+            <a:r>
+              <a:rPr lang="en-US" sz="3400" dirty="0" err="1" smtClean="0"/>
+              <a:t>context</a:t>
+            </a:r>
+            <a:r>
+              <a:rPr lang="en-US" sz="3400" dirty="0" smtClean="0"/>
+              <a:t> = </a:t>
+            </a:r>
+            <a:r>
+              <a:rPr lang="en-US" sz="3400" u="sng" dirty="0" err="1" smtClean="0"/>
+              <a:t>ContextGetInstance</a:t>
+            </a:r>
+            <a:r>
+              <a:rPr lang="en-US" sz="3400" u="sng" dirty="0" smtClean="0"/>
+              <a:t>("holidays");</a:t>
+            </a:r>
+          </a:p>
+          <a:p>
+            <a:r>
+              <a:rPr lang="en-US" sz="3400" dirty="0" smtClean="0"/>
+              <a:t>    </a:t>
+            </a:r>
+          </a:p>
+          <a:p>
+            <a:r>
+              <a:rPr lang="en-US" sz="3400" dirty="0" smtClean="0"/>
+              <a:t>        Book </a:t>
+            </a:r>
+            <a:r>
+              <a:rPr lang="en-US" sz="3400" u="sng" dirty="0" err="1" smtClean="0"/>
+              <a:t>book</a:t>
+            </a:r>
+            <a:r>
+              <a:rPr lang="en-US" sz="3400" u="sng" dirty="0" smtClean="0"/>
+              <a:t> = new Book();</a:t>
+            </a:r>
+          </a:p>
+          <a:p>
+            <a:r>
+              <a:rPr lang="en-US" sz="3400" dirty="0" smtClean="0"/>
+              <a:t>        book1.setTitle("JAVA programming");</a:t>
+            </a:r>
+          </a:p>
+          <a:p>
+            <a:r>
+              <a:rPr lang="en-US" sz="3400" dirty="0" smtClean="0"/>
+              <a:t>        book1.setAuthor("James So");</a:t>
+            </a:r>
+          </a:p>
+          <a:p>
+            <a:r>
+              <a:rPr lang="en-US" sz="3400" dirty="0" smtClean="0"/>
+              <a:t>        </a:t>
+            </a:r>
+          </a:p>
+          <a:p>
+            <a:r>
+              <a:rPr lang="en-US" sz="3400" dirty="0" smtClean="0"/>
+              <a:t>        // test borrow books in holidays</a:t>
+            </a:r>
+          </a:p>
+          <a:p>
+            <a:r>
+              <a:rPr lang="en-US" sz="3400" dirty="0" smtClean="0"/>
+              <a:t>        try {</a:t>
+            </a:r>
+          </a:p>
+          <a:p>
+            <a:endParaRPr lang="en-US" sz="3400" dirty="0" smtClean="0"/>
+          </a:p>
+          <a:p>
+            <a:r>
+              <a:rPr lang="en-US" sz="3400" dirty="0" smtClean="0"/>
+              <a:t>            </a:t>
+            </a:r>
+            <a:r>
+              <a:rPr lang="en-US" sz="3400" dirty="0" err="1" smtClean="0"/>
+              <a:t>bookService.</a:t>
+            </a:r>
+            <a:r>
+              <a:rPr lang="en-US" sz="3400" u="sng" dirty="0" err="1" smtClean="0"/>
+              <a:t>borrowBook</a:t>
+            </a:r>
+            <a:r>
+              <a:rPr lang="en-US" sz="3400" u="sng" dirty="0" smtClean="0"/>
+              <a:t>(user, book, context);</a:t>
+            </a:r>
+          </a:p>
+          <a:p>
+            <a:r>
+              <a:rPr lang="en-US" sz="3400" dirty="0" smtClean="0"/>
+              <a:t>            // if we go here then failure</a:t>
+            </a:r>
+          </a:p>
+          <a:p>
+            <a:r>
+              <a:rPr lang="en-US" sz="3400" dirty="0" smtClean="0"/>
+              <a:t>            fail("Book is borrowed by BORROWER during holidays");</a:t>
+            </a:r>
+          </a:p>
+          <a:p>
+            <a:endParaRPr lang="en-US" sz="3400" dirty="0" smtClean="0"/>
+          </a:p>
+          <a:p>
+            <a:r>
+              <a:rPr lang="en-US" sz="3400" dirty="0" smtClean="0"/>
+              <a:t>        } catch (Exception e) {</a:t>
+            </a:r>
+          </a:p>
+          <a:p>
+            <a:r>
+              <a:rPr lang="en-US" sz="3400" dirty="0" smtClean="0"/>
+              <a:t>            fail(</a:t>
+            </a:r>
+            <a:r>
+              <a:rPr lang="en-US" sz="3400" dirty="0" err="1" smtClean="0"/>
+              <a:t>e.getMessage</a:t>
+            </a:r>
+            <a:r>
+              <a:rPr lang="en-US" sz="3400" dirty="0" smtClean="0"/>
+              <a:t>())</a:t>
+            </a:r>
+            <a:r>
+              <a:rPr lang="en-US" sz="3400" u="sng" dirty="0" smtClean="0"/>
+              <a:t>;</a:t>
+            </a:r>
+          </a:p>
+          <a:p>
+            <a:r>
+              <a:rPr lang="en-US" sz="3400" dirty="0" smtClean="0"/>
+              <a:t>        }</a:t>
+            </a:r>
+          </a:p>
+          <a:p>
+            <a:r>
+              <a:rPr lang="en-US" sz="3400" dirty="0" smtClean="0"/>
+              <a:t>        </a:t>
+            </a:r>
+          </a:p>
+          <a:p>
+            <a:r>
+              <a:rPr lang="en-US" sz="3400" dirty="0" smtClean="0"/>
+              <a:t>        // proceed if book is borrowed by BORROWER</a:t>
+            </a:r>
+            <a:endParaRPr lang="en-US" sz="3400" u="sng" dirty="0" smtClean="0"/>
+          </a:p>
+          <a:p>
+            <a:r>
+              <a:rPr lang="en-US" sz="3400" dirty="0" smtClean="0"/>
+              <a:t>        ....        </a:t>
+            </a:r>
+          </a:p>
+          <a:p>
+            <a:r>
+              <a:rPr lang="en-US" sz="3400" dirty="0" smtClean="0"/>
+              <a:t>    </a:t>
+            </a:r>
+            <a:r>
+              <a:rPr lang="en-US" sz="3400" u="sng" dirty="0" smtClean="0"/>
+              <a:t>}</a:t>
+            </a:r>
+            <a:endParaRPr lang="en-US" sz="3400" dirty="0"/>
+          </a:p>
+        </p:txBody>
+      </p:sp>
+      <p:sp>
+        <p:nvSpPr>
+          <p:cNvPr id="36" name="Text Box 3"/>
+          <p:cNvSpPr/>
+          <p:nvPr/>
+        </p:nvSpPr>
+        <p:spPr>
+          <a:xfrm>
+            <a:off x="6083152" y="8999984"/>
+            <a:ext cx="2664296" cy="720080"/>
+          </a:xfrm>
+          <a:custGeom>
+            <a:avLst/>
+            <a:gdLst>
+              <a:gd name="f0" fmla="val w"/>
+              <a:gd name="f1" fmla="val h"/>
+              <a:gd name="f2" fmla="val 0"/>
+              <a:gd name="f3" fmla="val 21600"/>
+              <a:gd name="f4" fmla="*/ f0 1 21600"/>
+              <a:gd name="f5" fmla="*/ f1 1 21600"/>
+              <a:gd name="f6" fmla="val f2"/>
+              <a:gd name="f7" fmla="val f3"/>
+              <a:gd name="f8" fmla="+- f7 0 f6"/>
+              <a:gd name="f9" fmla="*/ f8 1 21600"/>
+              <a:gd name="f10" fmla="*/ f6 1 f9"/>
+              <a:gd name="f11" fmla="*/ f7 1 f9"/>
+              <a:gd name="f12" fmla="*/ f10 f4 1"/>
+              <a:gd name="f13" fmla="*/ f11 f4 1"/>
+              <a:gd name="f14" fmla="*/ f11 f5 1"/>
+              <a:gd name="f15" fmla="*/ f10 f5 1"/>
+            </a:gdLst>
+            <a:ahLst/>
+            <a:cxnLst>
+              <a:cxn ang="3cd4">
+                <a:pos x="hc" y="t"/>
+              </a:cxn>
+              <a:cxn ang="0">
+                <a:pos x="r" y="vc"/>
+              </a:cxn>
+              <a:cxn ang="cd4">
+                <a:pos x="hc" y="b"/>
+              </a:cxn>
+              <a:cxn ang="cd2">
+                <a:pos x="l" y="vc"/>
+              </a:cxn>
+            </a:cxnLst>
+            <a:rect l="f12" t="f15" r="f13" b="f14"/>
+            <a:pathLst>
+              <a:path w="21600" h="21600">
+                <a:moveTo>
+                  <a:pt x="f2" y="f2"/>
+                </a:moveTo>
+                <a:lnTo>
+                  <a:pt x="f3" y="f2"/>
+                </a:lnTo>
+                <a:lnTo>
+                  <a:pt x="f3" y="f3"/>
+                </a:lnTo>
+                <a:lnTo>
+                  <a:pt x="f2" y="f3"/>
+                </a:lnTo>
+                <a:lnTo>
+                  <a:pt x="f2" y="f2"/>
+                </a:lnTo>
+                <a:close/>
+              </a:path>
+            </a:pathLst>
+          </a:custGeom>
+          <a:ln/>
+        </p:spPr>
+        <p:style>
+          <a:lnRef idx="1">
+            <a:schemeClr val="accent1"/>
+          </a:lnRef>
+          <a:fillRef idx="2">
+            <a:schemeClr val="accent1"/>
+          </a:fillRef>
+          <a:effectRef idx="1">
+            <a:schemeClr val="accent1"/>
+          </a:effectRef>
+          <a:fontRef idx="minor">
+            <a:schemeClr val="dk1"/>
+          </a:fontRef>
+        </p:style>
+        <p:txBody>
+          <a:bodyPr vert="horz" wrap="square" lIns="257150" tIns="128561" rIns="257150" bIns="128561" anchor="t" anchorCtr="1" compatLnSpc="0"/>
+          <a:lstStyle/>
+          <a:p>
+            <a:pPr algn="ctr">
+              <a:defRPr sz="2650" b="0" i="0" u="none" strike="noStrike" kern="0" cap="none" spc="0" baseline="0">
+                <a:solidFill>
+                  <a:srgbClr val="000000"/>
+                </a:solidFill>
+                <a:uFillTx/>
+              </a:defRPr>
+            </a:pPr>
+            <a:r>
+              <a:rPr lang="en-US" sz="1200" dirty="0" smtClean="0">
+                <a:solidFill>
+                  <a:srgbClr val="000000"/>
+                </a:solidFill>
+                <a:latin typeface="Arial" pitchFamily="18"/>
+                <a:ea typeface="DejaVu Sans" pitchFamily="2"/>
+                <a:cs typeface="Lohit Hindi" pitchFamily="2"/>
+              </a:rPr>
+              <a:t>Request: “</a:t>
+            </a:r>
+            <a:r>
+              <a:rPr lang="en-US" sz="1200" dirty="0" smtClean="0"/>
+              <a:t>BORROWER</a:t>
+            </a:r>
+            <a:r>
+              <a:rPr lang="en-US" sz="1200" dirty="0" smtClean="0">
+                <a:solidFill>
+                  <a:srgbClr val="000000"/>
+                </a:solidFill>
+                <a:latin typeface="Arial" pitchFamily="18"/>
+                <a:ea typeface="DejaVu Sans" pitchFamily="2"/>
+                <a:cs typeface="Lohit Hindi" pitchFamily="2"/>
+              </a:rPr>
+              <a:t>” is permitted</a:t>
+            </a:r>
+          </a:p>
+          <a:p>
+            <a:pPr algn="ctr">
+              <a:defRPr sz="2650" b="0" i="0" u="none" strike="noStrike" kern="0" cap="none" spc="0" baseline="0">
+                <a:solidFill>
+                  <a:srgbClr val="000000"/>
+                </a:solidFill>
+                <a:uFillTx/>
+              </a:defRPr>
+            </a:pPr>
+            <a:r>
+              <a:rPr lang="en-US" sz="1200" dirty="0" smtClean="0">
+                <a:solidFill>
+                  <a:srgbClr val="000000"/>
+                </a:solidFill>
+                <a:latin typeface="Arial" pitchFamily="18"/>
+                <a:ea typeface="DejaVu Sans" pitchFamily="2"/>
+                <a:cs typeface="Lohit Hindi" pitchFamily="2"/>
+              </a:rPr>
+              <a:t>t</a:t>
+            </a:r>
+            <a:r>
+              <a:rPr lang="en-US" sz="1200" dirty="0" smtClean="0">
+                <a:solidFill>
+                  <a:srgbClr val="000000"/>
+                </a:solidFill>
+                <a:latin typeface="Arial" pitchFamily="18"/>
+                <a:ea typeface="DejaVu Sans" pitchFamily="2"/>
+                <a:cs typeface="Lohit Hindi" pitchFamily="2"/>
+              </a:rPr>
+              <a:t>o borrow book during holidays</a:t>
+            </a:r>
+            <a:endParaRPr lang="en-US" sz="1200" dirty="0">
+              <a:solidFill>
+                <a:srgbClr val="000000"/>
+              </a:solidFill>
+              <a:latin typeface="Arial" pitchFamily="18"/>
+              <a:ea typeface="DejaVu Sans" pitchFamily="2"/>
+              <a:cs typeface="Lohit Hindi" pitchFamily="2"/>
+            </a:endParaRPr>
+          </a:p>
+          <a:p>
+            <a:pPr algn="ctr">
+              <a:defRPr sz="2650" b="0" i="0" u="none" strike="noStrike" kern="0" cap="none" spc="0" baseline="0">
+                <a:solidFill>
+                  <a:srgbClr val="000000"/>
+                </a:solidFill>
+                <a:uFillTx/>
+              </a:defRPr>
+            </a:pPr>
+            <a:endParaRPr lang="en-US" sz="8000" dirty="0">
+              <a:solidFill>
+                <a:srgbClr val="000000"/>
+              </a:solidFill>
+              <a:latin typeface="Arial" pitchFamily="18"/>
+              <a:ea typeface="DejaVu Sans" pitchFamily="2"/>
+              <a:cs typeface="Lohit Hindi" pitchFamily="2"/>
+            </a:endParaRPr>
+          </a:p>
+          <a:p>
+            <a:pPr algn="ctr">
+              <a:defRPr sz="2650" b="0" i="0" u="none" strike="noStrike" kern="0" cap="none" spc="0" baseline="0">
+                <a:solidFill>
+                  <a:srgbClr val="000000"/>
+                </a:solidFill>
+                <a:uFillTx/>
+              </a:defRPr>
+            </a:pPr>
+            <a:endParaRPr lang="en-US" sz="8000" dirty="0">
+              <a:solidFill>
+                <a:srgbClr val="000000"/>
+              </a:solidFill>
+              <a:latin typeface="Arial" pitchFamily="18"/>
+              <a:ea typeface="DejaVu Sans" pitchFamily="2"/>
+              <a:cs typeface="Lohit Hindi" pitchFamily="2"/>
+            </a:endParaRPr>
+          </a:p>
+          <a:p>
+            <a:pPr algn="ctr">
+              <a:defRPr sz="2650" b="0" i="0" u="none" strike="noStrike" kern="0" cap="none" spc="0" baseline="0">
+                <a:solidFill>
+                  <a:srgbClr val="000000"/>
+                </a:solidFill>
+                <a:uFillTx/>
+              </a:defRPr>
+            </a:pPr>
+            <a:endParaRPr lang="en-US" sz="8000" dirty="0">
+              <a:solidFill>
+                <a:srgbClr val="000000"/>
+              </a:solidFill>
+              <a:latin typeface="Arial" pitchFamily="18"/>
+              <a:ea typeface="DejaVu Sans" pitchFamily="2"/>
+              <a:cs typeface="Lohit Hindi" pitchFamily="2"/>
+            </a:endParaRPr>
+          </a:p>
+          <a:p>
+            <a:pPr algn="ctr">
+              <a:defRPr sz="2650" b="0" i="0" u="none" strike="noStrike" kern="0" cap="none" spc="0" baseline="0">
+                <a:solidFill>
+                  <a:srgbClr val="000000"/>
+                </a:solidFill>
+                <a:uFillTx/>
+              </a:defRPr>
+            </a:pPr>
+            <a:endParaRPr lang="en-US" sz="8000" dirty="0">
+              <a:solidFill>
+                <a:srgbClr val="000000"/>
+              </a:solidFill>
+              <a:latin typeface="Arial" pitchFamily="18"/>
+              <a:ea typeface="DejaVu Sans" pitchFamily="2"/>
+              <a:cs typeface="Lohit Hindi" pitchFamily="2"/>
+            </a:endParaRPr>
+          </a:p>
+          <a:p>
+            <a:pPr algn="ctr">
+              <a:defRPr sz="2650" b="0" i="0" u="none" strike="noStrike" kern="0" cap="none" spc="0" baseline="0">
+                <a:solidFill>
+                  <a:srgbClr val="000000"/>
+                </a:solidFill>
+                <a:uFillTx/>
+              </a:defRPr>
+            </a:pPr>
+            <a:endParaRPr lang="en-US" sz="8000" dirty="0">
+              <a:solidFill>
+                <a:srgbClr val="000000"/>
+              </a:solidFill>
+              <a:latin typeface="Arial" pitchFamily="18"/>
+              <a:ea typeface="DejaVu Sans" pitchFamily="2"/>
+              <a:cs typeface="Lohit Hindi" pitchFamily="2"/>
+            </a:endParaRPr>
+          </a:p>
+        </p:txBody>
+      </p:sp>
+      <p:sp>
+        <p:nvSpPr>
+          <p:cNvPr id="39" name="Text Box 3"/>
+          <p:cNvSpPr/>
+          <p:nvPr/>
+        </p:nvSpPr>
+        <p:spPr>
+          <a:xfrm>
+            <a:off x="9395520" y="9071992"/>
+            <a:ext cx="2304256" cy="432048"/>
+          </a:xfrm>
+          <a:custGeom>
+            <a:avLst/>
+            <a:gdLst>
+              <a:gd name="f0" fmla="val w"/>
+              <a:gd name="f1" fmla="val h"/>
+              <a:gd name="f2" fmla="val 0"/>
+              <a:gd name="f3" fmla="val 21600"/>
+              <a:gd name="f4" fmla="*/ f0 1 21600"/>
+              <a:gd name="f5" fmla="*/ f1 1 21600"/>
+              <a:gd name="f6" fmla="val f2"/>
+              <a:gd name="f7" fmla="val f3"/>
+              <a:gd name="f8" fmla="+- f7 0 f6"/>
+              <a:gd name="f9" fmla="*/ f8 1 21600"/>
+              <a:gd name="f10" fmla="*/ f6 1 f9"/>
+              <a:gd name="f11" fmla="*/ f7 1 f9"/>
+              <a:gd name="f12" fmla="*/ f10 f4 1"/>
+              <a:gd name="f13" fmla="*/ f11 f4 1"/>
+              <a:gd name="f14" fmla="*/ f11 f5 1"/>
+              <a:gd name="f15" fmla="*/ f10 f5 1"/>
+            </a:gdLst>
+            <a:ahLst/>
+            <a:cxnLst>
+              <a:cxn ang="3cd4">
+                <a:pos x="hc" y="t"/>
+              </a:cxn>
+              <a:cxn ang="0">
+                <a:pos x="r" y="vc"/>
+              </a:cxn>
+              <a:cxn ang="cd4">
+                <a:pos x="hc" y="b"/>
+              </a:cxn>
+              <a:cxn ang="cd2">
+                <a:pos x="l" y="vc"/>
+              </a:cxn>
+            </a:cxnLst>
+            <a:rect l="f12" t="f15" r="f13" b="f14"/>
+            <a:pathLst>
+              <a:path w="21600" h="21600">
+                <a:moveTo>
+                  <a:pt x="f2" y="f2"/>
+                </a:moveTo>
+                <a:lnTo>
+                  <a:pt x="f3" y="f2"/>
+                </a:lnTo>
+                <a:lnTo>
+                  <a:pt x="f3" y="f3"/>
+                </a:lnTo>
+                <a:lnTo>
+                  <a:pt x="f2" y="f3"/>
+                </a:lnTo>
+                <a:lnTo>
+                  <a:pt x="f2" y="f2"/>
+                </a:lnTo>
+                <a:close/>
+              </a:path>
+            </a:pathLst>
+          </a:custGeom>
+          <a:ln/>
+        </p:spPr>
+        <p:style>
+          <a:lnRef idx="1">
+            <a:schemeClr val="accent1"/>
+          </a:lnRef>
+          <a:fillRef idx="2">
+            <a:schemeClr val="accent1"/>
+          </a:fillRef>
+          <a:effectRef idx="1">
+            <a:schemeClr val="accent1"/>
+          </a:effectRef>
+          <a:fontRef idx="minor">
+            <a:schemeClr val="dk1"/>
+          </a:fontRef>
+        </p:style>
+        <p:txBody>
+          <a:bodyPr vert="horz" wrap="square" lIns="257150" tIns="128561" rIns="257150" bIns="128561" anchor="t" anchorCtr="1" compatLnSpc="0"/>
+          <a:lstStyle/>
+          <a:p>
+            <a:pPr algn="ctr">
+              <a:defRPr sz="2650" b="0" i="0" u="none" strike="noStrike" kern="0" cap="none" spc="0" baseline="0">
+                <a:solidFill>
+                  <a:srgbClr val="000000"/>
+                </a:solidFill>
+                <a:uFillTx/>
+              </a:defRPr>
+            </a:pPr>
+            <a:r>
+              <a:rPr lang="en-US" sz="1200" dirty="0" smtClean="0">
+                <a:solidFill>
+                  <a:srgbClr val="000000"/>
+                </a:solidFill>
+                <a:latin typeface="Arial" pitchFamily="18"/>
+                <a:ea typeface="DejaVu Sans" pitchFamily="2"/>
+                <a:cs typeface="Lohit Hindi" pitchFamily="2"/>
+              </a:rPr>
+              <a:t>Response: Permit or Deny</a:t>
+            </a:r>
+            <a:endParaRPr lang="en-US" sz="1200" dirty="0">
+              <a:solidFill>
+                <a:srgbClr val="000000"/>
+              </a:solidFill>
+              <a:latin typeface="Arial" pitchFamily="18"/>
+              <a:ea typeface="DejaVu Sans" pitchFamily="2"/>
+              <a:cs typeface="Lohit Hindi" pitchFamily="2"/>
+            </a:endParaRPr>
+          </a:p>
+          <a:p>
+            <a:pPr algn="ctr">
+              <a:defRPr sz="2650" b="0" i="0" u="none" strike="noStrike" kern="0" cap="none" spc="0" baseline="0">
+                <a:solidFill>
+                  <a:srgbClr val="000000"/>
+                </a:solidFill>
+                <a:uFillTx/>
+              </a:defRPr>
+            </a:pPr>
+            <a:endParaRPr lang="en-US" sz="8000" dirty="0">
+              <a:solidFill>
+                <a:srgbClr val="000000"/>
+              </a:solidFill>
+              <a:latin typeface="Arial" pitchFamily="18"/>
+              <a:ea typeface="DejaVu Sans" pitchFamily="2"/>
+              <a:cs typeface="Lohit Hindi" pitchFamily="2"/>
+            </a:endParaRPr>
+          </a:p>
+          <a:p>
+            <a:pPr algn="ctr">
+              <a:defRPr sz="2650" b="0" i="0" u="none" strike="noStrike" kern="0" cap="none" spc="0" baseline="0">
+                <a:solidFill>
+                  <a:srgbClr val="000000"/>
+                </a:solidFill>
+                <a:uFillTx/>
+              </a:defRPr>
+            </a:pPr>
+            <a:endParaRPr lang="en-US" sz="8000" dirty="0">
+              <a:solidFill>
+                <a:srgbClr val="000000"/>
+              </a:solidFill>
+              <a:latin typeface="Arial" pitchFamily="18"/>
+              <a:ea typeface="DejaVu Sans" pitchFamily="2"/>
+              <a:cs typeface="Lohit Hindi" pitchFamily="2"/>
+            </a:endParaRPr>
+          </a:p>
+          <a:p>
+            <a:pPr algn="ctr">
+              <a:defRPr sz="2650" b="0" i="0" u="none" strike="noStrike" kern="0" cap="none" spc="0" baseline="0">
+                <a:solidFill>
+                  <a:srgbClr val="000000"/>
+                </a:solidFill>
+                <a:uFillTx/>
+              </a:defRPr>
+            </a:pPr>
+            <a:endParaRPr lang="en-US" sz="8000" dirty="0">
+              <a:solidFill>
+                <a:srgbClr val="000000"/>
+              </a:solidFill>
+              <a:latin typeface="Arial" pitchFamily="18"/>
+              <a:ea typeface="DejaVu Sans" pitchFamily="2"/>
+              <a:cs typeface="Lohit Hindi" pitchFamily="2"/>
+            </a:endParaRPr>
+          </a:p>
+          <a:p>
+            <a:pPr algn="ctr">
+              <a:defRPr sz="2650" b="0" i="0" u="none" strike="noStrike" kern="0" cap="none" spc="0" baseline="0">
+                <a:solidFill>
+                  <a:srgbClr val="000000"/>
+                </a:solidFill>
+                <a:uFillTx/>
+              </a:defRPr>
+            </a:pPr>
+            <a:endParaRPr lang="en-US" sz="8000" dirty="0">
+              <a:solidFill>
+                <a:srgbClr val="000000"/>
+              </a:solidFill>
+              <a:latin typeface="Arial" pitchFamily="18"/>
+              <a:ea typeface="DejaVu Sans" pitchFamily="2"/>
+              <a:cs typeface="Lohit Hindi" pitchFamily="2"/>
+            </a:endParaRPr>
+          </a:p>
+          <a:p>
+            <a:pPr algn="ctr">
+              <a:defRPr sz="2650" b="0" i="0" u="none" strike="noStrike" kern="0" cap="none" spc="0" baseline="0">
+                <a:solidFill>
+                  <a:srgbClr val="000000"/>
+                </a:solidFill>
+                <a:uFillTx/>
+              </a:defRPr>
+            </a:pPr>
+            <a:endParaRPr lang="en-US" sz="8000" dirty="0">
+              <a:solidFill>
+                <a:srgbClr val="000000"/>
+              </a:solidFill>
+              <a:latin typeface="Arial" pitchFamily="18"/>
+              <a:ea typeface="DejaVu Sans" pitchFamily="2"/>
+              <a:cs typeface="Lohit Hindi" pitchFamily="2"/>
+            </a:endParaRPr>
+          </a:p>
+        </p:txBody>
+      </p:sp>
+      <p:cxnSp>
+        <p:nvCxnSpPr>
+          <p:cNvPr id="40" name="직선 화살표 연결선 39"/>
+          <p:cNvCxnSpPr/>
+          <p:nvPr/>
+        </p:nvCxnSpPr>
+        <p:spPr>
+          <a:xfrm flipV="1">
+            <a:off x="9179496" y="10512152"/>
+            <a:ext cx="0" cy="432047"/>
+          </a:xfrm>
+          <a:prstGeom prst="straightConnector1">
+            <a:avLst/>
+          </a:prstGeom>
+          <a:ln w="28575">
+            <a:tailEnd type="arrow"/>
+          </a:ln>
+        </p:spPr>
+        <p:style>
+          <a:lnRef idx="2">
+            <a:schemeClr val="dk1"/>
+          </a:lnRef>
+          <a:fillRef idx="0">
+            <a:schemeClr val="dk1"/>
+          </a:fillRef>
+          <a:effectRef idx="1">
+            <a:schemeClr val="dk1"/>
+          </a:effectRef>
+          <a:fontRef idx="minor">
+            <a:schemeClr val="tx1"/>
+          </a:fontRef>
+        </p:style>
+      </p:cxnSp>
+      <p:cxnSp>
+        <p:nvCxnSpPr>
+          <p:cNvPr id="41" name="직선 화살표 연결선 40"/>
+          <p:cNvCxnSpPr/>
+          <p:nvPr/>
+        </p:nvCxnSpPr>
+        <p:spPr>
+          <a:xfrm>
+            <a:off x="9035480" y="10512152"/>
+            <a:ext cx="0" cy="392771"/>
+          </a:xfrm>
+          <a:prstGeom prst="straightConnector1">
+            <a:avLst/>
+          </a:prstGeom>
+          <a:ln w="28575">
+            <a:tailEnd type="arrow"/>
+          </a:ln>
+        </p:spPr>
+        <p:style>
+          <a:lnRef idx="2">
+            <a:schemeClr val="dk1"/>
+          </a:lnRef>
+          <a:fillRef idx="0">
+            <a:schemeClr val="dk1"/>
+          </a:fillRef>
+          <a:effectRef idx="1">
+            <a:schemeClr val="dk1"/>
+          </a:effectRef>
+          <a:fontRef idx="minor">
+            <a:schemeClr val="tx1"/>
+          </a:fontRef>
+        </p:style>
+      </p:cxnSp>
+      <p:sp>
+        <p:nvSpPr>
+          <p:cNvPr id="42" name="AutoShape 9"/>
+          <p:cNvSpPr/>
+          <p:nvPr/>
+        </p:nvSpPr>
+        <p:spPr>
+          <a:xfrm>
+            <a:off x="8387408" y="11016208"/>
+            <a:ext cx="1728192" cy="720080"/>
           </a:xfrm>
           <a:custGeom>
             <a:avLst/>
@@ -3370,21 +5594,10 @@
           </a:ln>
         </p:spPr>
         <p:txBody>
-          <a:bodyPr vert="horz" wrap="none" lIns="90004" tIns="44997" rIns="90004" bIns="44997" anchor="ctr" anchorCtr="1" compatLnSpc="0"/>
+          <a:bodyPr vert="horz" wrap="none" lIns="257150" tIns="128561" rIns="257150" bIns="128561" anchor="ctr" anchorCtr="1" compatLnSpc="0"/>
           <a:lstStyle/>
           <a:p>
-            <a:pPr marL="0" marR="0" lvl="0" indent="0" algn="ctr" defTabSz="914400" rtl="0" fontAlgn="auto" hangingPunct="1">
-              <a:lnSpc>
-                <a:spcPct val="100000"/>
-              </a:lnSpc>
-              <a:spcBef>
-                <a:spcPts val="0"/>
-              </a:spcBef>
-              <a:spcAft>
-                <a:spcPts val="0"/>
-              </a:spcAft>
-              <a:buNone/>
-              <a:tabLst/>
+            <a:pPr lvl="0" algn="ctr">
               <a:defRPr sz="2650" b="0" i="0" u="none" strike="noStrike" kern="0" cap="none" spc="0" baseline="0">
                 <a:solidFill>
                   <a:srgbClr val="000000"/>
@@ -3393,7 +5606,7 @@
               </a:defRPr>
             </a:pPr>
             <a:r>
-              <a:rPr lang="en-US" sz="2000" dirty="0" smtClean="0">
+              <a:rPr lang="en-US" sz="1200" dirty="0" smtClean="0">
                 <a:solidFill>
                   <a:srgbClr val="000000"/>
                 </a:solidFill>
@@ -3401,30 +5614,119 @@
                 <a:ea typeface="DejaVu Sans" pitchFamily="2"/>
                 <a:cs typeface="Lohit Hindi" pitchFamily="2"/>
               </a:rPr>
-              <a:t>Methods</a:t>
-            </a:r>
-            <a:endParaRPr lang="en-US" sz="2000" b="0" i="0" u="none" strike="noStrike" kern="1200" cap="none" spc="0" baseline="0" dirty="0">
-              <a:solidFill>
-                <a:srgbClr val="000000"/>
-              </a:solidFill>
-              <a:uFillTx/>
-              <a:latin typeface="Arial" pitchFamily="18"/>
-              <a:ea typeface="DejaVu Sans" pitchFamily="2"/>
-              <a:cs typeface="Lohit Hindi" pitchFamily="2"/>
-            </a:endParaRPr>
+              <a:t>Policy </a:t>
+            </a:r>
+            <a:r>
+              <a:rPr lang="en-US" sz="1200" dirty="0">
+                <a:solidFill>
+                  <a:srgbClr val="000000"/>
+                </a:solidFill>
+                <a:latin typeface="Arial" pitchFamily="18"/>
+                <a:ea typeface="DejaVu Sans" pitchFamily="2"/>
+                <a:cs typeface="Lohit Hindi" pitchFamily="2"/>
+              </a:rPr>
+              <a:t>P</a:t>
+            </a:r>
           </a:p>
         </p:txBody>
       </p:sp>
       <p:sp>
         <p:nvSpPr>
-          <p:cNvPr id="7" name="Text Box 7"/>
+          <p:cNvPr id="47" name="자유형 46"/>
           <p:cNvSpPr/>
           <p:nvPr/>
         </p:nvSpPr>
         <p:spPr>
           <a:xfrm>
-            <a:off x="5038725" y="1693193"/>
-            <a:ext cx="2232248" cy="288032"/>
+            <a:off x="4570984" y="4031432"/>
+            <a:ext cx="1690255" cy="3969328"/>
+          </a:xfrm>
+          <a:custGeom>
+            <a:avLst/>
+            <a:gdLst>
+              <a:gd name="connsiteX0" fmla="*/ 0 w 1690255"/>
+              <a:gd name="connsiteY0" fmla="*/ 3969328 h 3969328"/>
+              <a:gd name="connsiteX1" fmla="*/ 803564 w 1690255"/>
+              <a:gd name="connsiteY1" fmla="*/ 658091 h 3969328"/>
+              <a:gd name="connsiteX2" fmla="*/ 1690255 w 1690255"/>
+              <a:gd name="connsiteY2" fmla="*/ 20782 h 3969328"/>
+              <a:gd name="connsiteX3" fmla="*/ 1690255 w 1690255"/>
+              <a:gd name="connsiteY3" fmla="*/ 20782 h 3969328"/>
+            </a:gdLst>
+            <a:ahLst/>
+            <a:cxnLst>
+              <a:cxn ang="0">
+                <a:pos x="connsiteX0" y="connsiteY0"/>
+              </a:cxn>
+              <a:cxn ang="0">
+                <a:pos x="connsiteX1" y="connsiteY1"/>
+              </a:cxn>
+              <a:cxn ang="0">
+                <a:pos x="connsiteX2" y="connsiteY2"/>
+              </a:cxn>
+              <a:cxn ang="0">
+                <a:pos x="connsiteX3" y="connsiteY3"/>
+              </a:cxn>
+            </a:cxnLst>
+            <a:rect l="l" t="t" r="r" b="b"/>
+            <a:pathLst>
+              <a:path w="1690255" h="3969328">
+                <a:moveTo>
+                  <a:pt x="0" y="3969328"/>
+                </a:moveTo>
+                <a:cubicBezTo>
+                  <a:pt x="260927" y="2642755"/>
+                  <a:pt x="521855" y="1316182"/>
+                  <a:pt x="803564" y="658091"/>
+                </a:cubicBezTo>
+                <a:cubicBezTo>
+                  <a:pt x="1085273" y="0"/>
+                  <a:pt x="1690255" y="20782"/>
+                  <a:pt x="1690255" y="20782"/>
+                </a:cubicBezTo>
+                <a:lnTo>
+                  <a:pt x="1690255" y="20782"/>
+                </a:lnTo>
+              </a:path>
+            </a:pathLst>
+          </a:custGeom>
+          <a:ln>
+            <a:tailEnd type="triangle" w="lg" len="lg"/>
+          </a:ln>
+        </p:spPr>
+        <p:style>
+          <a:lnRef idx="1">
+            <a:schemeClr val="dk1"/>
+          </a:lnRef>
+          <a:fillRef idx="0">
+            <a:schemeClr val="dk1"/>
+          </a:fillRef>
+          <a:effectRef idx="0">
+            <a:schemeClr val="dk1"/>
+          </a:effectRef>
+          <a:fontRef idx="minor">
+            <a:schemeClr val="tx1"/>
+          </a:fontRef>
+        </p:style>
+        <p:txBody>
+          <a:bodyPr rtlCol="0" anchor="ctr"/>
+          <a:lstStyle/>
+          <a:p>
+            <a:pPr algn="ctr"/>
+            <a:endParaRPr lang="en-US"/>
+          </a:p>
+        </p:txBody>
+      </p:sp>
+      <p:sp>
+        <p:nvSpPr>
+          <p:cNvPr id="48" name="Text Box 3"/>
+          <p:cNvSpPr/>
+          <p:nvPr/>
+        </p:nvSpPr>
+        <p:spPr>
+          <a:xfrm>
+            <a:off x="7739336" y="10584160"/>
+            <a:ext cx="1224136" cy="288032"/>
           </a:xfrm>
           <a:custGeom>
             <a:avLst/>
@@ -3483,29 +5785,29 @@
               </a:path>
             </a:pathLst>
           </a:custGeom>
-          <a:noFill/>
-          <a:ln w="9363">
+          <a:ln>
             <a:noFill/>
-            <a:prstDash val="solid"/>
-            <a:round/>
           </a:ln>
         </p:spPr>
+        <p:style>
+          <a:lnRef idx="2">
+            <a:schemeClr val="dk1"/>
+          </a:lnRef>
+          <a:fillRef idx="1">
+            <a:schemeClr val="lt1"/>
+          </a:fillRef>
+          <a:effectRef idx="0">
+            <a:schemeClr val="dk1"/>
+          </a:effectRef>
+          <a:fontRef idx="minor">
+            <a:schemeClr val="dk1"/>
+          </a:fontRef>
+        </p:style>
         <p:txBody>
-          <a:bodyPr vert="horz" wrap="square" lIns="90004" tIns="44997" rIns="90004" bIns="44997" anchor="t" anchorCtr="1" compatLnSpc="0"/>
+          <a:bodyPr vert="horz" wrap="square" lIns="257150" tIns="128561" rIns="257150" bIns="128561" anchor="t" anchorCtr="1" compatLnSpc="0"/>
           <a:lstStyle/>
           <a:p>
-            <a:pPr marL="0" marR="0" lvl="0" indent="0" algn="ctr" defTabSz="914400" rtl="0" fontAlgn="auto" hangingPunct="1">
-              <a:lnSpc>
-                <a:spcPct val="100000"/>
-              </a:lnSpc>
-              <a:spcBef>
-                <a:spcPts val="0"/>
-              </a:spcBef>
-              <a:spcAft>
-                <a:spcPts val="0"/>
-              </a:spcAft>
-              <a:buNone/>
-              <a:tabLst/>
+            <a:pPr algn="ctr">
               <a:defRPr sz="2650" b="0" i="0" u="none" strike="noStrike" kern="0" cap="none" spc="0" baseline="0">
                 <a:solidFill>
                   <a:srgbClr val="000000"/>
@@ -3514,40 +5816,27 @@
               </a:defRPr>
             </a:pPr>
             <a:r>
-              <a:rPr lang="en-US" sz="2000" b="0" i="0" u="none" strike="noStrike" kern="1200" cap="none" spc="0" baseline="0" dirty="0" smtClean="0">
-                <a:solidFill>
-                  <a:srgbClr val="000000"/>
-                </a:solidFill>
-                <a:uFillTx/>
+              <a:rPr lang="en-US" sz="1200" b="1" dirty="0" smtClean="0">
+                <a:solidFill>
+                  <a:srgbClr val="000000"/>
+                </a:solidFill>
                 <a:latin typeface="Arial" pitchFamily="18"/>
                 <a:ea typeface="DejaVu Sans" pitchFamily="2"/>
                 <a:cs typeface="Lohit Hindi" pitchFamily="2"/>
               </a:rPr>
-              <a:t>Application Code</a:t>
-            </a:r>
-            <a:endParaRPr lang="en-US" sz="2000" b="0" i="0" u="none" strike="noStrike" kern="1200" cap="none" spc="0" baseline="0" dirty="0">
+              <a:t>Request</a:t>
+            </a:r>
+            <a:endParaRPr lang="en-US" sz="8000" b="1" dirty="0">
               <a:solidFill>
                 <a:srgbClr val="000000"/>
               </a:solidFill>
-              <a:uFillTx/>
               <a:latin typeface="Arial" pitchFamily="18"/>
               <a:ea typeface="DejaVu Sans" pitchFamily="2"/>
               <a:cs typeface="Lohit Hindi" pitchFamily="2"/>
             </a:endParaRPr>
           </a:p>
           <a:p>
-            <a:pPr marL="0" marR="0" lvl="0" indent="0" algn="ctr" defTabSz="914400" rtl="0" fontAlgn="auto" hangingPunct="1">
-              <a:lnSpc>
-                <a:spcPct val="100000"/>
-              </a:lnSpc>
-              <a:spcBef>
-                <a:spcPts val="0"/>
-              </a:spcBef>
-              <a:spcAft>
-                <a:spcPts val="0"/>
-              </a:spcAft>
-              <a:buNone/>
-              <a:tabLst/>
+            <a:pPr algn="ctr">
               <a:defRPr sz="2650" b="0" i="0" u="none" strike="noStrike" kern="0" cap="none" spc="0" baseline="0">
                 <a:solidFill>
                   <a:srgbClr val="000000"/>
@@ -3555,94 +5844,81 @@
                 <a:uFillTx/>
               </a:defRPr>
             </a:pPr>
-            <a:endParaRPr lang="en-US" sz="1400" b="0" i="0" u="none" strike="noStrike" kern="1200" cap="none" spc="0" baseline="0" dirty="0">
+            <a:endParaRPr lang="en-US" sz="8000" dirty="0">
               <a:solidFill>
                 <a:srgbClr val="000000"/>
               </a:solidFill>
-              <a:uFillTx/>
               <a:latin typeface="Arial" pitchFamily="18"/>
               <a:ea typeface="DejaVu Sans" pitchFamily="2"/>
               <a:cs typeface="Lohit Hindi" pitchFamily="2"/>
             </a:endParaRPr>
           </a:p>
+          <a:p>
+            <a:pPr algn="ctr">
+              <a:defRPr sz="2650" b="0" i="0" u="none" strike="noStrike" kern="0" cap="none" spc="0" baseline="0">
+                <a:solidFill>
+                  <a:srgbClr val="000000"/>
+                </a:solidFill>
+                <a:uFillTx/>
+              </a:defRPr>
+            </a:pPr>
+            <a:endParaRPr lang="en-US" sz="8000" dirty="0">
+              <a:solidFill>
+                <a:srgbClr val="000000"/>
+              </a:solidFill>
+              <a:latin typeface="Arial" pitchFamily="18"/>
+              <a:ea typeface="DejaVu Sans" pitchFamily="2"/>
+              <a:cs typeface="Lohit Hindi" pitchFamily="2"/>
+            </a:endParaRPr>
+          </a:p>
+          <a:p>
+            <a:pPr algn="ctr">
+              <a:defRPr sz="2650" b="0" i="0" u="none" strike="noStrike" kern="0" cap="none" spc="0" baseline="0">
+                <a:solidFill>
+                  <a:srgbClr val="000000"/>
+                </a:solidFill>
+                <a:uFillTx/>
+              </a:defRPr>
+            </a:pPr>
+            <a:endParaRPr lang="en-US" sz="8000" dirty="0">
+              <a:solidFill>
+                <a:srgbClr val="000000"/>
+              </a:solidFill>
+              <a:latin typeface="Arial" pitchFamily="18"/>
+              <a:ea typeface="DejaVu Sans" pitchFamily="2"/>
+              <a:cs typeface="Lohit Hindi" pitchFamily="2"/>
+            </a:endParaRPr>
+          </a:p>
+          <a:p>
+            <a:pPr algn="ctr">
+              <a:defRPr sz="2650" b="0" i="0" u="none" strike="noStrike" kern="0" cap="none" spc="0" baseline="0">
+                <a:solidFill>
+                  <a:srgbClr val="000000"/>
+                </a:solidFill>
+                <a:uFillTx/>
+              </a:defRPr>
+            </a:pPr>
+            <a:endParaRPr lang="en-US" sz="8000" dirty="0">
+              <a:solidFill>
+                <a:srgbClr val="000000"/>
+              </a:solidFill>
+              <a:latin typeface="Arial" pitchFamily="18"/>
+              <a:ea typeface="DejaVu Sans" pitchFamily="2"/>
+              <a:cs typeface="Lohit Hindi" pitchFamily="2"/>
+            </a:endParaRPr>
+          </a:p>
         </p:txBody>
       </p:sp>
-      <p:cxnSp>
-        <p:nvCxnSpPr>
-          <p:cNvPr id="8" name="직선 화살표 연결선 7"/>
-          <p:cNvCxnSpPr/>
-          <p:nvPr/>
-        </p:nvCxnSpPr>
-        <p:spPr>
-          <a:xfrm>
-            <a:off x="6118845" y="3853433"/>
-            <a:ext cx="0" cy="864096"/>
-          </a:xfrm>
-          <a:prstGeom prst="straightConnector1">
-            <a:avLst/>
-          </a:prstGeom>
-          <a:ln w="28575">
-            <a:tailEnd type="arrow"/>
-          </a:ln>
-        </p:spPr>
-        <p:style>
-          <a:lnRef idx="2">
-            <a:schemeClr val="dk1"/>
-          </a:lnRef>
-          <a:fillRef idx="0">
-            <a:schemeClr val="dk1"/>
-          </a:fillRef>
-          <a:effectRef idx="1">
-            <a:schemeClr val="dk1"/>
-          </a:effectRef>
-          <a:fontRef idx="minor">
-            <a:schemeClr val="tx1"/>
-          </a:fontRef>
-        </p:style>
-      </p:cxnSp>
-      <p:cxnSp>
-        <p:nvCxnSpPr>
-          <p:cNvPr id="9" name="직선 화살표 연결선 8"/>
-          <p:cNvCxnSpPr/>
-          <p:nvPr/>
-        </p:nvCxnSpPr>
-        <p:spPr>
-          <a:xfrm flipV="1">
-            <a:off x="5830813" y="3853433"/>
-            <a:ext cx="0" cy="864096"/>
-          </a:xfrm>
-          <a:prstGeom prst="straightConnector1">
-            <a:avLst/>
-          </a:prstGeom>
-          <a:ln w="28575">
-            <a:tailEnd type="arrow"/>
-          </a:ln>
-        </p:spPr>
-        <p:style>
-          <a:lnRef idx="2">
-            <a:schemeClr val="dk1"/>
-          </a:lnRef>
-          <a:fillRef idx="0">
-            <a:schemeClr val="dk1"/>
-          </a:fillRef>
-          <a:effectRef idx="1">
-            <a:schemeClr val="dk1"/>
-          </a:effectRef>
-          <a:fontRef idx="minor">
-            <a:schemeClr val="tx1"/>
-          </a:fontRef>
-        </p:style>
-      </p:cxnSp>
       <p:sp>
         <p:nvSpPr>
-          <p:cNvPr id="10" name="Text Box 3"/>
+          <p:cNvPr id="49" name="Text Box 3"/>
           <p:cNvSpPr/>
           <p:nvPr/>
         </p:nvSpPr>
         <p:spPr>
           <a:xfrm>
-            <a:off x="5146937" y="4789537"/>
-            <a:ext cx="1763996" cy="457200"/>
+            <a:off x="9323512" y="10584160"/>
+            <a:ext cx="1224136" cy="216024"/>
           </a:xfrm>
           <a:custGeom>
             <a:avLst/>
@@ -3701,16 +5977,18 @@
               </a:path>
             </a:pathLst>
           </a:custGeom>
-          <a:ln/>
+          <a:ln>
+            <a:noFill/>
+          </a:ln>
         </p:spPr>
         <p:style>
-          <a:lnRef idx="1">
+          <a:lnRef idx="2">
             <a:schemeClr val="dk1"/>
           </a:lnRef>
-          <a:fillRef idx="2">
-            <a:schemeClr val="dk1"/>
+          <a:fillRef idx="1">
+            <a:schemeClr val="lt1"/>
           </a:fillRef>
-          <a:effectRef idx="1">
+          <a:effectRef idx="0">
             <a:schemeClr val="dk1"/>
           </a:effectRef>
           <a:fontRef idx="minor">
@@ -3718,21 +5996,10 @@
           </a:fontRef>
         </p:style>
         <p:txBody>
-          <a:bodyPr vert="horz" wrap="square" lIns="90004" tIns="44997" rIns="90004" bIns="44997" anchor="t" anchorCtr="1" compatLnSpc="0"/>
+          <a:bodyPr vert="horz" wrap="square" lIns="257150" tIns="128561" rIns="257150" bIns="128561" anchor="t" anchorCtr="1" compatLnSpc="0"/>
           <a:lstStyle/>
           <a:p>
-            <a:pPr marL="0" marR="0" lvl="0" indent="0" algn="ctr" defTabSz="914400" rtl="0" fontAlgn="auto" hangingPunct="1">
-              <a:lnSpc>
-                <a:spcPct val="100000"/>
-              </a:lnSpc>
-              <a:spcBef>
-                <a:spcPts val="0"/>
-              </a:spcBef>
-              <a:spcAft>
-                <a:spcPts val="0"/>
-              </a:spcAft>
-              <a:buNone/>
-              <a:tabLst/>
+            <a:pPr algn="ctr">
               <a:defRPr sz="2650" b="0" i="0" u="none" strike="noStrike" kern="0" cap="none" spc="0" baseline="0">
                 <a:solidFill>
                   <a:srgbClr val="000000"/>
@@ -3741,40 +6008,27 @@
               </a:defRPr>
             </a:pPr>
             <a:r>
-              <a:rPr lang="en-US" sz="2800" b="0" i="0" u="none" strike="noStrike" kern="1200" cap="none" spc="0" baseline="0" dirty="0" smtClean="0">
-                <a:solidFill>
-                  <a:srgbClr val="000000"/>
-                </a:solidFill>
-                <a:uFillTx/>
+              <a:rPr lang="en-US" sz="1200" b="1" dirty="0" smtClean="0">
+                <a:solidFill>
+                  <a:srgbClr val="000000"/>
+                </a:solidFill>
                 <a:latin typeface="Arial" pitchFamily="18"/>
                 <a:ea typeface="DejaVu Sans" pitchFamily="2"/>
                 <a:cs typeface="Lohit Hindi" pitchFamily="2"/>
               </a:rPr>
-              <a:t>PDP</a:t>
-            </a:r>
-            <a:endParaRPr lang="en-US" sz="2800" b="0" i="0" u="none" strike="noStrike" kern="1200" cap="none" spc="0" baseline="0" dirty="0">
+              <a:t>Response</a:t>
+            </a:r>
+            <a:endParaRPr lang="en-US" sz="8000" b="1" dirty="0">
               <a:solidFill>
                 <a:srgbClr val="000000"/>
               </a:solidFill>
-              <a:uFillTx/>
               <a:latin typeface="Arial" pitchFamily="18"/>
               <a:ea typeface="DejaVu Sans" pitchFamily="2"/>
               <a:cs typeface="Lohit Hindi" pitchFamily="2"/>
             </a:endParaRPr>
           </a:p>
           <a:p>
-            <a:pPr marL="0" marR="0" lvl="0" indent="0" algn="ctr" defTabSz="914400" rtl="0" fontAlgn="auto" hangingPunct="1">
-              <a:lnSpc>
-                <a:spcPct val="100000"/>
-              </a:lnSpc>
-              <a:spcBef>
-                <a:spcPts val="0"/>
-              </a:spcBef>
-              <a:spcAft>
-                <a:spcPts val="0"/>
-              </a:spcAft>
-              <a:buNone/>
-              <a:tabLst/>
+            <a:pPr algn="ctr">
               <a:defRPr sz="2650" b="0" i="0" u="none" strike="noStrike" kern="0" cap="none" spc="0" baseline="0">
                 <a:solidFill>
                   <a:srgbClr val="000000"/>
@@ -3782,29 +6036,17 @@
                 <a:uFillTx/>
               </a:defRPr>
             </a:pPr>
-            <a:endParaRPr lang="en-US" sz="2800" b="0" i="0" u="none" strike="noStrike" kern="1200" cap="none" spc="0" baseline="0" dirty="0">
+            <a:endParaRPr lang="en-US" sz="8000" b="1" dirty="0">
               <a:solidFill>
                 <a:srgbClr val="000000"/>
               </a:solidFill>
-              <a:uFillTx/>
               <a:latin typeface="Arial" pitchFamily="18"/>
               <a:ea typeface="DejaVu Sans" pitchFamily="2"/>
               <a:cs typeface="Lohit Hindi" pitchFamily="2"/>
             </a:endParaRPr>
           </a:p>
           <a:p>
-            <a:pPr marL="0" marR="0" lvl="0" indent="0" algn="ctr" defTabSz="914400" rtl="0" fontAlgn="auto" hangingPunct="1">
-              <a:lnSpc>
-                <a:spcPct val="100000"/>
-              </a:lnSpc>
-              <a:spcBef>
-                <a:spcPts val="0"/>
-              </a:spcBef>
-              <a:spcAft>
-                <a:spcPts val="0"/>
-              </a:spcAft>
-              <a:buNone/>
-              <a:tabLst/>
+            <a:pPr algn="ctr">
               <a:defRPr sz="2650" b="0" i="0" u="none" strike="noStrike" kern="0" cap="none" spc="0" baseline="0">
                 <a:solidFill>
                   <a:srgbClr val="000000"/>
@@ -3812,29 +6054,17 @@
                 <a:uFillTx/>
               </a:defRPr>
             </a:pPr>
-            <a:endParaRPr lang="en-US" sz="2800" b="0" i="0" u="none" strike="noStrike" kern="1200" cap="none" spc="0" baseline="0" dirty="0">
+            <a:endParaRPr lang="en-US" sz="8000" b="1" dirty="0">
               <a:solidFill>
                 <a:srgbClr val="000000"/>
               </a:solidFill>
-              <a:uFillTx/>
               <a:latin typeface="Arial" pitchFamily="18"/>
               <a:ea typeface="DejaVu Sans" pitchFamily="2"/>
               <a:cs typeface="Lohit Hindi" pitchFamily="2"/>
             </a:endParaRPr>
           </a:p>
           <a:p>
-            <a:pPr marL="0" marR="0" lvl="0" indent="0" algn="ctr" defTabSz="914400" rtl="0" fontAlgn="auto" hangingPunct="1">
-              <a:lnSpc>
-                <a:spcPct val="100000"/>
-              </a:lnSpc>
-              <a:spcBef>
-                <a:spcPts val="0"/>
-              </a:spcBef>
-              <a:spcAft>
-                <a:spcPts val="0"/>
-              </a:spcAft>
-              <a:buNone/>
-              <a:tabLst/>
+            <a:pPr algn="ctr">
               <a:defRPr sz="2650" b="0" i="0" u="none" strike="noStrike" kern="0" cap="none" spc="0" baseline="0">
                 <a:solidFill>
                   <a:srgbClr val="000000"/>
@@ -3842,29 +6072,17 @@
                 <a:uFillTx/>
               </a:defRPr>
             </a:pPr>
-            <a:endParaRPr lang="en-US" sz="2800" b="0" i="0" u="none" strike="noStrike" kern="1200" cap="none" spc="0" baseline="0" dirty="0">
+            <a:endParaRPr lang="en-US" sz="8000" b="1" dirty="0">
               <a:solidFill>
                 <a:srgbClr val="000000"/>
               </a:solidFill>
-              <a:uFillTx/>
               <a:latin typeface="Arial" pitchFamily="18"/>
               <a:ea typeface="DejaVu Sans" pitchFamily="2"/>
               <a:cs typeface="Lohit Hindi" pitchFamily="2"/>
             </a:endParaRPr>
           </a:p>
           <a:p>
-            <a:pPr marL="0" marR="0" lvl="0" indent="0" algn="ctr" defTabSz="914400" rtl="0" fontAlgn="auto" hangingPunct="1">
-              <a:lnSpc>
-                <a:spcPct val="100000"/>
-              </a:lnSpc>
-              <a:spcBef>
-                <a:spcPts val="0"/>
-              </a:spcBef>
-              <a:spcAft>
-                <a:spcPts val="0"/>
-              </a:spcAft>
-              <a:buNone/>
-              <a:tabLst/>
+            <a:pPr algn="ctr">
               <a:defRPr sz="2650" b="0" i="0" u="none" strike="noStrike" kern="0" cap="none" spc="0" baseline="0">
                 <a:solidFill>
                   <a:srgbClr val="000000"/>
@@ -3872,334 +6090,60 @@
                 <a:uFillTx/>
               </a:defRPr>
             </a:pPr>
-            <a:endParaRPr lang="en-US" sz="2800" b="0" i="0" u="none" strike="noStrike" kern="1200" cap="none" spc="0" baseline="0" dirty="0">
+            <a:endParaRPr lang="en-US" sz="8000" b="1" dirty="0">
               <a:solidFill>
                 <a:srgbClr val="000000"/>
               </a:solidFill>
-              <a:uFillTx/>
               <a:latin typeface="Arial" pitchFamily="18"/>
               <a:ea typeface="DejaVu Sans" pitchFamily="2"/>
               <a:cs typeface="Lohit Hindi" pitchFamily="2"/>
             </a:endParaRPr>
           </a:p>
-          <a:p>
-            <a:pPr marL="0" marR="0" lvl="0" indent="0" algn="ctr" defTabSz="914400" rtl="0" fontAlgn="auto" hangingPunct="1">
-              <a:lnSpc>
-                <a:spcPct val="100000"/>
-              </a:lnSpc>
-              <a:spcBef>
-                <a:spcPts val="0"/>
-              </a:spcBef>
-              <a:spcAft>
-                <a:spcPts val="0"/>
-              </a:spcAft>
-              <a:buNone/>
-              <a:tabLst/>
-              <a:defRPr sz="2650" b="0" i="0" u="none" strike="noStrike" kern="0" cap="none" spc="0" baseline="0">
-                <a:solidFill>
-                  <a:srgbClr val="000000"/>
-                </a:solidFill>
-                <a:uFillTx/>
-              </a:defRPr>
-            </a:pPr>
-            <a:endParaRPr lang="en-US" sz="2800" b="0" i="0" u="none" strike="noStrike" kern="1200" cap="none" spc="0" baseline="0" dirty="0">
-              <a:solidFill>
-                <a:srgbClr val="000000"/>
-              </a:solidFill>
-              <a:uFillTx/>
-              <a:latin typeface="Arial" pitchFamily="18"/>
-              <a:ea typeface="DejaVu Sans" pitchFamily="2"/>
-              <a:cs typeface="Lohit Hindi" pitchFamily="2"/>
-            </a:endParaRPr>
-          </a:p>
-        </p:txBody>
-      </p:sp>
-      <p:sp>
-        <p:nvSpPr>
-          <p:cNvPr id="11" name="Text Box 3"/>
-          <p:cNvSpPr/>
-          <p:nvPr/>
-        </p:nvSpPr>
-        <p:spPr>
-          <a:xfrm>
-            <a:off x="5542781" y="3421385"/>
-            <a:ext cx="864096" cy="321568"/>
-          </a:xfrm>
-          <a:custGeom>
-            <a:avLst/>
-            <a:gdLst>
-              <a:gd name="f0" fmla="val w"/>
-              <a:gd name="f1" fmla="val h"/>
-              <a:gd name="f2" fmla="val 0"/>
-              <a:gd name="f3" fmla="val 21600"/>
-              <a:gd name="f4" fmla="*/ f0 1 21600"/>
-              <a:gd name="f5" fmla="*/ f1 1 21600"/>
-              <a:gd name="f6" fmla="val f2"/>
-              <a:gd name="f7" fmla="val f3"/>
-              <a:gd name="f8" fmla="+- f7 0 f6"/>
-              <a:gd name="f9" fmla="*/ f8 1 21600"/>
-              <a:gd name="f10" fmla="*/ f6 1 f9"/>
-              <a:gd name="f11" fmla="*/ f7 1 f9"/>
-              <a:gd name="f12" fmla="*/ f10 f4 1"/>
-              <a:gd name="f13" fmla="*/ f11 f4 1"/>
-              <a:gd name="f14" fmla="*/ f11 f5 1"/>
-              <a:gd name="f15" fmla="*/ f10 f5 1"/>
-            </a:gdLst>
-            <a:ahLst/>
-            <a:cxnLst>
-              <a:cxn ang="3cd4">
-                <a:pos x="hc" y="t"/>
-              </a:cxn>
-              <a:cxn ang="0">
-                <a:pos x="r" y="vc"/>
-              </a:cxn>
-              <a:cxn ang="cd4">
-                <a:pos x="hc" y="b"/>
-              </a:cxn>
-              <a:cxn ang="cd2">
-                <a:pos x="l" y="vc"/>
-              </a:cxn>
-            </a:cxnLst>
-            <a:rect l="f12" t="f15" r="f13" b="f14"/>
-            <a:pathLst>
-              <a:path w="21600" h="21600">
-                <a:moveTo>
-                  <a:pt x="f2" y="f2"/>
-                </a:moveTo>
-                <a:lnTo>
-                  <a:pt x="f3" y="f2"/>
-                </a:lnTo>
-                <a:lnTo>
-                  <a:pt x="f3" y="f3"/>
-                </a:lnTo>
-                <a:lnTo>
-                  <a:pt x="f2" y="f3"/>
-                </a:lnTo>
-                <a:lnTo>
-                  <a:pt x="f2" y="f2"/>
-                </a:lnTo>
-                <a:close/>
-              </a:path>
-            </a:pathLst>
-          </a:custGeom>
-          <a:solidFill>
-            <a:srgbClr val="00B0F0"/>
-          </a:solidFill>
-          <a:ln w="9363">
-            <a:solidFill>
-              <a:srgbClr val="000000"/>
-            </a:solidFill>
-            <a:prstDash val="solid"/>
-            <a:round/>
-          </a:ln>
-        </p:spPr>
-        <p:txBody>
-          <a:bodyPr vert="horz" wrap="square" lIns="90004" tIns="44997" rIns="90004" bIns="44997" anchor="t" anchorCtr="1" compatLnSpc="0"/>
-          <a:lstStyle/>
-          <a:p>
-            <a:pPr marL="0" marR="0" lvl="0" indent="0" algn="ctr" defTabSz="914400" rtl="0" fontAlgn="auto" hangingPunct="1">
-              <a:lnSpc>
-                <a:spcPct val="100000"/>
-              </a:lnSpc>
-              <a:spcBef>
-                <a:spcPts val="0"/>
-              </a:spcBef>
-              <a:spcAft>
-                <a:spcPts val="0"/>
-              </a:spcAft>
-              <a:buNone/>
-              <a:tabLst/>
-              <a:defRPr sz="2650" b="0" i="0" u="none" strike="noStrike" kern="0" cap="none" spc="0" baseline="0">
-                <a:solidFill>
-                  <a:srgbClr val="000000"/>
-                </a:solidFill>
-                <a:uFillTx/>
-              </a:defRPr>
-            </a:pPr>
-            <a:r>
-              <a:rPr lang="en-US" sz="1600" b="0" i="0" u="none" strike="noStrike" kern="1200" cap="none" spc="0" baseline="0" dirty="0" smtClean="0">
-                <a:solidFill>
-                  <a:srgbClr val="000000"/>
-                </a:solidFill>
-                <a:uFillTx/>
-                <a:latin typeface="Arial" pitchFamily="18"/>
-                <a:ea typeface="DejaVu Sans" pitchFamily="2"/>
-                <a:cs typeface="Lohit Hindi" pitchFamily="2"/>
-              </a:rPr>
-              <a:t>PEPs</a:t>
-            </a:r>
-            <a:endParaRPr lang="en-US" sz="1600" b="0" i="0" u="none" strike="noStrike" kern="1200" cap="none" spc="0" baseline="0" dirty="0">
-              <a:solidFill>
-                <a:srgbClr val="000000"/>
-              </a:solidFill>
-              <a:uFillTx/>
-              <a:latin typeface="Arial" pitchFamily="18"/>
-              <a:ea typeface="DejaVu Sans" pitchFamily="2"/>
-              <a:cs typeface="Lohit Hindi" pitchFamily="2"/>
-            </a:endParaRPr>
-          </a:p>
-          <a:p>
-            <a:pPr marL="0" marR="0" lvl="0" indent="0" algn="ctr" defTabSz="914400" rtl="0" fontAlgn="auto" hangingPunct="1">
-              <a:lnSpc>
-                <a:spcPct val="100000"/>
-              </a:lnSpc>
-              <a:spcBef>
-                <a:spcPts val="0"/>
-              </a:spcBef>
-              <a:spcAft>
-                <a:spcPts val="0"/>
-              </a:spcAft>
-              <a:buNone/>
-              <a:tabLst/>
-              <a:defRPr sz="2650" b="0" i="0" u="none" strike="noStrike" kern="0" cap="none" spc="0" baseline="0">
-                <a:solidFill>
-                  <a:srgbClr val="000000"/>
-                </a:solidFill>
-                <a:uFillTx/>
-              </a:defRPr>
-            </a:pPr>
-            <a:endParaRPr lang="en-US" sz="1600" b="0" i="0" u="none" strike="noStrike" kern="1200" cap="none" spc="0" baseline="0" dirty="0">
-              <a:solidFill>
-                <a:srgbClr val="000000"/>
-              </a:solidFill>
-              <a:uFillTx/>
-              <a:latin typeface="Arial" pitchFamily="18"/>
-              <a:ea typeface="DejaVu Sans" pitchFamily="2"/>
-              <a:cs typeface="Lohit Hindi" pitchFamily="2"/>
-            </a:endParaRPr>
-          </a:p>
-          <a:p>
-            <a:pPr marL="0" marR="0" lvl="0" indent="0" algn="ctr" defTabSz="914400" rtl="0" fontAlgn="auto" hangingPunct="1">
-              <a:lnSpc>
-                <a:spcPct val="100000"/>
-              </a:lnSpc>
-              <a:spcBef>
-                <a:spcPts val="0"/>
-              </a:spcBef>
-              <a:spcAft>
-                <a:spcPts val="0"/>
-              </a:spcAft>
-              <a:buNone/>
-              <a:tabLst/>
-              <a:defRPr sz="2650" b="0" i="0" u="none" strike="noStrike" kern="0" cap="none" spc="0" baseline="0">
-                <a:solidFill>
-                  <a:srgbClr val="000000"/>
-                </a:solidFill>
-                <a:uFillTx/>
-              </a:defRPr>
-            </a:pPr>
-            <a:endParaRPr lang="en-US" sz="1600" b="0" i="0" u="none" strike="noStrike" kern="1200" cap="none" spc="0" baseline="0" dirty="0">
-              <a:solidFill>
-                <a:srgbClr val="000000"/>
-              </a:solidFill>
-              <a:uFillTx/>
-              <a:latin typeface="Arial" pitchFamily="18"/>
-              <a:ea typeface="DejaVu Sans" pitchFamily="2"/>
-              <a:cs typeface="Lohit Hindi" pitchFamily="2"/>
-            </a:endParaRPr>
-          </a:p>
-          <a:p>
-            <a:pPr marL="0" marR="0" lvl="0" indent="0" algn="ctr" defTabSz="914400" rtl="0" fontAlgn="auto" hangingPunct="1">
-              <a:lnSpc>
-                <a:spcPct val="100000"/>
-              </a:lnSpc>
-              <a:spcBef>
-                <a:spcPts val="0"/>
-              </a:spcBef>
-              <a:spcAft>
-                <a:spcPts val="0"/>
-              </a:spcAft>
-              <a:buNone/>
-              <a:tabLst/>
-              <a:defRPr sz="2650" b="0" i="0" u="none" strike="noStrike" kern="0" cap="none" spc="0" baseline="0">
-                <a:solidFill>
-                  <a:srgbClr val="000000"/>
-                </a:solidFill>
-                <a:uFillTx/>
-              </a:defRPr>
-            </a:pPr>
-            <a:endParaRPr lang="en-US" sz="1600" b="0" i="0" u="none" strike="noStrike" kern="1200" cap="none" spc="0" baseline="0" dirty="0">
-              <a:solidFill>
-                <a:srgbClr val="000000"/>
-              </a:solidFill>
-              <a:uFillTx/>
-              <a:latin typeface="Arial" pitchFamily="18"/>
-              <a:ea typeface="DejaVu Sans" pitchFamily="2"/>
-              <a:cs typeface="Lohit Hindi" pitchFamily="2"/>
-            </a:endParaRPr>
-          </a:p>
-          <a:p>
-            <a:pPr marL="0" marR="0" lvl="0" indent="0" algn="ctr" defTabSz="914400" rtl="0" fontAlgn="auto" hangingPunct="1">
-              <a:lnSpc>
-                <a:spcPct val="100000"/>
-              </a:lnSpc>
-              <a:spcBef>
-                <a:spcPts val="0"/>
-              </a:spcBef>
-              <a:spcAft>
-                <a:spcPts val="0"/>
-              </a:spcAft>
-              <a:buNone/>
-              <a:tabLst/>
-              <a:defRPr sz="2650" b="0" i="0" u="none" strike="noStrike" kern="0" cap="none" spc="0" baseline="0">
-                <a:solidFill>
-                  <a:srgbClr val="000000"/>
-                </a:solidFill>
-                <a:uFillTx/>
-              </a:defRPr>
-            </a:pPr>
-            <a:endParaRPr lang="en-US" sz="1600" b="0" i="0" u="none" strike="noStrike" kern="1200" cap="none" spc="0" baseline="0" dirty="0">
-              <a:solidFill>
-                <a:srgbClr val="000000"/>
-              </a:solidFill>
-              <a:uFillTx/>
-              <a:latin typeface="Arial" pitchFamily="18"/>
-              <a:ea typeface="DejaVu Sans" pitchFamily="2"/>
-              <a:cs typeface="Lohit Hindi" pitchFamily="2"/>
-            </a:endParaRPr>
-          </a:p>
-          <a:p>
-            <a:pPr marL="0" marR="0" lvl="0" indent="0" algn="ctr" defTabSz="914400" rtl="0" fontAlgn="auto" hangingPunct="1">
-              <a:lnSpc>
-                <a:spcPct val="100000"/>
-              </a:lnSpc>
-              <a:spcBef>
-                <a:spcPts val="0"/>
-              </a:spcBef>
-              <a:spcAft>
-                <a:spcPts val="0"/>
-              </a:spcAft>
-              <a:buNone/>
-              <a:tabLst/>
-              <a:defRPr sz="2650" b="0" i="0" u="none" strike="noStrike" kern="0" cap="none" spc="0" baseline="0">
-                <a:solidFill>
-                  <a:srgbClr val="000000"/>
-                </a:solidFill>
-                <a:uFillTx/>
-              </a:defRPr>
-            </a:pPr>
-            <a:endParaRPr lang="en-US" sz="1600" b="0" i="0" u="none" strike="noStrike" kern="1200" cap="none" spc="0" baseline="0" dirty="0">
-              <a:solidFill>
-                <a:srgbClr val="000000"/>
-              </a:solidFill>
-              <a:uFillTx/>
-              <a:latin typeface="Arial" pitchFamily="18"/>
-              <a:ea typeface="DejaVu Sans" pitchFamily="2"/>
-              <a:cs typeface="Lohit Hindi" pitchFamily="2"/>
-            </a:endParaRPr>
-          </a:p>
         </p:txBody>
       </p:sp>
       <p:cxnSp>
         <p:nvCxnSpPr>
-          <p:cNvPr id="12" name="직선 화살표 연결선 11"/>
+          <p:cNvPr id="53" name="꺾인 연결선 52"/>
+          <p:cNvCxnSpPr/>
+          <p:nvPr/>
+        </p:nvCxnSpPr>
+        <p:spPr>
+          <a:xfrm>
+            <a:off x="4642992" y="2447256"/>
+            <a:ext cx="914400" cy="914400"/>
+          </a:xfrm>
+          <a:prstGeom prst="bentConnector3">
+            <a:avLst/>
+          </a:prstGeom>
+          <a:ln>
+            <a:tailEnd type="arrow"/>
+          </a:ln>
+        </p:spPr>
+        <p:style>
+          <a:lnRef idx="1">
+            <a:schemeClr val="accent1"/>
+          </a:lnRef>
+          <a:fillRef idx="0">
+            <a:schemeClr val="accent1"/>
+          </a:fillRef>
+          <a:effectRef idx="0">
+            <a:schemeClr val="accent1"/>
+          </a:effectRef>
+          <a:fontRef idx="minor">
+            <a:schemeClr val="tx1"/>
+          </a:fontRef>
+        </p:style>
+      </p:cxnSp>
+      <p:cxnSp>
+        <p:nvCxnSpPr>
+          <p:cNvPr id="58" name="직선 화살표 연결선 57"/>
           <p:cNvCxnSpPr/>
           <p:nvPr/>
         </p:nvCxnSpPr>
         <p:spPr>
           <a:xfrm flipV="1">
-            <a:off x="5902821" y="5293593"/>
-            <a:ext cx="0" cy="360040"/>
+            <a:off x="9179496" y="8927976"/>
+            <a:ext cx="0" cy="720080"/>
           </a:xfrm>
           <a:prstGeom prst="straightConnector1">
             <a:avLst/>
@@ -4225,14 +6169,14 @@
       </p:cxnSp>
       <p:cxnSp>
         <p:nvCxnSpPr>
-          <p:cNvPr id="13" name="직선 화살표 연결선 12"/>
+          <p:cNvPr id="59" name="직선 화살표 연결선 58"/>
           <p:cNvCxnSpPr/>
           <p:nvPr/>
         </p:nvCxnSpPr>
         <p:spPr>
           <a:xfrm>
-            <a:off x="6190853" y="5293593"/>
-            <a:ext cx="0" cy="432048"/>
+            <a:off x="9035480" y="8855968"/>
+            <a:ext cx="0" cy="752811"/>
           </a:xfrm>
           <a:prstGeom prst="straightConnector1">
             <a:avLst/>
@@ -4256,16 +6200,556 @@
           </a:fontRef>
         </p:style>
       </p:cxnSp>
+    </p:spTree>
+  </p:cSld>
+  <p:clrMapOvr>
+    <a:masterClrMapping/>
+  </p:clrMapOvr>
+  <p:timing>
+    <p:tnLst>
+      <p:par>
+        <p:cTn id="1" dur="indefinite" restart="never" nodeType="tmRoot">
+          <p:childTnLst>
+            <p:seq concurrent="1" nextAc="seek">
+              <p:cTn id="2" dur="indefinite" nodeType="mainSeq">
+                <p:childTnLst>
+                  <p:par>
+                    <p:cTn id="3" fill="hold">
+                      <p:stCondLst>
+                        <p:cond delay="indefinite"/>
+                        <p:cond evt="onBegin" delay="0">
+                          <p:tn val="2"/>
+                        </p:cond>
+                      </p:stCondLst>
+                      <p:childTnLst>
+                        <p:par>
+                          <p:cTn id="4" fill="hold">
+                            <p:stCondLst>
+                              <p:cond delay="0"/>
+                            </p:stCondLst>
+                            <p:childTnLst>
+                              <p:par>
+                                <p:cTn id="5" presetClass="entr" fill="hold" nodeType="withEffect">
+                                  <p:stCondLst>
+                                    <p:cond delay="0"/>
+                                  </p:stCondLst>
+                                  <p:childTnLst>
+                                    <p:set>
+                                      <p:cBhvr>
+                                        <p:cTn id="6" fill="hold">
+                                          <p:stCondLst>
+                                            <p:cond delay="0"/>
+                                          </p:stCondLst>
+                                        </p:cTn>
+                                        <p:tgtEl>
+                                          <p:spTgt spid="7"/>
+                                        </p:tgtEl>
+                                        <p:attrNameLst>
+                                          <p:attrName>style.visibility</p:attrName>
+                                        </p:attrNameLst>
+                                      </p:cBhvr>
+                                      <p:to>
+                                        <p:strVal val="visible"/>
+                                      </p:to>
+                                    </p:set>
+                                    <p:animEffect transition="in" filter="fade">
+                                      <p:cBhvr>
+                                        <p:cTn id="7" dur="1000"/>
+                                        <p:tgtEl>
+                                          <p:spTgt spid="7"/>
+                                        </p:tgtEl>
+                                      </p:cBhvr>
+                                    </p:animEffect>
+                                  </p:childTnLst>
+                                </p:cTn>
+                              </p:par>
+                              <p:par>
+                                <p:cTn id="8" presetClass="entr" fill="hold" nodeType="withEffect">
+                                  <p:stCondLst>
+                                    <p:cond delay="0"/>
+                                  </p:stCondLst>
+                                  <p:childTnLst>
+                                    <p:set>
+                                      <p:cBhvr>
+                                        <p:cTn id="9" fill="hold">
+                                          <p:stCondLst>
+                                            <p:cond delay="0"/>
+                                          </p:stCondLst>
+                                        </p:cTn>
+                                        <p:tgtEl>
+                                          <p:spTgt spid="18"/>
+                                        </p:tgtEl>
+                                        <p:attrNameLst>
+                                          <p:attrName>style.visibility</p:attrName>
+                                        </p:attrNameLst>
+                                      </p:cBhvr>
+                                      <p:to>
+                                        <p:strVal val="visible"/>
+                                      </p:to>
+                                    </p:set>
+                                    <p:animEffect transition="in" filter="fade">
+                                      <p:cBhvr>
+                                        <p:cTn id="10" dur="1000"/>
+                                        <p:tgtEl>
+                                          <p:spTgt spid="18"/>
+                                        </p:tgtEl>
+                                      </p:cBhvr>
+                                    </p:animEffect>
+                                  </p:childTnLst>
+                                </p:cTn>
+                              </p:par>
+                            </p:childTnLst>
+                          </p:cTn>
+                        </p:par>
+                      </p:childTnLst>
+                    </p:cTn>
+                  </p:par>
+                  <p:par>
+                    <p:cTn id="11" fill="hold">
+                      <p:stCondLst>
+                        <p:cond delay="indefinite"/>
+                      </p:stCondLst>
+                      <p:childTnLst>
+                        <p:par>
+                          <p:cTn id="12" fill="hold">
+                            <p:stCondLst>
+                              <p:cond delay="0"/>
+                            </p:stCondLst>
+                            <p:childTnLst>
+                              <p:par>
+                                <p:cTn id="13" presetClass="entr" fill="hold" nodeType="clickEffect">
+                                  <p:stCondLst>
+                                    <p:cond delay="0"/>
+                                  </p:stCondLst>
+                                  <p:childTnLst>
+                                    <p:set>
+                                      <p:cBhvr>
+                                        <p:cTn id="14" fill="hold">
+                                          <p:stCondLst>
+                                            <p:cond delay="0"/>
+                                          </p:stCondLst>
+                                        </p:cTn>
+                                        <p:tgtEl>
+                                          <p:spTgt spid="10"/>
+                                        </p:tgtEl>
+                                        <p:attrNameLst>
+                                          <p:attrName>style.visibility</p:attrName>
+                                        </p:attrNameLst>
+                                      </p:cBhvr>
+                                      <p:to>
+                                        <p:strVal val="visible"/>
+                                      </p:to>
+                                    </p:set>
+                                    <p:animEffect transition="in" filter="fade">
+                                      <p:cBhvr>
+                                        <p:cTn id="15" dur="1000"/>
+                                        <p:tgtEl>
+                                          <p:spTgt spid="10"/>
+                                        </p:tgtEl>
+                                      </p:cBhvr>
+                                    </p:animEffect>
+                                  </p:childTnLst>
+                                </p:cTn>
+                              </p:par>
+                            </p:childTnLst>
+                          </p:cTn>
+                        </p:par>
+                      </p:childTnLst>
+                    </p:cTn>
+                  </p:par>
+                  <p:par>
+                    <p:cTn id="16" fill="hold">
+                      <p:stCondLst>
+                        <p:cond delay="indefinite"/>
+                      </p:stCondLst>
+                      <p:childTnLst>
+                        <p:par>
+                          <p:cTn id="17" fill="hold">
+                            <p:stCondLst>
+                              <p:cond delay="0"/>
+                            </p:stCondLst>
+                            <p:childTnLst>
+                              <p:par>
+                                <p:cTn id="18" presetClass="entr" fill="hold" nodeType="clickEffect">
+                                  <p:stCondLst>
+                                    <p:cond delay="0"/>
+                                  </p:stCondLst>
+                                  <p:childTnLst>
+                                    <p:set>
+                                      <p:cBhvr>
+                                        <p:cTn id="19" fill="hold">
+                                          <p:stCondLst>
+                                            <p:cond delay="0"/>
+                                          </p:stCondLst>
+                                        </p:cTn>
+                                        <p:tgtEl>
+                                          <p:spTgt spid="11"/>
+                                        </p:tgtEl>
+                                        <p:attrNameLst>
+                                          <p:attrName>style.visibility</p:attrName>
+                                        </p:attrNameLst>
+                                      </p:cBhvr>
+                                      <p:to>
+                                        <p:strVal val="visible"/>
+                                      </p:to>
+                                    </p:set>
+                                    <p:animEffect transition="in" filter="fade">
+                                      <p:cBhvr>
+                                        <p:cTn id="20" dur="1000"/>
+                                        <p:tgtEl>
+                                          <p:spTgt spid="11"/>
+                                        </p:tgtEl>
+                                      </p:cBhvr>
+                                    </p:animEffect>
+                                  </p:childTnLst>
+                                </p:cTn>
+                              </p:par>
+                            </p:childTnLst>
+                          </p:cTn>
+                        </p:par>
+                      </p:childTnLst>
+                    </p:cTn>
+                  </p:par>
+                  <p:par>
+                    <p:cTn id="21" fill="hold">
+                      <p:stCondLst>
+                        <p:cond delay="indefinite"/>
+                      </p:stCondLst>
+                      <p:childTnLst>
+                        <p:par>
+                          <p:cTn id="22" fill="hold">
+                            <p:stCondLst>
+                              <p:cond delay="0"/>
+                            </p:stCondLst>
+                            <p:childTnLst>
+                              <p:par>
+                                <p:cTn id="23" presetClass="entr" fill="hold" nodeType="clickEffect">
+                                  <p:stCondLst>
+                                    <p:cond delay="0"/>
+                                  </p:stCondLst>
+                                  <p:childTnLst>
+                                    <p:set>
+                                      <p:cBhvr>
+                                        <p:cTn id="24" fill="hold">
+                                          <p:stCondLst>
+                                            <p:cond delay="0"/>
+                                          </p:stCondLst>
+                                        </p:cTn>
+                                        <p:tgtEl>
+                                          <p:spTgt spid="36"/>
+                                        </p:tgtEl>
+                                        <p:attrNameLst>
+                                          <p:attrName>style.visibility</p:attrName>
+                                        </p:attrNameLst>
+                                      </p:cBhvr>
+                                      <p:to>
+                                        <p:strVal val="visible"/>
+                                      </p:to>
+                                    </p:set>
+                                    <p:animEffect transition="in" filter="fade">
+                                      <p:cBhvr>
+                                        <p:cTn id="25" dur="1000"/>
+                                        <p:tgtEl>
+                                          <p:spTgt spid="36"/>
+                                        </p:tgtEl>
+                                      </p:cBhvr>
+                                    </p:animEffect>
+                                  </p:childTnLst>
+                                </p:cTn>
+                              </p:par>
+                            </p:childTnLst>
+                          </p:cTn>
+                        </p:par>
+                      </p:childTnLst>
+                    </p:cTn>
+                  </p:par>
+                  <p:par>
+                    <p:cTn id="26" fill="hold">
+                      <p:stCondLst>
+                        <p:cond delay="indefinite"/>
+                      </p:stCondLst>
+                      <p:childTnLst>
+                        <p:par>
+                          <p:cTn id="27" fill="hold">
+                            <p:stCondLst>
+                              <p:cond delay="0"/>
+                            </p:stCondLst>
+                            <p:childTnLst>
+                              <p:par>
+                                <p:cTn id="28" presetClass="entr" fill="hold" nodeType="clickEffect">
+                                  <p:stCondLst>
+                                    <p:cond delay="0"/>
+                                  </p:stCondLst>
+                                  <p:childTnLst>
+                                    <p:set>
+                                      <p:cBhvr>
+                                        <p:cTn id="29" fill="hold">
+                                          <p:stCondLst>
+                                            <p:cond delay="0"/>
+                                          </p:stCondLst>
+                                        </p:cTn>
+                                        <p:tgtEl>
+                                          <p:spTgt spid="39"/>
+                                        </p:tgtEl>
+                                        <p:attrNameLst>
+                                          <p:attrName>style.visibility</p:attrName>
+                                        </p:attrNameLst>
+                                      </p:cBhvr>
+                                      <p:to>
+                                        <p:strVal val="visible"/>
+                                      </p:to>
+                                    </p:set>
+                                    <p:animEffect transition="in" filter="fade">
+                                      <p:cBhvr>
+                                        <p:cTn id="30" dur="1000"/>
+                                        <p:tgtEl>
+                                          <p:spTgt spid="39"/>
+                                        </p:tgtEl>
+                                      </p:cBhvr>
+                                    </p:animEffect>
+                                  </p:childTnLst>
+                                </p:cTn>
+                              </p:par>
+                            </p:childTnLst>
+                          </p:cTn>
+                        </p:par>
+                      </p:childTnLst>
+                    </p:cTn>
+                  </p:par>
+                  <p:par>
+                    <p:cTn id="31" fill="hold">
+                      <p:stCondLst>
+                        <p:cond delay="indefinite"/>
+                      </p:stCondLst>
+                      <p:childTnLst>
+                        <p:par>
+                          <p:cTn id="32" fill="hold">
+                            <p:stCondLst>
+                              <p:cond delay="0"/>
+                            </p:stCondLst>
+                            <p:childTnLst>
+                              <p:par>
+                                <p:cTn id="33" presetClass="entr" fill="hold" nodeType="clickEffect">
+                                  <p:stCondLst>
+                                    <p:cond delay="0"/>
+                                  </p:stCondLst>
+                                  <p:childTnLst>
+                                    <p:set>
+                                      <p:cBhvr>
+                                        <p:cTn id="34" fill="hold">
+                                          <p:stCondLst>
+                                            <p:cond delay="0"/>
+                                          </p:stCondLst>
+                                        </p:cTn>
+                                        <p:tgtEl>
+                                          <p:spTgt spid="48"/>
+                                        </p:tgtEl>
+                                        <p:attrNameLst>
+                                          <p:attrName>style.visibility</p:attrName>
+                                        </p:attrNameLst>
+                                      </p:cBhvr>
+                                      <p:to>
+                                        <p:strVal val="visible"/>
+                                      </p:to>
+                                    </p:set>
+                                    <p:animEffect transition="in" filter="fade">
+                                      <p:cBhvr>
+                                        <p:cTn id="35" dur="1000"/>
+                                        <p:tgtEl>
+                                          <p:spTgt spid="48"/>
+                                        </p:tgtEl>
+                                      </p:cBhvr>
+                                    </p:animEffect>
+                                  </p:childTnLst>
+                                </p:cTn>
+                              </p:par>
+                            </p:childTnLst>
+                          </p:cTn>
+                        </p:par>
+                      </p:childTnLst>
+                    </p:cTn>
+                  </p:par>
+                  <p:par>
+                    <p:cTn id="36" fill="hold">
+                      <p:stCondLst>
+                        <p:cond delay="indefinite"/>
+                      </p:stCondLst>
+                      <p:childTnLst>
+                        <p:par>
+                          <p:cTn id="37" fill="hold">
+                            <p:stCondLst>
+                              <p:cond delay="0"/>
+                            </p:stCondLst>
+                            <p:childTnLst>
+                              <p:par>
+                                <p:cTn id="38" presetClass="entr" fill="hold" nodeType="clickEffect">
+                                  <p:stCondLst>
+                                    <p:cond delay="0"/>
+                                  </p:stCondLst>
+                                  <p:childTnLst>
+                                    <p:set>
+                                      <p:cBhvr>
+                                        <p:cTn id="39" fill="hold">
+                                          <p:stCondLst>
+                                            <p:cond delay="0"/>
+                                          </p:stCondLst>
+                                        </p:cTn>
+                                        <p:tgtEl>
+                                          <p:spTgt spid="49"/>
+                                        </p:tgtEl>
+                                        <p:attrNameLst>
+                                          <p:attrName>style.visibility</p:attrName>
+                                        </p:attrNameLst>
+                                      </p:cBhvr>
+                                      <p:to>
+                                        <p:strVal val="visible"/>
+                                      </p:to>
+                                    </p:set>
+                                    <p:animEffect transition="in" filter="fade">
+                                      <p:cBhvr>
+                                        <p:cTn id="40" dur="1000"/>
+                                        <p:tgtEl>
+                                          <p:spTgt spid="49"/>
+                                        </p:tgtEl>
+                                      </p:cBhvr>
+                                    </p:animEffect>
+                                  </p:childTnLst>
+                                </p:cTn>
+                              </p:par>
+                            </p:childTnLst>
+                          </p:cTn>
+                        </p:par>
+                      </p:childTnLst>
+                    </p:cTn>
+                  </p:par>
+                </p:childTnLst>
+              </p:cTn>
+              <p:prevCondLst>
+                <p:cond evt="onPrev" delay="0">
+                  <p:tgtEl>
+                    <p:sldTgt/>
+                  </p:tgtEl>
+                </p:cond>
+              </p:prevCondLst>
+              <p:nextCondLst>
+                <p:cond evt="onNext" delay="0">
+                  <p:tgtEl>
+                    <p:sldTgt/>
+                  </p:tgtEl>
+                </p:cond>
+              </p:nextCondLst>
+            </p:seq>
+          </p:childTnLst>
+        </p:cTn>
+      </p:par>
+    </p:tnLst>
+  </p:timing>
+</p:sld>
+</file>
+
+<file path=ppt/slides/slide3.xml><?xml version="1.0" encoding="utf-8"?>
+<p:sld xmlns:a="http://schemas.openxmlformats.org/drawingml/2006/main" xmlns:r="http://schemas.openxmlformats.org/officeDocument/2006/relationships" xmlns:p="http://schemas.openxmlformats.org/presentationml/2006/main">
+  <p:cSld>
+    <p:spTree>
+      <p:nvGrpSpPr>
+        <p:cNvPr id="1" name=""/>
+        <p:cNvGrpSpPr/>
+        <p:nvPr/>
+      </p:nvGrpSpPr>
+      <p:grpSpPr>
+        <a:xfrm>
+          <a:off x="0" y="0"/>
+          <a:ext cx="0" cy="0"/>
+          <a:chOff x="0" y="0"/>
+          <a:chExt cx="0" cy="0"/>
+        </a:xfrm>
+      </p:grpSpPr>
       <p:sp>
         <p:nvSpPr>
-          <p:cNvPr id="14" name="AutoShape 9"/>
+          <p:cNvPr id="4" name="순서도: 처리 3"/>
           <p:cNvSpPr/>
           <p:nvPr/>
         </p:nvSpPr>
         <p:spPr>
           <a:xfrm>
-            <a:off x="5398765" y="5797649"/>
-            <a:ext cx="1224136" cy="792088"/>
+            <a:off x="4747023" y="4131139"/>
+            <a:ext cx="7992888" cy="11137237"/>
+          </a:xfrm>
+          <a:prstGeom prst="flowChartProcess">
+            <a:avLst/>
+          </a:prstGeom>
+        </p:spPr>
+        <p:style>
+          <a:lnRef idx="1">
+            <a:schemeClr val="dk1"/>
+          </a:lnRef>
+          <a:fillRef idx="2">
+            <a:schemeClr val="dk1"/>
+          </a:fillRef>
+          <a:effectRef idx="1">
+            <a:schemeClr val="dk1"/>
+          </a:effectRef>
+          <a:fontRef idx="minor">
+            <a:schemeClr val="dk1"/>
+          </a:fontRef>
+        </p:style>
+        <p:txBody>
+          <a:bodyPr lIns="261253" tIns="130627" rIns="261253" bIns="130627" rtlCol="0" anchor="ctr"/>
+          <a:lstStyle/>
+          <a:p>
+            <a:pPr algn="ctr"/>
+            <a:endParaRPr lang="en-US" sz="4000" dirty="0"/>
+          </a:p>
+        </p:txBody>
+      </p:sp>
+      <p:sp>
+        <p:nvSpPr>
+          <p:cNvPr id="5" name="순서도: 처리 4"/>
+          <p:cNvSpPr/>
+          <p:nvPr/>
+        </p:nvSpPr>
+        <p:spPr>
+          <a:xfrm>
+            <a:off x="13820031" y="4323160"/>
+            <a:ext cx="8856984" cy="7296811"/>
+          </a:xfrm>
+          <a:prstGeom prst="flowChartProcess">
+            <a:avLst/>
+          </a:prstGeom>
+        </p:spPr>
+        <p:style>
+          <a:lnRef idx="1">
+            <a:schemeClr val="dk1"/>
+          </a:lnRef>
+          <a:fillRef idx="2">
+            <a:schemeClr val="dk1"/>
+          </a:fillRef>
+          <a:effectRef idx="1">
+            <a:schemeClr val="dk1"/>
+          </a:effectRef>
+          <a:fontRef idx="minor">
+            <a:schemeClr val="dk1"/>
+          </a:fontRef>
+        </p:style>
+        <p:txBody>
+          <a:bodyPr lIns="261253" tIns="130627" rIns="261253" bIns="130627" rtlCol="0" anchor="ctr"/>
+          <a:lstStyle/>
+          <a:p>
+            <a:pPr algn="ctr"/>
+            <a:endParaRPr lang="en-US"/>
+          </a:p>
+        </p:txBody>
+      </p:sp>
+      <p:sp>
+        <p:nvSpPr>
+          <p:cNvPr id="6" name="AutoShape 9"/>
+          <p:cNvSpPr/>
+          <p:nvPr/>
+        </p:nvSpPr>
+        <p:spPr>
+          <a:xfrm>
+            <a:off x="15548223" y="6435395"/>
+            <a:ext cx="5184576" cy="4224469"/>
           </a:xfrm>
           <a:custGeom>
             <a:avLst/>
@@ -4442,10 +6926,10 @@
           </a:ln>
         </p:spPr>
         <p:txBody>
-          <a:bodyPr vert="horz" wrap="none" lIns="90004" tIns="44997" rIns="90004" bIns="44997" anchor="ctr" anchorCtr="1" compatLnSpc="0"/>
+          <a:bodyPr vert="horz" wrap="none" lIns="257150" tIns="128561" rIns="257150" bIns="128561" anchor="ctr" anchorCtr="1" compatLnSpc="0"/>
           <a:lstStyle/>
           <a:p>
-            <a:pPr lvl="0" algn="ctr">
+            <a:pPr algn="ctr">
               <a:defRPr sz="2650" b="0" i="0" u="none" strike="noStrike" kern="0" cap="none" spc="0" baseline="0">
                 <a:solidFill>
                   <a:srgbClr val="000000"/>
@@ -4454,7 +6938,7 @@
               </a:defRPr>
             </a:pPr>
             <a:r>
-              <a:rPr lang="en-US" sz="2000" dirty="0" smtClean="0">
+              <a:rPr lang="en-US" sz="5700" dirty="0" smtClean="0">
                 <a:solidFill>
                   <a:srgbClr val="000000"/>
                 </a:solidFill>
@@ -4462,24 +6946,12 @@
                 <a:ea typeface="DejaVu Sans" pitchFamily="2"/>
                 <a:cs typeface="Lohit Hindi" pitchFamily="2"/>
               </a:rPr>
-              <a:t>Policy </a:t>
-            </a:r>
-            <a:r>
-              <a:rPr lang="en-US" sz="2000" dirty="0">
-                <a:solidFill>
-                  <a:srgbClr val="000000"/>
-                </a:solidFill>
-                <a:latin typeface="Arial" pitchFamily="18"/>
-                <a:ea typeface="DejaVu Sans" pitchFamily="2"/>
-                <a:cs typeface="Lohit Hindi" pitchFamily="2"/>
-              </a:rPr>
-              <a:t>P</a:t>
-            </a:r>
-            <a:endParaRPr lang="en-US" sz="2000" b="0" i="0" u="none" strike="noStrike" kern="1200" cap="none" spc="0" baseline="0" dirty="0">
+              <a:t>Methods</a:t>
+            </a:r>
+            <a:endParaRPr lang="en-US" sz="5700" dirty="0">
               <a:solidFill>
                 <a:srgbClr val="000000"/>
               </a:solidFill>
-              <a:uFillTx/>
               <a:latin typeface="Arial" pitchFamily="18"/>
               <a:ea typeface="DejaVu Sans" pitchFamily="2"/>
               <a:cs typeface="Lohit Hindi" pitchFamily="2"/>
@@ -4489,174 +6961,14 @@
       </p:sp>
       <p:sp>
         <p:nvSpPr>
-          <p:cNvPr id="15" name="순서도: 처리 14"/>
+          <p:cNvPr id="7" name="Text Box 7"/>
           <p:cNvSpPr/>
           <p:nvPr/>
         </p:nvSpPr>
         <p:spPr>
           <a:xfrm>
-            <a:off x="1438325" y="1693193"/>
-            <a:ext cx="2664296" cy="4176464"/>
-          </a:xfrm>
-          <a:prstGeom prst="flowChartProcess">
-            <a:avLst/>
-          </a:prstGeom>
-        </p:spPr>
-        <p:style>
-          <a:lnRef idx="1">
-            <a:schemeClr val="dk1"/>
-          </a:lnRef>
-          <a:fillRef idx="2">
-            <a:schemeClr val="dk1"/>
-          </a:fillRef>
-          <a:effectRef idx="1">
-            <a:schemeClr val="dk1"/>
-          </a:effectRef>
-          <a:fontRef idx="minor">
-            <a:schemeClr val="dk1"/>
-          </a:fontRef>
-        </p:style>
-        <p:txBody>
-          <a:bodyPr rtlCol="0" anchor="ctr"/>
-          <a:lstStyle/>
-          <a:p>
-            <a:pPr algn="ctr"/>
-            <a:endParaRPr lang="en-US" sz="1400"/>
-          </a:p>
-        </p:txBody>
-      </p:sp>
-      <p:sp>
-        <p:nvSpPr>
-          <p:cNvPr id="16" name="순서도: 처리 15"/>
-          <p:cNvSpPr/>
-          <p:nvPr/>
-        </p:nvSpPr>
-        <p:spPr>
-          <a:xfrm>
-            <a:off x="1294309" y="1837209"/>
-            <a:ext cx="2664296" cy="4176464"/>
-          </a:xfrm>
-          <a:prstGeom prst="flowChartProcess">
-            <a:avLst/>
-          </a:prstGeom>
-        </p:spPr>
-        <p:style>
-          <a:lnRef idx="1">
-            <a:schemeClr val="dk1"/>
-          </a:lnRef>
-          <a:fillRef idx="2">
-            <a:schemeClr val="dk1"/>
-          </a:fillRef>
-          <a:effectRef idx="1">
-            <a:schemeClr val="dk1"/>
-          </a:effectRef>
-          <a:fontRef idx="minor">
-            <a:schemeClr val="dk1"/>
-          </a:fontRef>
-        </p:style>
-        <p:txBody>
-          <a:bodyPr rtlCol="0" anchor="ctr"/>
-          <a:lstStyle/>
-          <a:p>
-            <a:pPr algn="ctr"/>
-            <a:endParaRPr lang="en-US" sz="1400"/>
-          </a:p>
-        </p:txBody>
-      </p:sp>
-      <p:sp>
-        <p:nvSpPr>
-          <p:cNvPr id="17" name="타원 16"/>
-          <p:cNvSpPr/>
-          <p:nvPr/>
-        </p:nvSpPr>
-        <p:spPr>
-          <a:xfrm>
-            <a:off x="1438325" y="2629297"/>
-            <a:ext cx="1080120" cy="648072"/>
-          </a:xfrm>
-          <a:prstGeom prst="ellipse">
-            <a:avLst/>
-          </a:prstGeom>
-        </p:spPr>
-        <p:style>
-          <a:lnRef idx="2">
-            <a:schemeClr val="dk1"/>
-          </a:lnRef>
-          <a:fillRef idx="1">
-            <a:schemeClr val="lt1"/>
-          </a:fillRef>
-          <a:effectRef idx="0">
-            <a:schemeClr val="dk1"/>
-          </a:effectRef>
-          <a:fontRef idx="minor">
-            <a:schemeClr val="dk1"/>
-          </a:fontRef>
-        </p:style>
-        <p:txBody>
-          <a:bodyPr rtlCol="0" anchor="ctr"/>
-          <a:lstStyle/>
-          <a:p>
-            <a:pPr algn="ctr"/>
-            <a:r>
-              <a:rPr lang="en-US" sz="1400" dirty="0" smtClean="0"/>
-              <a:t>Subject</a:t>
-            </a:r>
-            <a:endParaRPr lang="en-US" sz="1400" dirty="0"/>
-          </a:p>
-        </p:txBody>
-      </p:sp>
-      <p:sp>
-        <p:nvSpPr>
-          <p:cNvPr id="18" name="타원 17"/>
-          <p:cNvSpPr/>
-          <p:nvPr/>
-        </p:nvSpPr>
-        <p:spPr>
-          <a:xfrm>
-            <a:off x="2662461" y="2629297"/>
-            <a:ext cx="1061261" cy="648072"/>
-          </a:xfrm>
-          <a:prstGeom prst="ellipse">
-            <a:avLst/>
-          </a:prstGeom>
-        </p:spPr>
-        <p:style>
-          <a:lnRef idx="2">
-            <a:schemeClr val="dk1"/>
-          </a:lnRef>
-          <a:fillRef idx="1">
-            <a:schemeClr val="lt1"/>
-          </a:fillRef>
-          <a:effectRef idx="0">
-            <a:schemeClr val="dk1"/>
-          </a:effectRef>
-          <a:fontRef idx="minor">
-            <a:schemeClr val="dk1"/>
-          </a:fontRef>
-        </p:style>
-        <p:txBody>
-          <a:bodyPr rtlCol="0" anchor="ctr"/>
-          <a:lstStyle/>
-          <a:p>
-            <a:pPr algn="ctr"/>
-            <a:r>
-              <a:rPr lang="en-US" sz="1400" dirty="0" smtClean="0"/>
-              <a:t>Context</a:t>
-            </a:r>
-            <a:endParaRPr lang="en-US" sz="1400" dirty="0"/>
-          </a:p>
-        </p:txBody>
-      </p:sp>
-      <p:sp>
-        <p:nvSpPr>
-          <p:cNvPr id="19" name="Text Box 7"/>
-          <p:cNvSpPr/>
-          <p:nvPr/>
-        </p:nvSpPr>
-        <p:spPr>
-          <a:xfrm>
-            <a:off x="1654349" y="1909217"/>
-            <a:ext cx="1966504" cy="288032"/>
+            <a:off x="15116175" y="4515182"/>
+            <a:ext cx="6696744" cy="768085"/>
           </a:xfrm>
           <a:custGeom>
             <a:avLst/>
@@ -4723,21 +7035,10 @@
           </a:ln>
         </p:spPr>
         <p:txBody>
-          <a:bodyPr vert="horz" wrap="square" lIns="90004" tIns="44997" rIns="90004" bIns="44997" anchor="t" anchorCtr="1" compatLnSpc="0"/>
+          <a:bodyPr vert="horz" wrap="square" lIns="257150" tIns="128561" rIns="257150" bIns="128561" anchor="t" anchorCtr="1" compatLnSpc="0"/>
           <a:lstStyle/>
           <a:p>
-            <a:pPr marL="0" marR="0" lvl="0" indent="0" algn="ctr" defTabSz="914400" rtl="0" fontAlgn="auto" hangingPunct="1">
-              <a:lnSpc>
-                <a:spcPct val="100000"/>
-              </a:lnSpc>
-              <a:spcBef>
-                <a:spcPts val="0"/>
-              </a:spcBef>
-              <a:spcAft>
-                <a:spcPts val="0"/>
-              </a:spcAft>
-              <a:buNone/>
-              <a:tabLst/>
+            <a:pPr algn="ctr">
               <a:defRPr sz="2650" b="0" i="0" u="none" strike="noStrike" kern="0" cap="none" spc="0" baseline="0">
                 <a:solidFill>
                   <a:srgbClr val="000000"/>
@@ -4746,64 +7047,432 @@
               </a:defRPr>
             </a:pPr>
             <a:r>
-              <a:rPr lang="en-US" sz="2000" b="0" i="0" u="none" strike="noStrike" kern="1200" cap="none" spc="0" baseline="0" dirty="0" smtClean="0">
-                <a:solidFill>
-                  <a:srgbClr val="000000"/>
-                </a:solidFill>
-                <a:uFillTx/>
+              <a:rPr lang="en-US" sz="5700" dirty="0" smtClean="0">
+                <a:solidFill>
+                  <a:srgbClr val="000000"/>
+                </a:solidFill>
                 <a:latin typeface="Arial" pitchFamily="18"/>
                 <a:ea typeface="DejaVu Sans" pitchFamily="2"/>
                 <a:cs typeface="Lohit Hindi" pitchFamily="2"/>
               </a:rPr>
-              <a:t>Test</a:t>
-            </a:r>
-            <a:r>
-              <a:rPr lang="en-US" sz="2000" b="0" i="0" u="none" strike="noStrike" kern="1200" cap="none" spc="0" dirty="0" smtClean="0">
+              <a:t>Application Code</a:t>
+            </a:r>
+            <a:endParaRPr lang="en-US" sz="5700" dirty="0">
+              <a:solidFill>
+                <a:srgbClr val="000000"/>
+              </a:solidFill>
+              <a:latin typeface="Arial" pitchFamily="18"/>
+              <a:ea typeface="DejaVu Sans" pitchFamily="2"/>
+              <a:cs typeface="Lohit Hindi" pitchFamily="2"/>
+            </a:endParaRPr>
+          </a:p>
+          <a:p>
+            <a:pPr algn="ctr">
+              <a:defRPr sz="2650" b="0" i="0" u="none" strike="noStrike" kern="0" cap="none" spc="0" baseline="0">
                 <a:solidFill>
                   <a:srgbClr val="000000"/>
                 </a:solidFill>
                 <a:uFillTx/>
+              </a:defRPr>
+            </a:pPr>
+            <a:endParaRPr lang="en-US" sz="4000" dirty="0">
+              <a:solidFill>
+                <a:srgbClr val="000000"/>
+              </a:solidFill>
+              <a:latin typeface="Arial" pitchFamily="18"/>
+              <a:ea typeface="DejaVu Sans" pitchFamily="2"/>
+              <a:cs typeface="Lohit Hindi" pitchFamily="2"/>
+            </a:endParaRPr>
+          </a:p>
+        </p:txBody>
+      </p:sp>
+      <p:cxnSp>
+        <p:nvCxnSpPr>
+          <p:cNvPr id="8" name="직선 화살표 연결선 7"/>
+          <p:cNvCxnSpPr/>
+          <p:nvPr/>
+        </p:nvCxnSpPr>
+        <p:spPr>
+          <a:xfrm>
+            <a:off x="18356535" y="10275821"/>
+            <a:ext cx="0" cy="2304256"/>
+          </a:xfrm>
+          <a:prstGeom prst="straightConnector1">
+            <a:avLst/>
+          </a:prstGeom>
+          <a:ln w="28575">
+            <a:tailEnd type="arrow"/>
+          </a:ln>
+        </p:spPr>
+        <p:style>
+          <a:lnRef idx="2">
+            <a:schemeClr val="dk1"/>
+          </a:lnRef>
+          <a:fillRef idx="0">
+            <a:schemeClr val="dk1"/>
+          </a:fillRef>
+          <a:effectRef idx="1">
+            <a:schemeClr val="dk1"/>
+          </a:effectRef>
+          <a:fontRef idx="minor">
+            <a:schemeClr val="tx1"/>
+          </a:fontRef>
+        </p:style>
+      </p:cxnSp>
+      <p:cxnSp>
+        <p:nvCxnSpPr>
+          <p:cNvPr id="9" name="직선 화살표 연결선 8"/>
+          <p:cNvCxnSpPr/>
+          <p:nvPr/>
+        </p:nvCxnSpPr>
+        <p:spPr>
+          <a:xfrm flipV="1">
+            <a:off x="17492439" y="10275821"/>
+            <a:ext cx="0" cy="2304256"/>
+          </a:xfrm>
+          <a:prstGeom prst="straightConnector1">
+            <a:avLst/>
+          </a:prstGeom>
+          <a:ln w="28575">
+            <a:tailEnd type="arrow"/>
+          </a:ln>
+        </p:spPr>
+        <p:style>
+          <a:lnRef idx="2">
+            <a:schemeClr val="dk1"/>
+          </a:lnRef>
+          <a:fillRef idx="0">
+            <a:schemeClr val="dk1"/>
+          </a:fillRef>
+          <a:effectRef idx="1">
+            <a:schemeClr val="dk1"/>
+          </a:effectRef>
+          <a:fontRef idx="minor">
+            <a:schemeClr val="tx1"/>
+          </a:fontRef>
+        </p:style>
+      </p:cxnSp>
+      <p:sp>
+        <p:nvSpPr>
+          <p:cNvPr id="10" name="Text Box 3"/>
+          <p:cNvSpPr/>
+          <p:nvPr/>
+        </p:nvSpPr>
+        <p:spPr>
+          <a:xfrm>
+            <a:off x="15440811" y="12772099"/>
+            <a:ext cx="5291988" cy="1219200"/>
+          </a:xfrm>
+          <a:custGeom>
+            <a:avLst/>
+            <a:gdLst>
+              <a:gd name="f0" fmla="val w"/>
+              <a:gd name="f1" fmla="val h"/>
+              <a:gd name="f2" fmla="val 0"/>
+              <a:gd name="f3" fmla="val 21600"/>
+              <a:gd name="f4" fmla="*/ f0 1 21600"/>
+              <a:gd name="f5" fmla="*/ f1 1 21600"/>
+              <a:gd name="f6" fmla="val f2"/>
+              <a:gd name="f7" fmla="val f3"/>
+              <a:gd name="f8" fmla="+- f7 0 f6"/>
+              <a:gd name="f9" fmla="*/ f8 1 21600"/>
+              <a:gd name="f10" fmla="*/ f6 1 f9"/>
+              <a:gd name="f11" fmla="*/ f7 1 f9"/>
+              <a:gd name="f12" fmla="*/ f10 f4 1"/>
+              <a:gd name="f13" fmla="*/ f11 f4 1"/>
+              <a:gd name="f14" fmla="*/ f11 f5 1"/>
+              <a:gd name="f15" fmla="*/ f10 f5 1"/>
+            </a:gdLst>
+            <a:ahLst/>
+            <a:cxnLst>
+              <a:cxn ang="3cd4">
+                <a:pos x="hc" y="t"/>
+              </a:cxn>
+              <a:cxn ang="0">
+                <a:pos x="r" y="vc"/>
+              </a:cxn>
+              <a:cxn ang="cd4">
+                <a:pos x="hc" y="b"/>
+              </a:cxn>
+              <a:cxn ang="cd2">
+                <a:pos x="l" y="vc"/>
+              </a:cxn>
+            </a:cxnLst>
+            <a:rect l="f12" t="f15" r="f13" b="f14"/>
+            <a:pathLst>
+              <a:path w="21600" h="21600">
+                <a:moveTo>
+                  <a:pt x="f2" y="f2"/>
+                </a:moveTo>
+                <a:lnTo>
+                  <a:pt x="f3" y="f2"/>
+                </a:lnTo>
+                <a:lnTo>
+                  <a:pt x="f3" y="f3"/>
+                </a:lnTo>
+                <a:lnTo>
+                  <a:pt x="f2" y="f3"/>
+                </a:lnTo>
+                <a:lnTo>
+                  <a:pt x="f2" y="f2"/>
+                </a:lnTo>
+                <a:close/>
+              </a:path>
+            </a:pathLst>
+          </a:custGeom>
+          <a:ln/>
+        </p:spPr>
+        <p:style>
+          <a:lnRef idx="1">
+            <a:schemeClr val="dk1"/>
+          </a:lnRef>
+          <a:fillRef idx="2">
+            <a:schemeClr val="dk1"/>
+          </a:fillRef>
+          <a:effectRef idx="1">
+            <a:schemeClr val="dk1"/>
+          </a:effectRef>
+          <a:fontRef idx="minor">
+            <a:schemeClr val="dk1"/>
+          </a:fontRef>
+        </p:style>
+        <p:txBody>
+          <a:bodyPr vert="horz" wrap="square" lIns="257150" tIns="128561" rIns="257150" bIns="128561" anchor="t" anchorCtr="1" compatLnSpc="0"/>
+          <a:lstStyle/>
+          <a:p>
+            <a:pPr algn="ctr">
+              <a:defRPr sz="2650" b="0" i="0" u="none" strike="noStrike" kern="0" cap="none" spc="0" baseline="0">
+                <a:solidFill>
+                  <a:srgbClr val="000000"/>
+                </a:solidFill>
+                <a:uFillTx/>
+              </a:defRPr>
+            </a:pPr>
+            <a:r>
+              <a:rPr lang="en-US" sz="8000" dirty="0" smtClean="0">
+                <a:solidFill>
+                  <a:srgbClr val="000000"/>
+                </a:solidFill>
                 <a:latin typeface="Arial" pitchFamily="18"/>
                 <a:ea typeface="DejaVu Sans" pitchFamily="2"/>
                 <a:cs typeface="Lohit Hindi" pitchFamily="2"/>
               </a:rPr>
-              <a:t> Case </a:t>
-            </a:r>
-            <a:r>
-              <a:rPr lang="en-US" sz="2000" b="0" i="0" u="none" strike="noStrike" kern="1200" cap="none" spc="0" baseline="0" dirty="0" smtClean="0">
+              <a:t>PDP</a:t>
+            </a:r>
+            <a:endParaRPr lang="en-US" sz="8000" dirty="0">
+              <a:solidFill>
+                <a:srgbClr val="000000"/>
+              </a:solidFill>
+              <a:latin typeface="Arial" pitchFamily="18"/>
+              <a:ea typeface="DejaVu Sans" pitchFamily="2"/>
+              <a:cs typeface="Lohit Hindi" pitchFamily="2"/>
+            </a:endParaRPr>
+          </a:p>
+          <a:p>
+            <a:pPr algn="ctr">
+              <a:defRPr sz="2650" b="0" i="0" u="none" strike="noStrike" kern="0" cap="none" spc="0" baseline="0">
                 <a:solidFill>
                   <a:srgbClr val="000000"/>
                 </a:solidFill>
                 <a:uFillTx/>
+              </a:defRPr>
+            </a:pPr>
+            <a:endParaRPr lang="en-US" sz="8000" dirty="0">
+              <a:solidFill>
+                <a:srgbClr val="000000"/>
+              </a:solidFill>
+              <a:latin typeface="Arial" pitchFamily="18"/>
+              <a:ea typeface="DejaVu Sans" pitchFamily="2"/>
+              <a:cs typeface="Lohit Hindi" pitchFamily="2"/>
+            </a:endParaRPr>
+          </a:p>
+          <a:p>
+            <a:pPr algn="ctr">
+              <a:defRPr sz="2650" b="0" i="0" u="none" strike="noStrike" kern="0" cap="none" spc="0" baseline="0">
+                <a:solidFill>
+                  <a:srgbClr val="000000"/>
+                </a:solidFill>
+                <a:uFillTx/>
+              </a:defRPr>
+            </a:pPr>
+            <a:endParaRPr lang="en-US" sz="8000" dirty="0">
+              <a:solidFill>
+                <a:srgbClr val="000000"/>
+              </a:solidFill>
+              <a:latin typeface="Arial" pitchFamily="18"/>
+              <a:ea typeface="DejaVu Sans" pitchFamily="2"/>
+              <a:cs typeface="Lohit Hindi" pitchFamily="2"/>
+            </a:endParaRPr>
+          </a:p>
+          <a:p>
+            <a:pPr algn="ctr">
+              <a:defRPr sz="2650" b="0" i="0" u="none" strike="noStrike" kern="0" cap="none" spc="0" baseline="0">
+                <a:solidFill>
+                  <a:srgbClr val="000000"/>
+                </a:solidFill>
+                <a:uFillTx/>
+              </a:defRPr>
+            </a:pPr>
+            <a:endParaRPr lang="en-US" sz="8000" dirty="0">
+              <a:solidFill>
+                <a:srgbClr val="000000"/>
+              </a:solidFill>
+              <a:latin typeface="Arial" pitchFamily="18"/>
+              <a:ea typeface="DejaVu Sans" pitchFamily="2"/>
+              <a:cs typeface="Lohit Hindi" pitchFamily="2"/>
+            </a:endParaRPr>
+          </a:p>
+          <a:p>
+            <a:pPr algn="ctr">
+              <a:defRPr sz="2650" b="0" i="0" u="none" strike="noStrike" kern="0" cap="none" spc="0" baseline="0">
+                <a:solidFill>
+                  <a:srgbClr val="000000"/>
+                </a:solidFill>
+                <a:uFillTx/>
+              </a:defRPr>
+            </a:pPr>
+            <a:endParaRPr lang="en-US" sz="8000" dirty="0">
+              <a:solidFill>
+                <a:srgbClr val="000000"/>
+              </a:solidFill>
+              <a:latin typeface="Arial" pitchFamily="18"/>
+              <a:ea typeface="DejaVu Sans" pitchFamily="2"/>
+              <a:cs typeface="Lohit Hindi" pitchFamily="2"/>
+            </a:endParaRPr>
+          </a:p>
+          <a:p>
+            <a:pPr algn="ctr">
+              <a:defRPr sz="2650" b="0" i="0" u="none" strike="noStrike" kern="0" cap="none" spc="0" baseline="0">
+                <a:solidFill>
+                  <a:srgbClr val="000000"/>
+                </a:solidFill>
+                <a:uFillTx/>
+              </a:defRPr>
+            </a:pPr>
+            <a:endParaRPr lang="en-US" sz="8000" dirty="0">
+              <a:solidFill>
+                <a:srgbClr val="000000"/>
+              </a:solidFill>
+              <a:latin typeface="Arial" pitchFamily="18"/>
+              <a:ea typeface="DejaVu Sans" pitchFamily="2"/>
+              <a:cs typeface="Lohit Hindi" pitchFamily="2"/>
+            </a:endParaRPr>
+          </a:p>
+        </p:txBody>
+      </p:sp>
+      <p:sp>
+        <p:nvSpPr>
+          <p:cNvPr id="11" name="Text Box 3"/>
+          <p:cNvSpPr/>
+          <p:nvPr/>
+        </p:nvSpPr>
+        <p:spPr>
+          <a:xfrm>
+            <a:off x="16628343" y="9123693"/>
+            <a:ext cx="2592288" cy="857515"/>
+          </a:xfrm>
+          <a:custGeom>
+            <a:avLst/>
+            <a:gdLst>
+              <a:gd name="f0" fmla="val w"/>
+              <a:gd name="f1" fmla="val h"/>
+              <a:gd name="f2" fmla="val 0"/>
+              <a:gd name="f3" fmla="val 21600"/>
+              <a:gd name="f4" fmla="*/ f0 1 21600"/>
+              <a:gd name="f5" fmla="*/ f1 1 21600"/>
+              <a:gd name="f6" fmla="val f2"/>
+              <a:gd name="f7" fmla="val f3"/>
+              <a:gd name="f8" fmla="+- f7 0 f6"/>
+              <a:gd name="f9" fmla="*/ f8 1 21600"/>
+              <a:gd name="f10" fmla="*/ f6 1 f9"/>
+              <a:gd name="f11" fmla="*/ f7 1 f9"/>
+              <a:gd name="f12" fmla="*/ f10 f4 1"/>
+              <a:gd name="f13" fmla="*/ f11 f4 1"/>
+              <a:gd name="f14" fmla="*/ f11 f5 1"/>
+              <a:gd name="f15" fmla="*/ f10 f5 1"/>
+            </a:gdLst>
+            <a:ahLst/>
+            <a:cxnLst>
+              <a:cxn ang="3cd4">
+                <a:pos x="hc" y="t"/>
+              </a:cxn>
+              <a:cxn ang="0">
+                <a:pos x="r" y="vc"/>
+              </a:cxn>
+              <a:cxn ang="cd4">
+                <a:pos x="hc" y="b"/>
+              </a:cxn>
+              <a:cxn ang="cd2">
+                <a:pos x="l" y="vc"/>
+              </a:cxn>
+            </a:cxnLst>
+            <a:rect l="f12" t="f15" r="f13" b="f14"/>
+            <a:pathLst>
+              <a:path w="21600" h="21600">
+                <a:moveTo>
+                  <a:pt x="f2" y="f2"/>
+                </a:moveTo>
+                <a:lnTo>
+                  <a:pt x="f3" y="f2"/>
+                </a:lnTo>
+                <a:lnTo>
+                  <a:pt x="f3" y="f3"/>
+                </a:lnTo>
+                <a:lnTo>
+                  <a:pt x="f2" y="f3"/>
+                </a:lnTo>
+                <a:lnTo>
+                  <a:pt x="f2" y="f2"/>
+                </a:lnTo>
+                <a:close/>
+              </a:path>
+            </a:pathLst>
+          </a:custGeom>
+          <a:solidFill>
+            <a:srgbClr val="00B0F0"/>
+          </a:solidFill>
+          <a:ln w="9363">
+            <a:solidFill>
+              <a:srgbClr val="000000"/>
+            </a:solidFill>
+            <a:prstDash val="solid"/>
+            <a:round/>
+          </a:ln>
+        </p:spPr>
+        <p:txBody>
+          <a:bodyPr vert="horz" wrap="square" lIns="257150" tIns="128561" rIns="257150" bIns="128561" anchor="t" anchorCtr="1" compatLnSpc="0"/>
+          <a:lstStyle/>
+          <a:p>
+            <a:pPr algn="ctr">
+              <a:defRPr sz="2650" b="0" i="0" u="none" strike="noStrike" kern="0" cap="none" spc="0" baseline="0">
+                <a:solidFill>
+                  <a:srgbClr val="000000"/>
+                </a:solidFill>
+                <a:uFillTx/>
+              </a:defRPr>
+            </a:pPr>
+            <a:r>
+              <a:rPr lang="en-US" sz="4600" dirty="0" smtClean="0">
+                <a:solidFill>
+                  <a:srgbClr val="000000"/>
+                </a:solidFill>
                 <a:latin typeface="Arial" pitchFamily="18"/>
                 <a:ea typeface="DejaVu Sans" pitchFamily="2"/>
                 <a:cs typeface="Lohit Hindi" pitchFamily="2"/>
               </a:rPr>
-              <a:t>Code</a:t>
-            </a:r>
-            <a:endParaRPr lang="en-US" sz="2000" b="0" i="0" u="none" strike="noStrike" kern="1200" cap="none" spc="0" baseline="0" dirty="0">
+              <a:t>PEPs</a:t>
+            </a:r>
+            <a:endParaRPr lang="en-US" sz="4600" dirty="0">
               <a:solidFill>
                 <a:srgbClr val="000000"/>
               </a:solidFill>
-              <a:uFillTx/>
               <a:latin typeface="Arial" pitchFamily="18"/>
               <a:ea typeface="DejaVu Sans" pitchFamily="2"/>
               <a:cs typeface="Lohit Hindi" pitchFamily="2"/>
             </a:endParaRPr>
           </a:p>
           <a:p>
-            <a:pPr marL="0" marR="0" lvl="0" indent="0" algn="ctr" defTabSz="914400" rtl="0" fontAlgn="auto" hangingPunct="1">
-              <a:lnSpc>
-                <a:spcPct val="100000"/>
-              </a:lnSpc>
-              <a:spcBef>
-                <a:spcPts val="0"/>
-              </a:spcBef>
-              <a:spcAft>
-                <a:spcPts val="0"/>
-              </a:spcAft>
-              <a:buNone/>
-              <a:tabLst/>
+            <a:pPr algn="ctr">
               <a:defRPr sz="2650" b="0" i="0" u="none" strike="noStrike" kern="0" cap="none" spc="0" baseline="0">
                 <a:solidFill>
                   <a:srgbClr val="000000"/>
@@ -4811,11 +7480,657 @@
                 <a:uFillTx/>
               </a:defRPr>
             </a:pPr>
-            <a:endParaRPr lang="en-US" sz="1050" b="0" i="0" u="none" strike="noStrike" kern="1200" cap="none" spc="0" baseline="0" dirty="0">
+            <a:endParaRPr lang="en-US" sz="4600" dirty="0">
               <a:solidFill>
                 <a:srgbClr val="000000"/>
               </a:solidFill>
-              <a:uFillTx/>
+              <a:latin typeface="Arial" pitchFamily="18"/>
+              <a:ea typeface="DejaVu Sans" pitchFamily="2"/>
+              <a:cs typeface="Lohit Hindi" pitchFamily="2"/>
+            </a:endParaRPr>
+          </a:p>
+          <a:p>
+            <a:pPr algn="ctr">
+              <a:defRPr sz="2650" b="0" i="0" u="none" strike="noStrike" kern="0" cap="none" spc="0" baseline="0">
+                <a:solidFill>
+                  <a:srgbClr val="000000"/>
+                </a:solidFill>
+                <a:uFillTx/>
+              </a:defRPr>
+            </a:pPr>
+            <a:endParaRPr lang="en-US" sz="4600" dirty="0">
+              <a:solidFill>
+                <a:srgbClr val="000000"/>
+              </a:solidFill>
+              <a:latin typeface="Arial" pitchFamily="18"/>
+              <a:ea typeface="DejaVu Sans" pitchFamily="2"/>
+              <a:cs typeface="Lohit Hindi" pitchFamily="2"/>
+            </a:endParaRPr>
+          </a:p>
+          <a:p>
+            <a:pPr algn="ctr">
+              <a:defRPr sz="2650" b="0" i="0" u="none" strike="noStrike" kern="0" cap="none" spc="0" baseline="0">
+                <a:solidFill>
+                  <a:srgbClr val="000000"/>
+                </a:solidFill>
+                <a:uFillTx/>
+              </a:defRPr>
+            </a:pPr>
+            <a:endParaRPr lang="en-US" sz="4600" dirty="0">
+              <a:solidFill>
+                <a:srgbClr val="000000"/>
+              </a:solidFill>
+              <a:latin typeface="Arial" pitchFamily="18"/>
+              <a:ea typeface="DejaVu Sans" pitchFamily="2"/>
+              <a:cs typeface="Lohit Hindi" pitchFamily="2"/>
+            </a:endParaRPr>
+          </a:p>
+          <a:p>
+            <a:pPr algn="ctr">
+              <a:defRPr sz="2650" b="0" i="0" u="none" strike="noStrike" kern="0" cap="none" spc="0" baseline="0">
+                <a:solidFill>
+                  <a:srgbClr val="000000"/>
+                </a:solidFill>
+                <a:uFillTx/>
+              </a:defRPr>
+            </a:pPr>
+            <a:endParaRPr lang="en-US" sz="4600" dirty="0">
+              <a:solidFill>
+                <a:srgbClr val="000000"/>
+              </a:solidFill>
+              <a:latin typeface="Arial" pitchFamily="18"/>
+              <a:ea typeface="DejaVu Sans" pitchFamily="2"/>
+              <a:cs typeface="Lohit Hindi" pitchFamily="2"/>
+            </a:endParaRPr>
+          </a:p>
+          <a:p>
+            <a:pPr algn="ctr">
+              <a:defRPr sz="2650" b="0" i="0" u="none" strike="noStrike" kern="0" cap="none" spc="0" baseline="0">
+                <a:solidFill>
+                  <a:srgbClr val="000000"/>
+                </a:solidFill>
+                <a:uFillTx/>
+              </a:defRPr>
+            </a:pPr>
+            <a:endParaRPr lang="en-US" sz="4600" dirty="0">
+              <a:solidFill>
+                <a:srgbClr val="000000"/>
+              </a:solidFill>
+              <a:latin typeface="Arial" pitchFamily="18"/>
+              <a:ea typeface="DejaVu Sans" pitchFamily="2"/>
+              <a:cs typeface="Lohit Hindi" pitchFamily="2"/>
+            </a:endParaRPr>
+          </a:p>
+        </p:txBody>
+      </p:sp>
+      <p:cxnSp>
+        <p:nvCxnSpPr>
+          <p:cNvPr id="12" name="직선 화살표 연결선 11"/>
+          <p:cNvCxnSpPr/>
+          <p:nvPr/>
+        </p:nvCxnSpPr>
+        <p:spPr>
+          <a:xfrm flipV="1">
+            <a:off x="17708463" y="14116248"/>
+            <a:ext cx="0" cy="960107"/>
+          </a:xfrm>
+          <a:prstGeom prst="straightConnector1">
+            <a:avLst/>
+          </a:prstGeom>
+          <a:ln w="28575">
+            <a:tailEnd type="arrow"/>
+          </a:ln>
+        </p:spPr>
+        <p:style>
+          <a:lnRef idx="2">
+            <a:schemeClr val="dk1"/>
+          </a:lnRef>
+          <a:fillRef idx="0">
+            <a:schemeClr val="dk1"/>
+          </a:fillRef>
+          <a:effectRef idx="1">
+            <a:schemeClr val="dk1"/>
+          </a:effectRef>
+          <a:fontRef idx="minor">
+            <a:schemeClr val="tx1"/>
+          </a:fontRef>
+        </p:style>
+      </p:cxnSp>
+      <p:cxnSp>
+        <p:nvCxnSpPr>
+          <p:cNvPr id="13" name="직선 화살표 연결선 12"/>
+          <p:cNvCxnSpPr/>
+          <p:nvPr/>
+        </p:nvCxnSpPr>
+        <p:spPr>
+          <a:xfrm>
+            <a:off x="18572559" y="14116248"/>
+            <a:ext cx="0" cy="1152128"/>
+          </a:xfrm>
+          <a:prstGeom prst="straightConnector1">
+            <a:avLst/>
+          </a:prstGeom>
+          <a:ln w="28575">
+            <a:tailEnd type="arrow"/>
+          </a:ln>
+        </p:spPr>
+        <p:style>
+          <a:lnRef idx="2">
+            <a:schemeClr val="dk1"/>
+          </a:lnRef>
+          <a:fillRef idx="0">
+            <a:schemeClr val="dk1"/>
+          </a:fillRef>
+          <a:effectRef idx="1">
+            <a:schemeClr val="dk1"/>
+          </a:effectRef>
+          <a:fontRef idx="minor">
+            <a:schemeClr val="tx1"/>
+          </a:fontRef>
+        </p:style>
+      </p:cxnSp>
+      <p:sp>
+        <p:nvSpPr>
+          <p:cNvPr id="14" name="AutoShape 9"/>
+          <p:cNvSpPr/>
+          <p:nvPr/>
+        </p:nvSpPr>
+        <p:spPr>
+          <a:xfrm>
+            <a:off x="16196295" y="15460397"/>
+            <a:ext cx="3672408" cy="2112235"/>
+          </a:xfrm>
+          <a:custGeom>
+            <a:avLst/>
+            <a:gdLst>
+              <a:gd name="f0" fmla="val 10800000"/>
+              <a:gd name="f1" fmla="val 5400000"/>
+              <a:gd name="f2" fmla="val 180"/>
+              <a:gd name="f3" fmla="val w"/>
+              <a:gd name="f4" fmla="val h"/>
+              <a:gd name="f5" fmla="val 0"/>
+              <a:gd name="f6" fmla="val 21600"/>
+              <a:gd name="f7" fmla="val 3600"/>
+              <a:gd name="f8" fmla="val 1500"/>
+              <a:gd name="f9" fmla="val 1800"/>
+              <a:gd name="f10" fmla="val 3000"/>
+              <a:gd name="f11" fmla="val 14409"/>
+              <a:gd name="f12" fmla="val 20100"/>
+              <a:gd name="f13" fmla="val 16209"/>
+              <a:gd name="f14" fmla="val 18600"/>
+              <a:gd name="f15" fmla="val 18009"/>
+              <a:gd name="f16" fmla="val 11610"/>
+              <a:gd name="f17" fmla="val 17893"/>
+              <a:gd name="f18" fmla="val 11472"/>
+              <a:gd name="f19" fmla="val 20839"/>
+              <a:gd name="f20" fmla="val 4833"/>
+              <a:gd name="f21" fmla="val 21528"/>
+              <a:gd name="f22" fmla="val 2450"/>
+              <a:gd name="f23" fmla="val 21113"/>
+              <a:gd name="f24" fmla="val 1591"/>
+              <a:gd name="f25" fmla="val 20781"/>
+              <a:gd name="f26" fmla="val 20300"/>
+              <a:gd name="f27" fmla="+- 0 0 0"/>
+              <a:gd name="f28" fmla="*/ f3 1 21600"/>
+              <a:gd name="f29" fmla="*/ f4 1 21600"/>
+              <a:gd name="f30" fmla="val f5"/>
+              <a:gd name="f31" fmla="val f6"/>
+              <a:gd name="f32" fmla="*/ f27 f0 1"/>
+              <a:gd name="f33" fmla="+- f31 0 f30"/>
+              <a:gd name="f34" fmla="*/ f32 1 f2"/>
+              <a:gd name="f35" fmla="*/ f33 1 21600"/>
+              <a:gd name="f36" fmla="+- f34 0 f1"/>
+              <a:gd name="f37" fmla="*/ 0 f35 1"/>
+              <a:gd name="f38" fmla="*/ 18600 f35 1"/>
+              <a:gd name="f39" fmla="*/ 18009 f35 1"/>
+              <a:gd name="f40" fmla="*/ 3600 f35 1"/>
+              <a:gd name="f41" fmla="*/ 10800 f35 1"/>
+              <a:gd name="f42" fmla="*/ 19890 f35 1"/>
+              <a:gd name="f43" fmla="*/ 21600 f35 1"/>
+              <a:gd name="f44" fmla="*/ f41 1 f35"/>
+              <a:gd name="f45" fmla="*/ f37 1 f35"/>
+              <a:gd name="f46" fmla="*/ f42 1 f35"/>
+              <a:gd name="f47" fmla="*/ f43 1 f35"/>
+              <a:gd name="f48" fmla="*/ f38 1 f35"/>
+              <a:gd name="f49" fmla="*/ f40 1 f35"/>
+              <a:gd name="f50" fmla="*/ f39 1 f35"/>
+              <a:gd name="f51" fmla="*/ f45 f28 1"/>
+              <a:gd name="f52" fmla="*/ f48 f28 1"/>
+              <a:gd name="f53" fmla="*/ f50 f29 1"/>
+              <a:gd name="f54" fmla="*/ f49 f29 1"/>
+              <a:gd name="f55" fmla="*/ f44 f28 1"/>
+              <a:gd name="f56" fmla="*/ f45 f29 1"/>
+              <a:gd name="f57" fmla="*/ f44 f29 1"/>
+              <a:gd name="f58" fmla="*/ f46 f29 1"/>
+              <a:gd name="f59" fmla="*/ f47 f28 1"/>
+            </a:gdLst>
+            <a:ahLst/>
+            <a:cxnLst>
+              <a:cxn ang="3cd4">
+                <a:pos x="hc" y="t"/>
+              </a:cxn>
+              <a:cxn ang="0">
+                <a:pos x="r" y="vc"/>
+              </a:cxn>
+              <a:cxn ang="cd4">
+                <a:pos x="hc" y="b"/>
+              </a:cxn>
+              <a:cxn ang="cd2">
+                <a:pos x="l" y="vc"/>
+              </a:cxn>
+              <a:cxn ang="f36">
+                <a:pos x="f55" y="f56"/>
+              </a:cxn>
+              <a:cxn ang="f36">
+                <a:pos x="f51" y="f57"/>
+              </a:cxn>
+              <a:cxn ang="f36">
+                <a:pos x="f55" y="f58"/>
+              </a:cxn>
+              <a:cxn ang="f36">
+                <a:pos x="f59" y="f57"/>
+              </a:cxn>
+            </a:cxnLst>
+            <a:rect l="f51" t="f54" r="f52" b="f53"/>
+            <a:pathLst>
+              <a:path w="21600" h="21600">
+                <a:moveTo>
+                  <a:pt x="f5" y="f7"/>
+                </a:moveTo>
+                <a:lnTo>
+                  <a:pt x="f8" y="f7"/>
+                </a:lnTo>
+                <a:lnTo>
+                  <a:pt x="f8" y="f9"/>
+                </a:lnTo>
+                <a:lnTo>
+                  <a:pt x="f10" y="f9"/>
+                </a:lnTo>
+                <a:lnTo>
+                  <a:pt x="f10" y="f5"/>
+                </a:lnTo>
+                <a:lnTo>
+                  <a:pt x="f6" y="f5"/>
+                </a:lnTo>
+                <a:lnTo>
+                  <a:pt x="f6" y="f11"/>
+                </a:lnTo>
+                <a:lnTo>
+                  <a:pt x="f12" y="f11"/>
+                </a:lnTo>
+                <a:lnTo>
+                  <a:pt x="f12" y="f13"/>
+                </a:lnTo>
+                <a:lnTo>
+                  <a:pt x="f14" y="f13"/>
+                </a:lnTo>
+                <a:lnTo>
+                  <a:pt x="f14" y="f15"/>
+                </a:lnTo>
+                <a:cubicBezTo>
+                  <a:pt x="f16" y="f17"/>
+                  <a:pt x="f18" y="f19"/>
+                  <a:pt x="f20" y="f21"/>
+                </a:cubicBezTo>
+                <a:cubicBezTo>
+                  <a:pt x="f22" y="f23"/>
+                  <a:pt x="f24" y="f25"/>
+                  <a:pt x="f5" y="f26"/>
+                </a:cubicBezTo>
+                <a:close/>
+              </a:path>
+              <a:path w="21600" h="21600" fill="none">
+                <a:moveTo>
+                  <a:pt x="f8" y="f7"/>
+                </a:moveTo>
+                <a:lnTo>
+                  <a:pt x="f14" y="f7"/>
+                </a:lnTo>
+                <a:lnTo>
+                  <a:pt x="f14" y="f13"/>
+                </a:lnTo>
+              </a:path>
+              <a:path w="21600" h="21600" fill="none">
+                <a:moveTo>
+                  <a:pt x="f10" y="f9"/>
+                </a:moveTo>
+                <a:lnTo>
+                  <a:pt x="f12" y="f9"/>
+                </a:lnTo>
+                <a:lnTo>
+                  <a:pt x="f12" y="f11"/>
+                </a:lnTo>
+              </a:path>
+            </a:pathLst>
+          </a:custGeom>
+          <a:solidFill>
+            <a:srgbClr val="99CCFF"/>
+          </a:solidFill>
+          <a:ln w="9363">
+            <a:solidFill>
+              <a:srgbClr val="000000"/>
+            </a:solidFill>
+            <a:prstDash val="solid"/>
+            <a:round/>
+          </a:ln>
+        </p:spPr>
+        <p:txBody>
+          <a:bodyPr vert="horz" wrap="none" lIns="257150" tIns="128561" rIns="257150" bIns="128561" anchor="ctr" anchorCtr="1" compatLnSpc="0"/>
+          <a:lstStyle/>
+          <a:p>
+            <a:pPr lvl="0" algn="ctr">
+              <a:defRPr sz="2650" b="0" i="0" u="none" strike="noStrike" kern="0" cap="none" spc="0" baseline="0">
+                <a:solidFill>
+                  <a:srgbClr val="000000"/>
+                </a:solidFill>
+                <a:uFillTx/>
+              </a:defRPr>
+            </a:pPr>
+            <a:r>
+              <a:rPr lang="en-US" sz="5700" dirty="0" smtClean="0">
+                <a:solidFill>
+                  <a:srgbClr val="000000"/>
+                </a:solidFill>
+                <a:latin typeface="Arial" pitchFamily="18"/>
+                <a:ea typeface="DejaVu Sans" pitchFamily="2"/>
+                <a:cs typeface="Lohit Hindi" pitchFamily="2"/>
+              </a:rPr>
+              <a:t>Policy </a:t>
+            </a:r>
+            <a:r>
+              <a:rPr lang="en-US" sz="5700" dirty="0">
+                <a:solidFill>
+                  <a:srgbClr val="000000"/>
+                </a:solidFill>
+                <a:latin typeface="Arial" pitchFamily="18"/>
+                <a:ea typeface="DejaVu Sans" pitchFamily="2"/>
+                <a:cs typeface="Lohit Hindi" pitchFamily="2"/>
+              </a:rPr>
+              <a:t>P</a:t>
+            </a:r>
+          </a:p>
+        </p:txBody>
+      </p:sp>
+      <p:sp>
+        <p:nvSpPr>
+          <p:cNvPr id="15" name="순서도: 처리 14"/>
+          <p:cNvSpPr/>
+          <p:nvPr/>
+        </p:nvSpPr>
+        <p:spPr>
+          <a:xfrm>
+            <a:off x="4314975" y="4515182"/>
+            <a:ext cx="7992888" cy="11137237"/>
+          </a:xfrm>
+          <a:prstGeom prst="flowChartProcess">
+            <a:avLst/>
+          </a:prstGeom>
+        </p:spPr>
+        <p:style>
+          <a:lnRef idx="1">
+            <a:schemeClr val="dk1"/>
+          </a:lnRef>
+          <a:fillRef idx="2">
+            <a:schemeClr val="dk1"/>
+          </a:fillRef>
+          <a:effectRef idx="1">
+            <a:schemeClr val="dk1"/>
+          </a:effectRef>
+          <a:fontRef idx="minor">
+            <a:schemeClr val="dk1"/>
+          </a:fontRef>
+        </p:style>
+        <p:txBody>
+          <a:bodyPr lIns="261253" tIns="130627" rIns="261253" bIns="130627" rtlCol="0" anchor="ctr"/>
+          <a:lstStyle/>
+          <a:p>
+            <a:pPr algn="ctr"/>
+            <a:endParaRPr lang="en-US" sz="4000" dirty="0"/>
+          </a:p>
+        </p:txBody>
+      </p:sp>
+      <p:sp>
+        <p:nvSpPr>
+          <p:cNvPr id="16" name="순서도: 처리 15"/>
+          <p:cNvSpPr/>
+          <p:nvPr/>
+        </p:nvSpPr>
+        <p:spPr>
+          <a:xfrm>
+            <a:off x="3882927" y="4899224"/>
+            <a:ext cx="7992888" cy="11137237"/>
+          </a:xfrm>
+          <a:prstGeom prst="flowChartProcess">
+            <a:avLst/>
+          </a:prstGeom>
+        </p:spPr>
+        <p:style>
+          <a:lnRef idx="1">
+            <a:schemeClr val="dk1"/>
+          </a:lnRef>
+          <a:fillRef idx="2">
+            <a:schemeClr val="dk1"/>
+          </a:fillRef>
+          <a:effectRef idx="1">
+            <a:schemeClr val="dk1"/>
+          </a:effectRef>
+          <a:fontRef idx="minor">
+            <a:schemeClr val="dk1"/>
+          </a:fontRef>
+        </p:style>
+        <p:txBody>
+          <a:bodyPr lIns="261253" tIns="130627" rIns="261253" bIns="130627" rtlCol="0" anchor="ctr"/>
+          <a:lstStyle/>
+          <a:p>
+            <a:pPr algn="ctr"/>
+            <a:endParaRPr lang="en-US" sz="4000" dirty="0"/>
+          </a:p>
+        </p:txBody>
+      </p:sp>
+      <p:sp>
+        <p:nvSpPr>
+          <p:cNvPr id="17" name="타원 16"/>
+          <p:cNvSpPr/>
+          <p:nvPr/>
+        </p:nvSpPr>
+        <p:spPr>
+          <a:xfrm>
+            <a:off x="4314975" y="7011459"/>
+            <a:ext cx="3240360" cy="1728192"/>
+          </a:xfrm>
+          <a:prstGeom prst="ellipse">
+            <a:avLst/>
+          </a:prstGeom>
+        </p:spPr>
+        <p:style>
+          <a:lnRef idx="2">
+            <a:schemeClr val="dk1"/>
+          </a:lnRef>
+          <a:fillRef idx="1">
+            <a:schemeClr val="lt1"/>
+          </a:fillRef>
+          <a:effectRef idx="0">
+            <a:schemeClr val="dk1"/>
+          </a:effectRef>
+          <a:fontRef idx="minor">
+            <a:schemeClr val="dk1"/>
+          </a:fontRef>
+        </p:style>
+        <p:txBody>
+          <a:bodyPr lIns="261253" tIns="130627" rIns="261253" bIns="130627" rtlCol="0" anchor="ctr"/>
+          <a:lstStyle/>
+          <a:p>
+            <a:pPr algn="ctr"/>
+            <a:r>
+              <a:rPr lang="en-US" sz="4000" dirty="0" smtClean="0"/>
+              <a:t>Subject</a:t>
+            </a:r>
+            <a:endParaRPr lang="en-US" sz="4000" dirty="0"/>
+          </a:p>
+        </p:txBody>
+      </p:sp>
+      <p:sp>
+        <p:nvSpPr>
+          <p:cNvPr id="18" name="타원 17"/>
+          <p:cNvSpPr/>
+          <p:nvPr/>
+        </p:nvSpPr>
+        <p:spPr>
+          <a:xfrm>
+            <a:off x="7987385" y="7011459"/>
+            <a:ext cx="3183783" cy="1728192"/>
+          </a:xfrm>
+          <a:prstGeom prst="ellipse">
+            <a:avLst/>
+          </a:prstGeom>
+        </p:spPr>
+        <p:style>
+          <a:lnRef idx="2">
+            <a:schemeClr val="dk1"/>
+          </a:lnRef>
+          <a:fillRef idx="1">
+            <a:schemeClr val="lt1"/>
+          </a:fillRef>
+          <a:effectRef idx="0">
+            <a:schemeClr val="dk1"/>
+          </a:effectRef>
+          <a:fontRef idx="minor">
+            <a:schemeClr val="dk1"/>
+          </a:fontRef>
+        </p:style>
+        <p:txBody>
+          <a:bodyPr lIns="261253" tIns="130627" rIns="261253" bIns="130627" rtlCol="0" anchor="ctr"/>
+          <a:lstStyle/>
+          <a:p>
+            <a:pPr algn="ctr"/>
+            <a:r>
+              <a:rPr lang="en-US" sz="4000" dirty="0" smtClean="0"/>
+              <a:t>Context</a:t>
+            </a:r>
+            <a:endParaRPr lang="en-US" sz="4000" dirty="0"/>
+          </a:p>
+        </p:txBody>
+      </p:sp>
+      <p:sp>
+        <p:nvSpPr>
+          <p:cNvPr id="19" name="Text Box 7"/>
+          <p:cNvSpPr/>
+          <p:nvPr/>
+        </p:nvSpPr>
+        <p:spPr>
+          <a:xfrm>
+            <a:off x="4963047" y="5091246"/>
+            <a:ext cx="5899512" cy="768085"/>
+          </a:xfrm>
+          <a:custGeom>
+            <a:avLst/>
+            <a:gdLst>
+              <a:gd name="f0" fmla="val w"/>
+              <a:gd name="f1" fmla="val h"/>
+              <a:gd name="f2" fmla="val 0"/>
+              <a:gd name="f3" fmla="val 21600"/>
+              <a:gd name="f4" fmla="*/ f0 1 21600"/>
+              <a:gd name="f5" fmla="*/ f1 1 21600"/>
+              <a:gd name="f6" fmla="val f2"/>
+              <a:gd name="f7" fmla="val f3"/>
+              <a:gd name="f8" fmla="+- f7 0 f6"/>
+              <a:gd name="f9" fmla="*/ f8 1 21600"/>
+              <a:gd name="f10" fmla="*/ f6 1 f9"/>
+              <a:gd name="f11" fmla="*/ f7 1 f9"/>
+              <a:gd name="f12" fmla="*/ f10 f4 1"/>
+              <a:gd name="f13" fmla="*/ f11 f4 1"/>
+              <a:gd name="f14" fmla="*/ f11 f5 1"/>
+              <a:gd name="f15" fmla="*/ f10 f5 1"/>
+            </a:gdLst>
+            <a:ahLst/>
+            <a:cxnLst>
+              <a:cxn ang="3cd4">
+                <a:pos x="hc" y="t"/>
+              </a:cxn>
+              <a:cxn ang="0">
+                <a:pos x="r" y="vc"/>
+              </a:cxn>
+              <a:cxn ang="cd4">
+                <a:pos x="hc" y="b"/>
+              </a:cxn>
+              <a:cxn ang="cd2">
+                <a:pos x="l" y="vc"/>
+              </a:cxn>
+            </a:cxnLst>
+            <a:rect l="f12" t="f15" r="f13" b="f14"/>
+            <a:pathLst>
+              <a:path w="21600" h="21600">
+                <a:moveTo>
+                  <a:pt x="f2" y="f2"/>
+                </a:moveTo>
+                <a:lnTo>
+                  <a:pt x="f3" y="f2"/>
+                </a:lnTo>
+                <a:lnTo>
+                  <a:pt x="f3" y="f3"/>
+                </a:lnTo>
+                <a:lnTo>
+                  <a:pt x="f2" y="f3"/>
+                </a:lnTo>
+                <a:lnTo>
+                  <a:pt x="f2" y="f2"/>
+                </a:lnTo>
+                <a:close/>
+              </a:path>
+            </a:pathLst>
+          </a:custGeom>
+          <a:noFill/>
+          <a:ln w="9363">
+            <a:noFill/>
+            <a:prstDash val="solid"/>
+            <a:round/>
+          </a:ln>
+        </p:spPr>
+        <p:txBody>
+          <a:bodyPr vert="horz" wrap="square" lIns="257150" tIns="128561" rIns="257150" bIns="128561" anchor="t" anchorCtr="1" compatLnSpc="0"/>
+          <a:lstStyle/>
+          <a:p>
+            <a:pPr algn="ctr">
+              <a:defRPr sz="2650" b="0" i="0" u="none" strike="noStrike" kern="0" cap="none" spc="0" baseline="0">
+                <a:solidFill>
+                  <a:srgbClr val="000000"/>
+                </a:solidFill>
+                <a:uFillTx/>
+              </a:defRPr>
+            </a:pPr>
+            <a:r>
+              <a:rPr lang="en-US" sz="5700" dirty="0" smtClean="0">
+                <a:solidFill>
+                  <a:srgbClr val="000000"/>
+                </a:solidFill>
+                <a:latin typeface="Arial" pitchFamily="18"/>
+                <a:ea typeface="DejaVu Sans" pitchFamily="2"/>
+                <a:cs typeface="Lohit Hindi" pitchFamily="2"/>
+              </a:rPr>
+              <a:t>Test Case Code</a:t>
+            </a:r>
+            <a:endParaRPr lang="en-US" sz="5700" dirty="0">
+              <a:solidFill>
+                <a:srgbClr val="000000"/>
+              </a:solidFill>
+              <a:latin typeface="Arial" pitchFamily="18"/>
+              <a:ea typeface="DejaVu Sans" pitchFamily="2"/>
+              <a:cs typeface="Lohit Hindi" pitchFamily="2"/>
+            </a:endParaRPr>
+          </a:p>
+          <a:p>
+            <a:pPr algn="ctr">
+              <a:defRPr sz="2650" b="0" i="0" u="none" strike="noStrike" kern="0" cap="none" spc="0" baseline="0">
+                <a:solidFill>
+                  <a:srgbClr val="000000"/>
+                </a:solidFill>
+                <a:uFillTx/>
+              </a:defRPr>
+            </a:pPr>
+            <a:endParaRPr lang="en-US" sz="3000" dirty="0">
+              <a:solidFill>
+                <a:srgbClr val="000000"/>
+              </a:solidFill>
               <a:latin typeface="Arial" pitchFamily="18"/>
               <a:ea typeface="DejaVu Sans" pitchFamily="2"/>
               <a:cs typeface="Lohit Hindi" pitchFamily="2"/>
@@ -4831,8 +8146,8 @@
         </p:nvCxnSpPr>
         <p:spPr>
           <a:xfrm>
-            <a:off x="2590453" y="4213473"/>
-            <a:ext cx="0" cy="144016"/>
+            <a:off x="7771359" y="11235928"/>
+            <a:ext cx="0" cy="384043"/>
           </a:xfrm>
           <a:prstGeom prst="straightConnector1">
             <a:avLst/>
@@ -4864,8 +8179,8 @@
         </p:nvCxnSpPr>
         <p:spPr>
           <a:xfrm flipH="1">
-            <a:off x="2806477" y="3349377"/>
-            <a:ext cx="144016" cy="216024"/>
+            <a:off x="8419431" y="8931672"/>
+            <a:ext cx="432048" cy="576064"/>
           </a:xfrm>
           <a:prstGeom prst="straightConnector1">
             <a:avLst/>
@@ -4897,8 +8212,8 @@
         </p:nvCxnSpPr>
         <p:spPr>
           <a:xfrm>
-            <a:off x="2158405" y="3349377"/>
-            <a:ext cx="152400" cy="224408"/>
+            <a:off x="6475215" y="8931672"/>
+            <a:ext cx="457200" cy="598421"/>
           </a:xfrm>
           <a:prstGeom prst="straightConnector1">
             <a:avLst/>
@@ -4930,8 +8245,8 @@
         </p:nvSpPr>
         <p:spPr>
           <a:xfrm>
-            <a:off x="2302421" y="3565401"/>
-            <a:ext cx="576064" cy="576064"/>
+            <a:off x="6907263" y="9507736"/>
+            <a:ext cx="1728192" cy="1536171"/>
           </a:xfrm>
           <a:prstGeom prst="ellipse">
             <a:avLst/>
@@ -4952,15 +8267,15 @@
           </a:fontRef>
         </p:style>
         <p:txBody>
-          <a:bodyPr rtlCol="0" anchor="ctr"/>
+          <a:bodyPr lIns="261253" tIns="130627" rIns="261253" bIns="130627" rtlCol="0" anchor="ctr"/>
           <a:lstStyle/>
           <a:p>
             <a:pPr algn="ctr"/>
             <a:r>
-              <a:rPr lang="en-US" sz="1600" dirty="0" smtClean="0"/>
+              <a:rPr lang="en-US" sz="4600" dirty="0" smtClean="0"/>
               <a:t>1</a:t>
             </a:r>
-            <a:endParaRPr lang="en-US" sz="1600" dirty="0"/>
+            <a:endParaRPr lang="en-US" sz="4600" dirty="0"/>
           </a:p>
         </p:txBody>
       </p:sp>
@@ -4972,8 +8287,8 @@
         </p:nvSpPr>
         <p:spPr>
           <a:xfrm>
-            <a:off x="2302421" y="4357489"/>
-            <a:ext cx="576064" cy="576064"/>
+            <a:off x="6907263" y="11619971"/>
+            <a:ext cx="1728192" cy="1536171"/>
           </a:xfrm>
           <a:prstGeom prst="ellipse">
             <a:avLst/>
@@ -4994,15 +8309,15 @@
           </a:fontRef>
         </p:style>
         <p:txBody>
-          <a:bodyPr rtlCol="0" anchor="ctr"/>
+          <a:bodyPr lIns="261253" tIns="130627" rIns="261253" bIns="130627" rtlCol="0" anchor="ctr"/>
           <a:lstStyle/>
           <a:p>
             <a:pPr algn="ctr"/>
             <a:r>
-              <a:rPr lang="en-US" sz="1600" dirty="0" smtClean="0"/>
+              <a:rPr lang="en-US" sz="4600" dirty="0" smtClean="0"/>
               <a:t>2</a:t>
             </a:r>
-            <a:endParaRPr lang="en-US" sz="1600" dirty="0"/>
+            <a:endParaRPr lang="en-US" sz="4600" dirty="0"/>
           </a:p>
         </p:txBody>
       </p:sp>
@@ -5014,8 +8329,8 @@
         </p:nvSpPr>
         <p:spPr>
           <a:xfrm>
-            <a:off x="2302421" y="5077569"/>
-            <a:ext cx="576064" cy="576064"/>
+            <a:off x="6907263" y="13540184"/>
+            <a:ext cx="1728192" cy="1536171"/>
           </a:xfrm>
           <a:prstGeom prst="ellipse">
             <a:avLst/>
@@ -5036,15 +8351,15 @@
           </a:fontRef>
         </p:style>
         <p:txBody>
-          <a:bodyPr rtlCol="0" anchor="ctr"/>
+          <a:bodyPr lIns="261253" tIns="130627" rIns="261253" bIns="130627" rtlCol="0" anchor="ctr"/>
           <a:lstStyle/>
           <a:p>
             <a:pPr algn="ctr"/>
             <a:r>
-              <a:rPr lang="en-US" sz="1600" dirty="0" smtClean="0"/>
+              <a:rPr lang="en-US" sz="4600" dirty="0" smtClean="0"/>
               <a:t>3</a:t>
             </a:r>
-            <a:endParaRPr lang="en-US" sz="1600" dirty="0"/>
+            <a:endParaRPr lang="en-US" sz="4600" dirty="0"/>
           </a:p>
         </p:txBody>
       </p:sp>
@@ -5056,8 +8371,8 @@
         </p:nvCxnSpPr>
         <p:spPr>
           <a:xfrm>
-            <a:off x="2590453" y="4933553"/>
-            <a:ext cx="0" cy="144016"/>
+            <a:off x="7771359" y="13156141"/>
+            <a:ext cx="0" cy="384043"/>
           </a:xfrm>
           <a:prstGeom prst="straightConnector1">
             <a:avLst/>
@@ -5089,8 +8404,8 @@
         </p:nvCxnSpPr>
         <p:spPr>
           <a:xfrm>
-            <a:off x="2590453" y="5653633"/>
-            <a:ext cx="0" cy="144016"/>
+            <a:off x="7771359" y="15076355"/>
+            <a:ext cx="0" cy="384043"/>
           </a:xfrm>
           <a:prstGeom prst="straightConnector1">
             <a:avLst/>
@@ -5122,8 +8437,8 @@
         </p:nvGrpSpPr>
         <p:grpSpPr>
           <a:xfrm rot="5400000">
-            <a:off x="3922601" y="2881325"/>
-            <a:ext cx="216024" cy="1872208"/>
+            <a:off x="11803807" y="7371499"/>
+            <a:ext cx="576064" cy="5616624"/>
             <a:chOff x="2230413" y="5381861"/>
             <a:chExt cx="864096" cy="919844"/>
           </a:xfrm>
@@ -5430,7 +8745,7 @@
 </p:sld>
 </file>
 
-<file path=ppt/slides/slide3.xml><?xml version="1.0" encoding="utf-8"?>
+<file path=ppt/slides/slide4.xml><?xml version="1.0" encoding="utf-8"?>
 <p:sld xmlns:a="http://schemas.openxmlformats.org/drawingml/2006/main" xmlns:r="http://schemas.openxmlformats.org/officeDocument/2006/relationships" xmlns:p="http://schemas.openxmlformats.org/presentationml/2006/main">
   <p:cSld>
     <p:spTree>
@@ -5455,8 +8770,8 @@
         </p:nvSpPr>
         <p:spPr>
           <a:xfrm>
-            <a:off x="2014389" y="1549177"/>
-            <a:ext cx="5544616" cy="3960440"/>
+            <a:off x="6043167" y="4131139"/>
+            <a:ext cx="16633848" cy="10561173"/>
           </a:xfrm>
           <a:prstGeom prst="ellipse">
             <a:avLst/>
@@ -5477,7 +8792,7 @@
           </a:fontRef>
         </p:style>
         <p:txBody>
-          <a:bodyPr rtlCol="0" anchor="ctr"/>
+          <a:bodyPr lIns="261253" tIns="130627" rIns="261253" bIns="130627" rtlCol="0" anchor="ctr"/>
           <a:lstStyle/>
           <a:p>
             <a:pPr algn="ctr"/>
@@ -5493,8 +8808,8 @@
         </p:nvSpPr>
         <p:spPr>
           <a:xfrm>
-            <a:off x="2598837" y="2692921"/>
-            <a:ext cx="2151856" cy="2096616"/>
+            <a:off x="7796511" y="7181123"/>
+            <a:ext cx="6455568" cy="5590976"/>
           </a:xfrm>
           <a:prstGeom prst="ellipse">
             <a:avLst/>
@@ -5521,22 +8836,22 @@
           </a:fontRef>
         </p:style>
         <p:txBody>
-          <a:bodyPr rtlCol="0" anchor="ctr"/>
+          <a:bodyPr lIns="261253" tIns="130627" rIns="261253" bIns="130627" rtlCol="0" anchor="ctr"/>
           <a:lstStyle/>
           <a:p>
             <a:pPr algn="ctr"/>
             <a:r>
-              <a:rPr lang="en-US" sz="2400" dirty="0" smtClean="0"/>
+              <a:rPr lang="en-US" sz="6900" dirty="0" smtClean="0"/>
               <a:t>Security</a:t>
             </a:r>
           </a:p>
           <a:p>
             <a:pPr algn="ctr"/>
             <a:r>
-              <a:rPr lang="en-US" sz="2400" dirty="0" smtClean="0"/>
+              <a:rPr lang="en-US" sz="6900" dirty="0" smtClean="0"/>
               <a:t>Test Cases</a:t>
             </a:r>
-            <a:endParaRPr lang="en-US" sz="2400" dirty="0"/>
+            <a:endParaRPr lang="en-US" sz="6900" dirty="0"/>
           </a:p>
         </p:txBody>
       </p:sp>
@@ -5548,8 +8863,8 @@
         </p:nvSpPr>
         <p:spPr>
           <a:xfrm>
-            <a:off x="4894709" y="2692921"/>
-            <a:ext cx="2151856" cy="2096616"/>
+            <a:off x="14684127" y="7181123"/>
+            <a:ext cx="6455568" cy="5590976"/>
           </a:xfrm>
           <a:prstGeom prst="ellipse">
             <a:avLst/>
@@ -5576,22 +8891,22 @@
           </a:fontRef>
         </p:style>
         <p:txBody>
-          <a:bodyPr rtlCol="0" anchor="ctr"/>
+          <a:bodyPr lIns="261253" tIns="130627" rIns="261253" bIns="130627" rtlCol="0" anchor="ctr"/>
           <a:lstStyle/>
           <a:p>
             <a:pPr algn="ctr"/>
             <a:r>
-              <a:rPr lang="en-US" sz="2400" dirty="0" smtClean="0"/>
+              <a:rPr lang="en-US" sz="6900" dirty="0" smtClean="0"/>
               <a:t>Functional</a:t>
             </a:r>
           </a:p>
           <a:p>
             <a:pPr algn="ctr"/>
             <a:r>
-              <a:rPr lang="en-US" sz="2400" dirty="0" smtClean="0"/>
+              <a:rPr lang="en-US" sz="6900" dirty="0" smtClean="0"/>
               <a:t>Test Cases</a:t>
             </a:r>
-            <a:endParaRPr lang="en-US" sz="2400" dirty="0"/>
+            <a:endParaRPr lang="en-US" sz="6900" dirty="0"/>
           </a:p>
         </p:txBody>
       </p:sp>
@@ -5603,8 +8918,8 @@
         </p:nvSpPr>
         <p:spPr>
           <a:xfrm>
-            <a:off x="3022501" y="2053233"/>
-            <a:ext cx="3456384" cy="457200"/>
+            <a:off x="9067503" y="5475288"/>
+            <a:ext cx="10369152" cy="1219200"/>
           </a:xfrm>
           <a:custGeom>
             <a:avLst/>
@@ -5673,21 +8988,10 @@
           </a:ln>
         </p:spPr>
         <p:txBody>
-          <a:bodyPr vert="horz" wrap="square" lIns="90004" tIns="44997" rIns="90004" bIns="44997" anchor="t" anchorCtr="1" compatLnSpc="0"/>
+          <a:bodyPr vert="horz" wrap="square" lIns="257150" tIns="128561" rIns="257150" bIns="128561" anchor="t" anchorCtr="1" compatLnSpc="0"/>
           <a:lstStyle/>
           <a:p>
-            <a:pPr marL="0" marR="0" lvl="0" indent="0" algn="ctr" defTabSz="914400" rtl="0" fontAlgn="auto" hangingPunct="1">
-              <a:lnSpc>
-                <a:spcPct val="100000"/>
-              </a:lnSpc>
-              <a:spcBef>
-                <a:spcPts val="0"/>
-              </a:spcBef>
-              <a:spcAft>
-                <a:spcPts val="0"/>
-              </a:spcAft>
-              <a:buNone/>
-              <a:tabLst/>
+            <a:pPr algn="ctr">
               <a:defRPr sz="2650" b="0" i="0" u="none" strike="noStrike" kern="0" cap="none" spc="0" baseline="0">
                 <a:solidFill>
                   <a:srgbClr val="000000"/>
@@ -5696,40 +9000,27 @@
               </a:defRPr>
             </a:pPr>
             <a:r>
-              <a:rPr lang="en-US" sz="2800" b="0" i="0" u="none" strike="noStrike" kern="1200" cap="none" spc="0" baseline="0" dirty="0" smtClean="0">
-                <a:solidFill>
-                  <a:srgbClr val="000000"/>
-                </a:solidFill>
-                <a:uFillTx/>
+              <a:rPr lang="en-US" sz="8000" dirty="0" smtClean="0">
+                <a:solidFill>
+                  <a:srgbClr val="000000"/>
+                </a:solidFill>
                 <a:latin typeface="Arial" pitchFamily="18"/>
                 <a:ea typeface="DejaVu Sans" pitchFamily="2"/>
                 <a:cs typeface="Lohit Hindi" pitchFamily="2"/>
               </a:rPr>
               <a:t>System Test Cases</a:t>
             </a:r>
-            <a:endParaRPr lang="en-US" sz="2800" b="0" i="0" u="none" strike="noStrike" kern="1200" cap="none" spc="0" baseline="0" dirty="0">
+            <a:endParaRPr lang="en-US" sz="8000" dirty="0">
               <a:solidFill>
                 <a:srgbClr val="000000"/>
               </a:solidFill>
-              <a:uFillTx/>
               <a:latin typeface="Arial" pitchFamily="18"/>
               <a:ea typeface="DejaVu Sans" pitchFamily="2"/>
               <a:cs typeface="Lohit Hindi" pitchFamily="2"/>
             </a:endParaRPr>
           </a:p>
           <a:p>
-            <a:pPr marL="0" marR="0" lvl="0" indent="0" algn="ctr" defTabSz="914400" rtl="0" fontAlgn="auto" hangingPunct="1">
-              <a:lnSpc>
-                <a:spcPct val="100000"/>
-              </a:lnSpc>
-              <a:spcBef>
-                <a:spcPts val="0"/>
-              </a:spcBef>
-              <a:spcAft>
-                <a:spcPts val="0"/>
-              </a:spcAft>
-              <a:buNone/>
-              <a:tabLst/>
+            <a:pPr algn="ctr">
               <a:defRPr sz="2650" b="0" i="0" u="none" strike="noStrike" kern="0" cap="none" spc="0" baseline="0">
                 <a:solidFill>
                   <a:srgbClr val="000000"/>
@@ -5737,29 +9028,17 @@
                 <a:uFillTx/>
               </a:defRPr>
             </a:pPr>
-            <a:endParaRPr lang="en-US" sz="2800" b="0" i="0" u="none" strike="noStrike" kern="1200" cap="none" spc="0" baseline="0" dirty="0">
+            <a:endParaRPr lang="en-US" sz="8000" dirty="0">
               <a:solidFill>
                 <a:srgbClr val="000000"/>
               </a:solidFill>
-              <a:uFillTx/>
               <a:latin typeface="Arial" pitchFamily="18"/>
               <a:ea typeface="DejaVu Sans" pitchFamily="2"/>
               <a:cs typeface="Lohit Hindi" pitchFamily="2"/>
             </a:endParaRPr>
           </a:p>
           <a:p>
-            <a:pPr marL="0" marR="0" lvl="0" indent="0" algn="ctr" defTabSz="914400" rtl="0" fontAlgn="auto" hangingPunct="1">
-              <a:lnSpc>
-                <a:spcPct val="100000"/>
-              </a:lnSpc>
-              <a:spcBef>
-                <a:spcPts val="0"/>
-              </a:spcBef>
-              <a:spcAft>
-                <a:spcPts val="0"/>
-              </a:spcAft>
-              <a:buNone/>
-              <a:tabLst/>
+            <a:pPr algn="ctr">
               <a:defRPr sz="2650" b="0" i="0" u="none" strike="noStrike" kern="0" cap="none" spc="0" baseline="0">
                 <a:solidFill>
                   <a:srgbClr val="000000"/>
@@ -5767,29 +9046,17 @@
                 <a:uFillTx/>
               </a:defRPr>
             </a:pPr>
-            <a:endParaRPr lang="en-US" sz="2800" b="0" i="0" u="none" strike="noStrike" kern="1200" cap="none" spc="0" baseline="0" dirty="0">
+            <a:endParaRPr lang="en-US" sz="8000" dirty="0">
               <a:solidFill>
                 <a:srgbClr val="000000"/>
               </a:solidFill>
-              <a:uFillTx/>
               <a:latin typeface="Arial" pitchFamily="18"/>
               <a:ea typeface="DejaVu Sans" pitchFamily="2"/>
               <a:cs typeface="Lohit Hindi" pitchFamily="2"/>
             </a:endParaRPr>
           </a:p>
           <a:p>
-            <a:pPr marL="0" marR="0" lvl="0" indent="0" algn="ctr" defTabSz="914400" rtl="0" fontAlgn="auto" hangingPunct="1">
-              <a:lnSpc>
-                <a:spcPct val="100000"/>
-              </a:lnSpc>
-              <a:spcBef>
-                <a:spcPts val="0"/>
-              </a:spcBef>
-              <a:spcAft>
-                <a:spcPts val="0"/>
-              </a:spcAft>
-              <a:buNone/>
-              <a:tabLst/>
+            <a:pPr algn="ctr">
               <a:defRPr sz="2650" b="0" i="0" u="none" strike="noStrike" kern="0" cap="none" spc="0" baseline="0">
                 <a:solidFill>
                   <a:srgbClr val="000000"/>
@@ -5797,29 +9064,17 @@
                 <a:uFillTx/>
               </a:defRPr>
             </a:pPr>
-            <a:endParaRPr lang="en-US" sz="2800" b="0" i="0" u="none" strike="noStrike" kern="1200" cap="none" spc="0" baseline="0" dirty="0">
+            <a:endParaRPr lang="en-US" sz="8000" dirty="0">
               <a:solidFill>
                 <a:srgbClr val="000000"/>
               </a:solidFill>
-              <a:uFillTx/>
               <a:latin typeface="Arial" pitchFamily="18"/>
               <a:ea typeface="DejaVu Sans" pitchFamily="2"/>
               <a:cs typeface="Lohit Hindi" pitchFamily="2"/>
             </a:endParaRPr>
           </a:p>
           <a:p>
-            <a:pPr marL="0" marR="0" lvl="0" indent="0" algn="ctr" defTabSz="914400" rtl="0" fontAlgn="auto" hangingPunct="1">
-              <a:lnSpc>
-                <a:spcPct val="100000"/>
-              </a:lnSpc>
-              <a:spcBef>
-                <a:spcPts val="0"/>
-              </a:spcBef>
-              <a:spcAft>
-                <a:spcPts val="0"/>
-              </a:spcAft>
-              <a:buNone/>
-              <a:tabLst/>
+            <a:pPr algn="ctr">
               <a:defRPr sz="2650" b="0" i="0" u="none" strike="noStrike" kern="0" cap="none" spc="0" baseline="0">
                 <a:solidFill>
                   <a:srgbClr val="000000"/>
@@ -5827,29 +9082,17 @@
                 <a:uFillTx/>
               </a:defRPr>
             </a:pPr>
-            <a:endParaRPr lang="en-US" sz="2800" b="0" i="0" u="none" strike="noStrike" kern="1200" cap="none" spc="0" baseline="0" dirty="0">
+            <a:endParaRPr lang="en-US" sz="8000" dirty="0">
               <a:solidFill>
                 <a:srgbClr val="000000"/>
               </a:solidFill>
-              <a:uFillTx/>
               <a:latin typeface="Arial" pitchFamily="18"/>
               <a:ea typeface="DejaVu Sans" pitchFamily="2"/>
               <a:cs typeface="Lohit Hindi" pitchFamily="2"/>
             </a:endParaRPr>
           </a:p>
           <a:p>
-            <a:pPr marL="0" marR="0" lvl="0" indent="0" algn="ctr" defTabSz="914400" rtl="0" fontAlgn="auto" hangingPunct="1">
-              <a:lnSpc>
-                <a:spcPct val="100000"/>
-              </a:lnSpc>
-              <a:spcBef>
-                <a:spcPts val="0"/>
-              </a:spcBef>
-              <a:spcAft>
-                <a:spcPts val="0"/>
-              </a:spcAft>
-              <a:buNone/>
-              <a:tabLst/>
+            <a:pPr algn="ctr">
               <a:defRPr sz="2650" b="0" i="0" u="none" strike="noStrike" kern="0" cap="none" spc="0" baseline="0">
                 <a:solidFill>
                   <a:srgbClr val="000000"/>
@@ -5857,11 +9100,10 @@
                 <a:uFillTx/>
               </a:defRPr>
             </a:pPr>
-            <a:endParaRPr lang="en-US" sz="2800" b="0" i="0" u="none" strike="noStrike" kern="1200" cap="none" spc="0" baseline="0" dirty="0">
+            <a:endParaRPr lang="en-US" sz="8000" dirty="0">
               <a:solidFill>
                 <a:srgbClr val="000000"/>
               </a:solidFill>
-              <a:uFillTx/>
               <a:latin typeface="Arial" pitchFamily="18"/>
               <a:ea typeface="DejaVu Sans" pitchFamily="2"/>
               <a:cs typeface="Lohit Hindi" pitchFamily="2"/>
@@ -5877,7 +9119,7 @@
 </p:sld>
 </file>
 
-<file path=ppt/slides/slide4.xml><?xml version="1.0" encoding="utf-8"?>
+<file path=ppt/slides/slide5.xml><?xml version="1.0" encoding="utf-8"?>
 <p:sld xmlns:a="http://schemas.openxmlformats.org/drawingml/2006/main" xmlns:r="http://schemas.openxmlformats.org/officeDocument/2006/relationships" xmlns:p="http://schemas.openxmlformats.org/presentationml/2006/main">
   <p:cSld>
     <p:spTree>
@@ -5902,8 +9144,8 @@
         </p:nvSpPr>
         <p:spPr>
           <a:xfrm>
-            <a:off x="-574766" y="187606"/>
-            <a:ext cx="9575999" cy="1259997"/>
+            <a:off x="-1724297" y="500284"/>
+            <a:ext cx="28727997" cy="3359992"/>
           </a:xfrm>
           <a:custGeom>
             <a:avLst/>
@@ -5969,21 +9211,10 @@
           </a:ln>
         </p:spPr>
         <p:txBody>
-          <a:bodyPr vert="horz" wrap="square" lIns="90004" tIns="46798" rIns="90004" bIns="46798" anchor="ctr" anchorCtr="0" compatLnSpc="0"/>
+          <a:bodyPr vert="horz" wrap="square" lIns="257150" tIns="133707" rIns="257150" bIns="133707" anchor="ctr" anchorCtr="0" compatLnSpc="0"/>
           <a:lstStyle/>
           <a:p>
-            <a:pPr marL="0" marR="0" lvl="0" indent="0" algn="l" defTabSz="914400" rtl="0" fontAlgn="auto" hangingPunct="0">
-              <a:lnSpc>
-                <a:spcPct val="100000"/>
-              </a:lnSpc>
-              <a:spcBef>
-                <a:spcPts val="0"/>
-              </a:spcBef>
-              <a:spcAft>
-                <a:spcPts val="0"/>
-              </a:spcAft>
-              <a:buNone/>
-              <a:tabLst/>
+            <a:pPr hangingPunct="0">
               <a:defRPr sz="1800" b="0" i="0" u="none" strike="noStrike" kern="0" cap="none" spc="0" baseline="0">
                 <a:solidFill>
                   <a:srgbClr val="000000"/>
@@ -5991,11 +9222,10 @@
                 <a:uFillTx/>
               </a:defRPr>
             </a:pPr>
-            <a:endParaRPr lang="en-US" sz="1800" b="0" i="0" u="none" strike="noStrike" kern="1200" cap="none" spc="0" baseline="0">
+            <a:endParaRPr lang="en-US" dirty="0">
               <a:solidFill>
                 <a:srgbClr val="000000"/>
               </a:solidFill>
-              <a:uFillTx/>
               <a:latin typeface="Arial" pitchFamily="18"/>
               <a:ea typeface="DejaVu Sans" pitchFamily="2"/>
               <a:cs typeface="Lohit Hindi" pitchFamily="2"/>
@@ -6011,8 +9241,8 @@
         </p:nvSpPr>
         <p:spPr>
           <a:xfrm>
-            <a:off x="539552" y="404664"/>
-            <a:ext cx="1763996" cy="457200"/>
+            <a:off x="1618656" y="1079104"/>
+            <a:ext cx="5291988" cy="1219200"/>
           </a:xfrm>
           <a:custGeom>
             <a:avLst/>
@@ -6083,21 +9313,10 @@
           </a:ln>
         </p:spPr>
         <p:txBody>
-          <a:bodyPr vert="horz" wrap="square" lIns="90004" tIns="44997" rIns="90004" bIns="44997" anchor="t" anchorCtr="1" compatLnSpc="0"/>
+          <a:bodyPr vert="horz" wrap="square" lIns="257150" tIns="128561" rIns="257150" bIns="128561" anchor="t" anchorCtr="1" compatLnSpc="0"/>
           <a:lstStyle/>
           <a:p>
-            <a:pPr marL="0" marR="0" lvl="0" indent="0" algn="ctr" defTabSz="914400" rtl="0" fontAlgn="auto" hangingPunct="1">
-              <a:lnSpc>
-                <a:spcPct val="100000"/>
-              </a:lnSpc>
-              <a:spcBef>
-                <a:spcPts val="0"/>
-              </a:spcBef>
-              <a:spcAft>
-                <a:spcPts val="0"/>
-              </a:spcAft>
-              <a:buNone/>
-              <a:tabLst/>
+            <a:pPr algn="ctr">
               <a:defRPr sz="2650" b="0" i="0" u="none" strike="noStrike" kern="0" cap="none" spc="0" baseline="0">
                 <a:solidFill>
                   <a:srgbClr val="000000"/>
@@ -6106,11 +9325,10 @@
               </a:defRPr>
             </a:pPr>
             <a:r>
-              <a:rPr lang="en-US" sz="2800" b="0" i="0" u="none" strike="noStrike" kern="1200" cap="none" spc="0" baseline="0" dirty="0">
-                <a:solidFill>
-                  <a:srgbClr val="000000"/>
-                </a:solidFill>
-                <a:uFillTx/>
+              <a:rPr lang="en-US" sz="8000" dirty="0">
+                <a:solidFill>
+                  <a:srgbClr val="000000"/>
+                </a:solidFill>
                 <a:latin typeface="Arial" pitchFamily="18"/>
                 <a:ea typeface="DejaVu Sans" pitchFamily="2"/>
                 <a:cs typeface="Lohit Hindi" pitchFamily="2"/>
@@ -6119,18 +9337,7 @@
             </a:r>
           </a:p>
           <a:p>
-            <a:pPr marL="0" marR="0" lvl="0" indent="0" algn="ctr" defTabSz="914400" rtl="0" fontAlgn="auto" hangingPunct="1">
-              <a:lnSpc>
-                <a:spcPct val="100000"/>
-              </a:lnSpc>
-              <a:spcBef>
-                <a:spcPts val="0"/>
-              </a:spcBef>
-              <a:spcAft>
-                <a:spcPts val="0"/>
-              </a:spcAft>
-              <a:buNone/>
-              <a:tabLst/>
+            <a:pPr algn="ctr">
               <a:defRPr sz="2650" b="0" i="0" u="none" strike="noStrike" kern="0" cap="none" spc="0" baseline="0">
                 <a:solidFill>
                   <a:srgbClr val="000000"/>
@@ -6138,29 +9345,17 @@
                 <a:uFillTx/>
               </a:defRPr>
             </a:pPr>
-            <a:endParaRPr lang="en-US" sz="2800" b="0" i="0" u="none" strike="noStrike" kern="1200" cap="none" spc="0" baseline="0" dirty="0">
+            <a:endParaRPr lang="en-US" sz="8000" dirty="0">
               <a:solidFill>
                 <a:srgbClr val="000000"/>
               </a:solidFill>
-              <a:uFillTx/>
               <a:latin typeface="Arial" pitchFamily="18"/>
               <a:ea typeface="DejaVu Sans" pitchFamily="2"/>
               <a:cs typeface="Lohit Hindi" pitchFamily="2"/>
             </a:endParaRPr>
           </a:p>
           <a:p>
-            <a:pPr marL="0" marR="0" lvl="0" indent="0" algn="ctr" defTabSz="914400" rtl="0" fontAlgn="auto" hangingPunct="1">
-              <a:lnSpc>
-                <a:spcPct val="100000"/>
-              </a:lnSpc>
-              <a:spcBef>
-                <a:spcPts val="0"/>
-              </a:spcBef>
-              <a:spcAft>
-                <a:spcPts val="0"/>
-              </a:spcAft>
-              <a:buNone/>
-              <a:tabLst/>
+            <a:pPr algn="ctr">
               <a:defRPr sz="2650" b="0" i="0" u="none" strike="noStrike" kern="0" cap="none" spc="0" baseline="0">
                 <a:solidFill>
                   <a:srgbClr val="000000"/>
@@ -6168,29 +9363,17 @@
                 <a:uFillTx/>
               </a:defRPr>
             </a:pPr>
-            <a:endParaRPr lang="en-US" sz="2800" b="0" i="0" u="none" strike="noStrike" kern="1200" cap="none" spc="0" baseline="0" dirty="0">
+            <a:endParaRPr lang="en-US" sz="8000" dirty="0">
               <a:solidFill>
                 <a:srgbClr val="000000"/>
               </a:solidFill>
-              <a:uFillTx/>
               <a:latin typeface="Arial" pitchFamily="18"/>
               <a:ea typeface="DejaVu Sans" pitchFamily="2"/>
               <a:cs typeface="Lohit Hindi" pitchFamily="2"/>
             </a:endParaRPr>
           </a:p>
           <a:p>
-            <a:pPr marL="0" marR="0" lvl="0" indent="0" algn="ctr" defTabSz="914400" rtl="0" fontAlgn="auto" hangingPunct="1">
-              <a:lnSpc>
-                <a:spcPct val="100000"/>
-              </a:lnSpc>
-              <a:spcBef>
-                <a:spcPts val="0"/>
-              </a:spcBef>
-              <a:spcAft>
-                <a:spcPts val="0"/>
-              </a:spcAft>
-              <a:buNone/>
-              <a:tabLst/>
+            <a:pPr algn="ctr">
               <a:defRPr sz="2650" b="0" i="0" u="none" strike="noStrike" kern="0" cap="none" spc="0" baseline="0">
                 <a:solidFill>
                   <a:srgbClr val="000000"/>
@@ -6198,29 +9381,17 @@
                 <a:uFillTx/>
               </a:defRPr>
             </a:pPr>
-            <a:endParaRPr lang="en-US" sz="2800" b="0" i="0" u="none" strike="noStrike" kern="1200" cap="none" spc="0" baseline="0" dirty="0">
+            <a:endParaRPr lang="en-US" sz="8000" dirty="0">
               <a:solidFill>
                 <a:srgbClr val="000000"/>
               </a:solidFill>
-              <a:uFillTx/>
               <a:latin typeface="Arial" pitchFamily="18"/>
               <a:ea typeface="DejaVu Sans" pitchFamily="2"/>
               <a:cs typeface="Lohit Hindi" pitchFamily="2"/>
             </a:endParaRPr>
           </a:p>
           <a:p>
-            <a:pPr marL="0" marR="0" lvl="0" indent="0" algn="ctr" defTabSz="914400" rtl="0" fontAlgn="auto" hangingPunct="1">
-              <a:lnSpc>
-                <a:spcPct val="100000"/>
-              </a:lnSpc>
-              <a:spcBef>
-                <a:spcPts val="0"/>
-              </a:spcBef>
-              <a:spcAft>
-                <a:spcPts val="0"/>
-              </a:spcAft>
-              <a:buNone/>
-              <a:tabLst/>
+            <a:pPr algn="ctr">
               <a:defRPr sz="2650" b="0" i="0" u="none" strike="noStrike" kern="0" cap="none" spc="0" baseline="0">
                 <a:solidFill>
                   <a:srgbClr val="000000"/>
@@ -6228,29 +9399,17 @@
                 <a:uFillTx/>
               </a:defRPr>
             </a:pPr>
-            <a:endParaRPr lang="en-US" sz="2800" b="0" i="0" u="none" strike="noStrike" kern="1200" cap="none" spc="0" baseline="0" dirty="0">
+            <a:endParaRPr lang="en-US" sz="8000" dirty="0">
               <a:solidFill>
                 <a:srgbClr val="000000"/>
               </a:solidFill>
-              <a:uFillTx/>
               <a:latin typeface="Arial" pitchFamily="18"/>
               <a:ea typeface="DejaVu Sans" pitchFamily="2"/>
               <a:cs typeface="Lohit Hindi" pitchFamily="2"/>
             </a:endParaRPr>
           </a:p>
           <a:p>
-            <a:pPr marL="0" marR="0" lvl="0" indent="0" algn="ctr" defTabSz="914400" rtl="0" fontAlgn="auto" hangingPunct="1">
-              <a:lnSpc>
-                <a:spcPct val="100000"/>
-              </a:lnSpc>
-              <a:spcBef>
-                <a:spcPts val="0"/>
-              </a:spcBef>
-              <a:spcAft>
-                <a:spcPts val="0"/>
-              </a:spcAft>
-              <a:buNone/>
-              <a:tabLst/>
+            <a:pPr algn="ctr">
               <a:defRPr sz="2650" b="0" i="0" u="none" strike="noStrike" kern="0" cap="none" spc="0" baseline="0">
                 <a:solidFill>
                   <a:srgbClr val="000000"/>
@@ -6258,11 +9417,10 @@
                 <a:uFillTx/>
               </a:defRPr>
             </a:pPr>
-            <a:endParaRPr lang="en-US" sz="2800" b="0" i="0" u="none" strike="noStrike" kern="1200" cap="none" spc="0" baseline="0" dirty="0">
+            <a:endParaRPr lang="en-US" sz="8000" dirty="0">
               <a:solidFill>
                 <a:srgbClr val="000000"/>
               </a:solidFill>
-              <a:uFillTx/>
               <a:latin typeface="Arial" pitchFamily="18"/>
               <a:ea typeface="DejaVu Sans" pitchFamily="2"/>
               <a:cs typeface="Lohit Hindi" pitchFamily="2"/>
@@ -6278,8 +9436,8 @@
         </p:nvSpPr>
         <p:spPr>
           <a:xfrm>
-            <a:off x="971600" y="1844824"/>
-            <a:ext cx="6264696" cy="576064"/>
+            <a:off x="2914800" y="4919531"/>
+            <a:ext cx="18794088" cy="1536171"/>
           </a:xfrm>
           <a:custGeom>
             <a:avLst/>
@@ -6350,21 +9508,10 @@
           </a:ln>
         </p:spPr>
         <p:txBody>
-          <a:bodyPr vert="horz" wrap="square" lIns="90004" tIns="44997" rIns="90004" bIns="44997" anchor="t" anchorCtr="1" compatLnSpc="0"/>
+          <a:bodyPr vert="horz" wrap="square" lIns="257150" tIns="128561" rIns="257150" bIns="128561" anchor="t" anchorCtr="1" compatLnSpc="0"/>
           <a:lstStyle/>
           <a:p>
-            <a:pPr marL="0" marR="0" lvl="0" indent="0" algn="ctr" defTabSz="914400" rtl="0" fontAlgn="auto" hangingPunct="1">
-              <a:lnSpc>
-                <a:spcPct val="100000"/>
-              </a:lnSpc>
-              <a:spcBef>
-                <a:spcPts val="0"/>
-              </a:spcBef>
-              <a:spcAft>
-                <a:spcPts val="0"/>
-              </a:spcAft>
-              <a:buNone/>
-              <a:tabLst/>
+            <a:pPr algn="ctr">
               <a:defRPr sz="2650" b="0" i="0" u="none" strike="noStrike" kern="0" cap="none" spc="0" baseline="0">
                 <a:solidFill>
                   <a:srgbClr val="000000"/>
@@ -6373,11 +9520,10 @@
               </a:defRPr>
             </a:pPr>
             <a:r>
-              <a:rPr lang="en-US" sz="2800" b="0" i="0" u="none" strike="noStrike" kern="1200" cap="none" spc="0" baseline="0" dirty="0">
-                <a:solidFill>
-                  <a:srgbClr val="000000"/>
-                </a:solidFill>
-                <a:uFillTx/>
+              <a:rPr lang="en-US" sz="8000" dirty="0">
+                <a:solidFill>
+                  <a:srgbClr val="000000"/>
+                </a:solidFill>
                 <a:latin typeface="Arial" pitchFamily="18"/>
                 <a:ea typeface="DejaVu Sans" pitchFamily="2"/>
                 <a:cs typeface="Lohit Hindi" pitchFamily="2"/>
@@ -6385,40 +9531,27 @@
               <a:t>Policy-based Software </a:t>
             </a:r>
             <a:r>
-              <a:rPr lang="en-US" sz="2800" b="0" i="0" u="none" strike="noStrike" kern="1200" cap="none" spc="0" baseline="0" dirty="0" smtClean="0">
-                <a:solidFill>
-                  <a:srgbClr val="000000"/>
-                </a:solidFill>
-                <a:uFillTx/>
+              <a:rPr lang="en-US" sz="8000" dirty="0" smtClean="0">
+                <a:solidFill>
+                  <a:srgbClr val="000000"/>
+                </a:solidFill>
                 <a:latin typeface="Arial" pitchFamily="18"/>
                 <a:ea typeface="DejaVu Sans" pitchFamily="2"/>
                 <a:cs typeface="Lohit Hindi" pitchFamily="2"/>
               </a:rPr>
               <a:t>Application</a:t>
             </a:r>
-            <a:endParaRPr lang="en-US" sz="2800" b="0" i="0" u="none" strike="noStrike" kern="1200" cap="none" spc="0" baseline="0" dirty="0">
+            <a:endParaRPr lang="en-US" sz="8000" dirty="0">
               <a:solidFill>
                 <a:srgbClr val="000000"/>
               </a:solidFill>
-              <a:uFillTx/>
               <a:latin typeface="Arial" pitchFamily="18"/>
               <a:ea typeface="DejaVu Sans" pitchFamily="2"/>
               <a:cs typeface="Lohit Hindi" pitchFamily="2"/>
             </a:endParaRPr>
           </a:p>
           <a:p>
-            <a:pPr marL="0" marR="0" lvl="0" indent="0" algn="ctr" defTabSz="914400" rtl="0" fontAlgn="auto" hangingPunct="1">
-              <a:lnSpc>
-                <a:spcPct val="100000"/>
-              </a:lnSpc>
-              <a:spcBef>
-                <a:spcPts val="0"/>
-              </a:spcBef>
-              <a:spcAft>
-                <a:spcPts val="0"/>
-              </a:spcAft>
-              <a:buNone/>
-              <a:tabLst/>
+            <a:pPr algn="ctr">
               <a:defRPr sz="2650" b="0" i="0" u="none" strike="noStrike" kern="0" cap="none" spc="0" baseline="0">
                 <a:solidFill>
                   <a:srgbClr val="000000"/>
@@ -6426,11 +9559,10 @@
                 <a:uFillTx/>
               </a:defRPr>
             </a:pPr>
-            <a:endParaRPr lang="en-US" sz="2800" b="0" i="0" u="none" strike="noStrike" kern="1200" cap="none" spc="0" baseline="0" dirty="0">
+            <a:endParaRPr lang="en-US" sz="8000" dirty="0">
               <a:solidFill>
                 <a:srgbClr val="000000"/>
               </a:solidFill>
-              <a:uFillTx/>
               <a:latin typeface="Arial" pitchFamily="18"/>
               <a:ea typeface="DejaVu Sans" pitchFamily="2"/>
               <a:cs typeface="Lohit Hindi" pitchFamily="2"/>
@@ -6446,8 +9578,8 @@
         </p:nvSpPr>
         <p:spPr>
           <a:xfrm>
-            <a:off x="971600" y="3140968"/>
-            <a:ext cx="1584176" cy="1584176"/>
+            <a:off x="2914800" y="8375915"/>
+            <a:ext cx="4752528" cy="4224469"/>
           </a:xfrm>
           <a:custGeom>
             <a:avLst/>
@@ -6624,21 +9756,10 @@
           </a:ln>
         </p:spPr>
         <p:txBody>
-          <a:bodyPr vert="horz" wrap="none" lIns="90004" tIns="44997" rIns="90004" bIns="44997" anchor="ctr" anchorCtr="1" compatLnSpc="0"/>
+          <a:bodyPr vert="horz" wrap="none" lIns="257150" tIns="128561" rIns="257150" bIns="128561" anchor="ctr" anchorCtr="1" compatLnSpc="0"/>
           <a:lstStyle/>
           <a:p>
-            <a:pPr marL="0" marR="0" lvl="0" indent="0" algn="ctr" defTabSz="914400" rtl="0" fontAlgn="auto" hangingPunct="1">
-              <a:lnSpc>
-                <a:spcPct val="100000"/>
-              </a:lnSpc>
-              <a:spcBef>
-                <a:spcPts val="0"/>
-              </a:spcBef>
-              <a:spcAft>
-                <a:spcPts val="0"/>
-              </a:spcAft>
-              <a:buNone/>
-              <a:tabLst/>
+            <a:pPr algn="ctr">
               <a:defRPr sz="2650" b="0" i="0" u="none" strike="noStrike" kern="0" cap="none" spc="0" baseline="0">
                 <a:solidFill>
                   <a:srgbClr val="000000"/>
@@ -6646,29 +9767,17 @@
                 <a:uFillTx/>
               </a:defRPr>
             </a:pPr>
-            <a:endParaRPr lang="en-US" sz="2800" b="0" i="0" u="none" strike="noStrike" kern="1200" cap="none" spc="0" baseline="0" dirty="0">
+            <a:endParaRPr lang="en-US" sz="8000" dirty="0">
               <a:solidFill>
                 <a:srgbClr val="000000"/>
               </a:solidFill>
-              <a:uFillTx/>
               <a:latin typeface="Arial" pitchFamily="18"/>
               <a:ea typeface="DejaVu Sans" pitchFamily="2"/>
               <a:cs typeface="Lohit Hindi" pitchFamily="2"/>
             </a:endParaRPr>
           </a:p>
           <a:p>
-            <a:pPr marL="0" marR="0" lvl="0" indent="0" algn="ctr" defTabSz="914400" rtl="0" fontAlgn="auto" hangingPunct="1">
-              <a:lnSpc>
-                <a:spcPct val="100000"/>
-              </a:lnSpc>
-              <a:spcBef>
-                <a:spcPts val="0"/>
-              </a:spcBef>
-              <a:spcAft>
-                <a:spcPts val="0"/>
-              </a:spcAft>
-              <a:buNone/>
-              <a:tabLst/>
+            <a:pPr algn="ctr">
               <a:defRPr sz="2650" b="0" i="0" u="none" strike="noStrike" kern="0" cap="none" spc="0" baseline="0">
                 <a:solidFill>
                   <a:srgbClr val="000000"/>
@@ -6676,29 +9785,17 @@
                 <a:uFillTx/>
               </a:defRPr>
             </a:pPr>
-            <a:endParaRPr lang="en-US" sz="2800" b="0" i="0" u="none" strike="noStrike" kern="1200" cap="none" spc="0" baseline="0" dirty="0">
+            <a:endParaRPr lang="en-US" sz="8000" dirty="0">
               <a:solidFill>
                 <a:srgbClr val="000000"/>
               </a:solidFill>
-              <a:uFillTx/>
               <a:latin typeface="Arial" pitchFamily="18"/>
               <a:ea typeface="DejaVu Sans" pitchFamily="2"/>
               <a:cs typeface="Lohit Hindi" pitchFamily="2"/>
             </a:endParaRPr>
           </a:p>
           <a:p>
-            <a:pPr marL="0" marR="0" lvl="0" indent="0" algn="ctr" defTabSz="914400" rtl="0" fontAlgn="auto" hangingPunct="1">
-              <a:lnSpc>
-                <a:spcPct val="100000"/>
-              </a:lnSpc>
-              <a:spcBef>
-                <a:spcPts val="0"/>
-              </a:spcBef>
-              <a:spcAft>
-                <a:spcPts val="0"/>
-              </a:spcAft>
-              <a:buNone/>
-              <a:tabLst/>
+            <a:pPr algn="ctr">
               <a:defRPr sz="2650" b="0" i="0" u="none" strike="noStrike" kern="0" cap="none" spc="0" baseline="0">
                 <a:solidFill>
                   <a:srgbClr val="000000"/>
@@ -6706,29 +9803,17 @@
                 <a:uFillTx/>
               </a:defRPr>
             </a:pPr>
-            <a:endParaRPr lang="en-US" sz="2800" b="0" i="0" u="none" strike="noStrike" kern="1200" cap="none" spc="0" baseline="0" dirty="0">
+            <a:endParaRPr lang="en-US" sz="8000" dirty="0">
               <a:solidFill>
                 <a:srgbClr val="000000"/>
               </a:solidFill>
-              <a:uFillTx/>
               <a:latin typeface="Arial" pitchFamily="18"/>
               <a:ea typeface="DejaVu Sans" pitchFamily="2"/>
               <a:cs typeface="Lohit Hindi" pitchFamily="2"/>
             </a:endParaRPr>
           </a:p>
           <a:p>
-            <a:pPr marL="0" marR="0" lvl="0" indent="0" algn="ctr" defTabSz="914400" rtl="0" fontAlgn="auto" hangingPunct="1">
-              <a:lnSpc>
-                <a:spcPct val="100000"/>
-              </a:lnSpc>
-              <a:spcBef>
-                <a:spcPts val="0"/>
-              </a:spcBef>
-              <a:spcAft>
-                <a:spcPts val="0"/>
-              </a:spcAft>
-              <a:buNone/>
-              <a:tabLst/>
+            <a:pPr algn="ctr">
               <a:defRPr sz="2650" b="0" i="0" u="none" strike="noStrike" kern="0" cap="none" spc="0" baseline="0">
                 <a:solidFill>
                   <a:srgbClr val="000000"/>
@@ -6737,11 +9822,10 @@
               </a:defRPr>
             </a:pPr>
             <a:r>
-              <a:rPr lang="en-US" sz="2800" b="0" i="0" u="none" strike="noStrike" kern="1200" cap="none" spc="0" baseline="0" dirty="0">
-                <a:solidFill>
-                  <a:srgbClr val="000000"/>
-                </a:solidFill>
-                <a:uFillTx/>
+              <a:rPr lang="en-US" sz="8000" dirty="0">
+                <a:solidFill>
+                  <a:srgbClr val="000000"/>
+                </a:solidFill>
                 <a:latin typeface="Arial" pitchFamily="18"/>
                 <a:ea typeface="DejaVu Sans" pitchFamily="2"/>
                 <a:cs typeface="Lohit Hindi" pitchFamily="2"/>
@@ -6759,8 +9843,8 @@
         </p:nvSpPr>
         <p:spPr>
           <a:xfrm>
-            <a:off x="5796136" y="404664"/>
-            <a:ext cx="1763996" cy="457200"/>
+            <a:off x="17388408" y="1079104"/>
+            <a:ext cx="5291988" cy="1219200"/>
           </a:xfrm>
           <a:custGeom>
             <a:avLst/>
@@ -6831,21 +9915,10 @@
           </a:ln>
         </p:spPr>
         <p:txBody>
-          <a:bodyPr vert="horz" wrap="square" lIns="90004" tIns="44997" rIns="90004" bIns="44997" anchor="t" anchorCtr="1" compatLnSpc="0"/>
+          <a:bodyPr vert="horz" wrap="square" lIns="257150" tIns="128561" rIns="257150" bIns="128561" anchor="t" anchorCtr="1" compatLnSpc="0"/>
           <a:lstStyle/>
           <a:p>
-            <a:pPr marL="0" marR="0" lvl="0" indent="0" algn="ctr" defTabSz="914400" rtl="0" fontAlgn="auto" hangingPunct="1">
-              <a:lnSpc>
-                <a:spcPct val="100000"/>
-              </a:lnSpc>
-              <a:spcBef>
-                <a:spcPts val="0"/>
-              </a:spcBef>
-              <a:spcAft>
-                <a:spcPts val="0"/>
-              </a:spcAft>
-              <a:buNone/>
-              <a:tabLst/>
+            <a:pPr algn="ctr">
               <a:defRPr sz="2650" b="0" i="0" u="none" strike="noStrike" kern="0" cap="none" spc="0" baseline="0">
                 <a:solidFill>
                   <a:srgbClr val="000000"/>
@@ -6854,11 +9927,10 @@
               </a:defRPr>
             </a:pPr>
             <a:r>
-              <a:rPr lang="en-US" sz="2800" b="0" i="0" u="none" strike="noStrike" kern="1200" cap="none" spc="0" baseline="0" dirty="0">
-                <a:solidFill>
-                  <a:srgbClr val="000000"/>
-                </a:solidFill>
-                <a:uFillTx/>
+              <a:rPr lang="en-US" sz="8000" dirty="0">
+                <a:solidFill>
+                  <a:srgbClr val="000000"/>
+                </a:solidFill>
                 <a:latin typeface="Arial" pitchFamily="18"/>
                 <a:ea typeface="DejaVu Sans" pitchFamily="2"/>
                 <a:cs typeface="Lohit Hindi" pitchFamily="2"/>
@@ -6867,18 +9939,7 @@
             </a:r>
           </a:p>
           <a:p>
-            <a:pPr marL="0" marR="0" lvl="0" indent="0" algn="ctr" defTabSz="914400" rtl="0" fontAlgn="auto" hangingPunct="1">
-              <a:lnSpc>
-                <a:spcPct val="100000"/>
-              </a:lnSpc>
-              <a:spcBef>
-                <a:spcPts val="0"/>
-              </a:spcBef>
-              <a:spcAft>
-                <a:spcPts val="0"/>
-              </a:spcAft>
-              <a:buNone/>
-              <a:tabLst/>
+            <a:pPr algn="ctr">
               <a:defRPr sz="2650" b="0" i="0" u="none" strike="noStrike" kern="0" cap="none" spc="0" baseline="0">
                 <a:solidFill>
                   <a:srgbClr val="000000"/>
@@ -6886,29 +9947,17 @@
                 <a:uFillTx/>
               </a:defRPr>
             </a:pPr>
-            <a:endParaRPr lang="en-US" sz="2800" b="0" i="0" u="none" strike="noStrike" kern="1200" cap="none" spc="0" baseline="0" dirty="0">
+            <a:endParaRPr lang="en-US" sz="8000" dirty="0">
               <a:solidFill>
                 <a:srgbClr val="000000"/>
               </a:solidFill>
-              <a:uFillTx/>
               <a:latin typeface="Arial" pitchFamily="18"/>
               <a:ea typeface="DejaVu Sans" pitchFamily="2"/>
               <a:cs typeface="Lohit Hindi" pitchFamily="2"/>
             </a:endParaRPr>
           </a:p>
           <a:p>
-            <a:pPr marL="0" marR="0" lvl="0" indent="0" algn="ctr" defTabSz="914400" rtl="0" fontAlgn="auto" hangingPunct="1">
-              <a:lnSpc>
-                <a:spcPct val="100000"/>
-              </a:lnSpc>
-              <a:spcBef>
-                <a:spcPts val="0"/>
-              </a:spcBef>
-              <a:spcAft>
-                <a:spcPts val="0"/>
-              </a:spcAft>
-              <a:buNone/>
-              <a:tabLst/>
+            <a:pPr algn="ctr">
               <a:defRPr sz="2650" b="0" i="0" u="none" strike="noStrike" kern="0" cap="none" spc="0" baseline="0">
                 <a:solidFill>
                   <a:srgbClr val="000000"/>
@@ -6916,29 +9965,17 @@
                 <a:uFillTx/>
               </a:defRPr>
             </a:pPr>
-            <a:endParaRPr lang="en-US" sz="2800" b="0" i="0" u="none" strike="noStrike" kern="1200" cap="none" spc="0" baseline="0" dirty="0">
+            <a:endParaRPr lang="en-US" sz="8000" dirty="0">
               <a:solidFill>
                 <a:srgbClr val="000000"/>
               </a:solidFill>
-              <a:uFillTx/>
               <a:latin typeface="Arial" pitchFamily="18"/>
               <a:ea typeface="DejaVu Sans" pitchFamily="2"/>
               <a:cs typeface="Lohit Hindi" pitchFamily="2"/>
             </a:endParaRPr>
           </a:p>
           <a:p>
-            <a:pPr marL="0" marR="0" lvl="0" indent="0" algn="ctr" defTabSz="914400" rtl="0" fontAlgn="auto" hangingPunct="1">
-              <a:lnSpc>
-                <a:spcPct val="100000"/>
-              </a:lnSpc>
-              <a:spcBef>
-                <a:spcPts val="0"/>
-              </a:spcBef>
-              <a:spcAft>
-                <a:spcPts val="0"/>
-              </a:spcAft>
-              <a:buNone/>
-              <a:tabLst/>
+            <a:pPr algn="ctr">
               <a:defRPr sz="2650" b="0" i="0" u="none" strike="noStrike" kern="0" cap="none" spc="0" baseline="0">
                 <a:solidFill>
                   <a:srgbClr val="000000"/>
@@ -6946,29 +9983,17 @@
                 <a:uFillTx/>
               </a:defRPr>
             </a:pPr>
-            <a:endParaRPr lang="en-US" sz="2800" b="0" i="0" u="none" strike="noStrike" kern="1200" cap="none" spc="0" baseline="0" dirty="0">
+            <a:endParaRPr lang="en-US" sz="8000" dirty="0">
               <a:solidFill>
                 <a:srgbClr val="000000"/>
               </a:solidFill>
-              <a:uFillTx/>
               <a:latin typeface="Arial" pitchFamily="18"/>
               <a:ea typeface="DejaVu Sans" pitchFamily="2"/>
               <a:cs typeface="Lohit Hindi" pitchFamily="2"/>
             </a:endParaRPr>
           </a:p>
           <a:p>
-            <a:pPr marL="0" marR="0" lvl="0" indent="0" algn="ctr" defTabSz="914400" rtl="0" fontAlgn="auto" hangingPunct="1">
-              <a:lnSpc>
-                <a:spcPct val="100000"/>
-              </a:lnSpc>
-              <a:spcBef>
-                <a:spcPts val="0"/>
-              </a:spcBef>
-              <a:spcAft>
-                <a:spcPts val="0"/>
-              </a:spcAft>
-              <a:buNone/>
-              <a:tabLst/>
+            <a:pPr algn="ctr">
               <a:defRPr sz="2650" b="0" i="0" u="none" strike="noStrike" kern="0" cap="none" spc="0" baseline="0">
                 <a:solidFill>
                   <a:srgbClr val="000000"/>
@@ -6976,29 +10001,17 @@
                 <a:uFillTx/>
               </a:defRPr>
             </a:pPr>
-            <a:endParaRPr lang="en-US" sz="2800" b="0" i="0" u="none" strike="noStrike" kern="1200" cap="none" spc="0" baseline="0" dirty="0">
+            <a:endParaRPr lang="en-US" sz="8000" dirty="0">
               <a:solidFill>
                 <a:srgbClr val="000000"/>
               </a:solidFill>
-              <a:uFillTx/>
               <a:latin typeface="Arial" pitchFamily="18"/>
               <a:ea typeface="DejaVu Sans" pitchFamily="2"/>
               <a:cs typeface="Lohit Hindi" pitchFamily="2"/>
             </a:endParaRPr>
           </a:p>
           <a:p>
-            <a:pPr marL="0" marR="0" lvl="0" indent="0" algn="ctr" defTabSz="914400" rtl="0" fontAlgn="auto" hangingPunct="1">
-              <a:lnSpc>
-                <a:spcPct val="100000"/>
-              </a:lnSpc>
-              <a:spcBef>
-                <a:spcPts val="0"/>
-              </a:spcBef>
-              <a:spcAft>
-                <a:spcPts val="0"/>
-              </a:spcAft>
-              <a:buNone/>
-              <a:tabLst/>
+            <a:pPr algn="ctr">
               <a:defRPr sz="2650" b="0" i="0" u="none" strike="noStrike" kern="0" cap="none" spc="0" baseline="0">
                 <a:solidFill>
                   <a:srgbClr val="000000"/>
@@ -7006,11 +10019,10 @@
                 <a:uFillTx/>
               </a:defRPr>
             </a:pPr>
-            <a:endParaRPr lang="en-US" sz="2800" b="0" i="0" u="none" strike="noStrike" kern="1200" cap="none" spc="0" baseline="0" dirty="0">
+            <a:endParaRPr lang="en-US" sz="8000" dirty="0">
               <a:solidFill>
                 <a:srgbClr val="000000"/>
               </a:solidFill>
-              <a:uFillTx/>
               <a:latin typeface="Arial" pitchFamily="18"/>
               <a:ea typeface="DejaVu Sans" pitchFamily="2"/>
               <a:cs typeface="Lohit Hindi" pitchFamily="2"/>
@@ -7026,8 +10038,8 @@
         </p:nvSpPr>
         <p:spPr>
           <a:xfrm>
-            <a:off x="2843808" y="836712"/>
-            <a:ext cx="2664296" cy="356330"/>
+            <a:off x="8531424" y="2231232"/>
+            <a:ext cx="7992888" cy="525090"/>
           </a:xfrm>
           <a:prstGeom prst="rect">
             <a:avLst/>
@@ -7038,23 +10050,12 @@
           </a:ln>
         </p:spPr>
         <p:txBody>
-          <a:bodyPr vert="horz" wrap="square" lIns="90004" tIns="44997" rIns="90004" bIns="44997" anchor="t" anchorCtr="0" compatLnSpc="0">
+          <a:bodyPr vert="horz" wrap="square" lIns="257150" tIns="128561" rIns="257150" bIns="128561" anchor="t" anchorCtr="0" compatLnSpc="0">
             <a:spAutoFit/>
           </a:bodyPr>
           <a:lstStyle/>
           <a:p>
-            <a:pPr marL="0" marR="0" lvl="0" indent="0" algn="l" defTabSz="914400" rtl="0" fontAlgn="auto" hangingPunct="0">
-              <a:lnSpc>
-                <a:spcPct val="100000"/>
-              </a:lnSpc>
-              <a:spcBef>
-                <a:spcPts val="0"/>
-              </a:spcBef>
-              <a:spcAft>
-                <a:spcPts val="0"/>
-              </a:spcAft>
-              <a:buNone/>
-              <a:tabLst/>
+            <a:pPr hangingPunct="0">
               <a:defRPr sz="1800" b="0" i="0" u="none" strike="noStrike" kern="0" cap="none" spc="0" baseline="0">
                 <a:solidFill>
                   <a:srgbClr val="000000"/>
@@ -7063,11 +10064,10 @@
               </a:defRPr>
             </a:pPr>
             <a:r>
-              <a:rPr lang="en-US" b="0" i="0" u="none" strike="noStrike" kern="1200" cap="none" spc="0" baseline="0" dirty="0">
-                <a:solidFill>
-                  <a:srgbClr val="000000"/>
-                </a:solidFill>
-                <a:uFillTx/>
+              <a:rPr lang="en-US" dirty="0">
+                <a:solidFill>
+                  <a:srgbClr val="000000"/>
+                </a:solidFill>
                 <a:latin typeface="Arial" pitchFamily="18"/>
                 <a:ea typeface="DejaVu Sans" pitchFamily="2"/>
                 <a:cs typeface="Lohit Hindi" pitchFamily="2"/>
@@ -7085,8 +10085,8 @@
         </p:nvSpPr>
         <p:spPr>
           <a:xfrm>
-            <a:off x="-369565" y="4964807"/>
-            <a:ext cx="9144000" cy="0"/>
+            <a:off x="-1108695" y="13239485"/>
+            <a:ext cx="27432000" cy="0"/>
           </a:xfrm>
           <a:custGeom>
             <a:avLst/>
@@ -7174,21 +10174,10 @@
           </a:ln>
         </p:spPr>
         <p:txBody>
-          <a:bodyPr vert="horz" wrap="square" lIns="90004" tIns="44997" rIns="90004" bIns="44997" anchor="ctr" anchorCtr="1" compatLnSpc="0"/>
+          <a:bodyPr vert="horz" wrap="square" lIns="257150" tIns="128561" rIns="257150" bIns="128561" anchor="ctr" anchorCtr="1" compatLnSpc="0"/>
           <a:lstStyle/>
           <a:p>
-            <a:pPr marL="0" marR="0" lvl="0" indent="0" algn="l" defTabSz="914400" rtl="0" fontAlgn="auto" hangingPunct="0">
-              <a:lnSpc>
-                <a:spcPct val="100000"/>
-              </a:lnSpc>
-              <a:spcBef>
-                <a:spcPts val="0"/>
-              </a:spcBef>
-              <a:spcAft>
-                <a:spcPts val="0"/>
-              </a:spcAft>
-              <a:buNone/>
-              <a:tabLst/>
+            <a:pPr hangingPunct="0">
               <a:defRPr sz="1800" b="0" i="0" u="none" strike="noStrike" kern="0" cap="none" spc="0" baseline="0">
                 <a:solidFill>
                   <a:srgbClr val="000000"/>
@@ -7196,11 +10185,10 @@
                 <a:uFillTx/>
               </a:defRPr>
             </a:pPr>
-            <a:endParaRPr lang="en-US" sz="1800" b="0" i="0" u="none" strike="noStrike" kern="1200" cap="none" spc="0" baseline="0">
+            <a:endParaRPr lang="en-US" dirty="0">
               <a:solidFill>
                 <a:srgbClr val="000000"/>
               </a:solidFill>
-              <a:uFillTx/>
               <a:latin typeface="Arial" pitchFamily="18"/>
               <a:ea typeface="DejaVu Sans" pitchFamily="2"/>
               <a:cs typeface="Lohit Hindi" pitchFamily="2"/>
@@ -7216,8 +10204,8 @@
         </p:nvSpPr>
         <p:spPr>
           <a:xfrm>
-            <a:off x="2915816" y="4365104"/>
-            <a:ext cx="3444205" cy="503806"/>
+            <a:off x="8747450" y="11640277"/>
+            <a:ext cx="10332615" cy="1439315"/>
           </a:xfrm>
           <a:prstGeom prst="rect">
             <a:avLst/>
@@ -7228,23 +10216,12 @@
           </a:ln>
         </p:spPr>
         <p:txBody>
-          <a:bodyPr vert="horz" wrap="square" lIns="90004" tIns="44997" rIns="90004" bIns="44997" anchor="t" anchorCtr="0" compatLnSpc="0">
+          <a:bodyPr vert="horz" wrap="square" lIns="257150" tIns="128561" rIns="257150" bIns="128561" anchor="t" anchorCtr="0" compatLnSpc="0">
             <a:spAutoFit/>
           </a:bodyPr>
           <a:lstStyle/>
           <a:p>
-            <a:pPr marL="0" marR="0" lvl="0" indent="0" algn="l" defTabSz="914400" rtl="0" fontAlgn="auto" hangingPunct="0">
-              <a:lnSpc>
-                <a:spcPct val="100000"/>
-              </a:lnSpc>
-              <a:spcBef>
-                <a:spcPts val="0"/>
-              </a:spcBef>
-              <a:spcAft>
-                <a:spcPts val="0"/>
-              </a:spcAft>
-              <a:buNone/>
-              <a:tabLst/>
+            <a:pPr hangingPunct="0">
               <a:defRPr sz="1800" b="0" i="0" u="none" strike="noStrike" kern="0" cap="none" spc="0" baseline="0">
                 <a:solidFill>
                   <a:srgbClr val="000000"/>
@@ -7253,11 +10230,10 @@
               </a:defRPr>
             </a:pPr>
             <a:r>
-              <a:rPr lang="en-US" sz="2800" b="0" i="0" u="none" strike="noStrike" kern="1200" cap="none" spc="0" baseline="0" dirty="0">
-                <a:solidFill>
-                  <a:srgbClr val="000000"/>
-                </a:solidFill>
-                <a:uFillTx/>
+              <a:rPr lang="en-US" sz="8000" dirty="0">
+                <a:solidFill>
+                  <a:srgbClr val="000000"/>
+                </a:solidFill>
                 <a:latin typeface="Arial" pitchFamily="18"/>
                 <a:ea typeface="DejaVu Sans" pitchFamily="2"/>
                 <a:cs typeface="Lohit Hindi" pitchFamily="2"/>
@@ -7275,8 +10251,8 @@
         </p:nvSpPr>
         <p:spPr>
           <a:xfrm>
-            <a:off x="3059832" y="6741368"/>
-            <a:ext cx="3960442" cy="503806"/>
+            <a:off x="9179496" y="17976981"/>
+            <a:ext cx="11881326" cy="1439315"/>
           </a:xfrm>
           <a:prstGeom prst="rect">
             <a:avLst/>
@@ -7287,23 +10263,12 @@
           </a:ln>
         </p:spPr>
         <p:txBody>
-          <a:bodyPr vert="horz" wrap="square" lIns="90004" tIns="44997" rIns="90004" bIns="44997" anchor="t" anchorCtr="0" compatLnSpc="0">
+          <a:bodyPr vert="horz" wrap="square" lIns="257150" tIns="128561" rIns="257150" bIns="128561" anchor="t" anchorCtr="0" compatLnSpc="0">
             <a:spAutoFit/>
           </a:bodyPr>
           <a:lstStyle/>
           <a:p>
-            <a:pPr marL="0" marR="0" lvl="0" indent="0" algn="l" defTabSz="914400" rtl="0" fontAlgn="auto" hangingPunct="0">
-              <a:lnSpc>
-                <a:spcPct val="100000"/>
-              </a:lnSpc>
-              <a:spcBef>
-                <a:spcPts val="0"/>
-              </a:spcBef>
-              <a:spcAft>
-                <a:spcPts val="0"/>
-              </a:spcAft>
-              <a:buNone/>
-              <a:tabLst/>
+            <a:pPr hangingPunct="0">
               <a:defRPr sz="1800" b="0" i="0" u="none" strike="noStrike" kern="0" cap="none" spc="0" baseline="0">
                 <a:solidFill>
                   <a:srgbClr val="000000"/>
@@ -7312,11 +10277,10 @@
               </a:defRPr>
             </a:pPr>
             <a:r>
-              <a:rPr lang="en-US" sz="2800" b="0" i="0" u="none" strike="noStrike" kern="1200" cap="none" spc="0" baseline="0" dirty="0">
-                <a:solidFill>
-                  <a:srgbClr val="000000"/>
-                </a:solidFill>
-                <a:uFillTx/>
+              <a:rPr lang="en-US" sz="8000" dirty="0">
+                <a:solidFill>
+                  <a:srgbClr val="000000"/>
+                </a:solidFill>
                 <a:latin typeface="Arial" pitchFamily="18"/>
                 <a:ea typeface="DejaVu Sans" pitchFamily="2"/>
                 <a:cs typeface="Lohit Hindi" pitchFamily="2"/>
@@ -7334,8 +10298,8 @@
         </p:nvSpPr>
         <p:spPr>
           <a:xfrm>
-            <a:off x="5940152" y="3199001"/>
-            <a:ext cx="1080119" cy="1310119"/>
+            <a:off x="17820458" y="8530671"/>
+            <a:ext cx="3240357" cy="3493651"/>
           </a:xfrm>
           <a:custGeom>
             <a:avLst/>
@@ -7512,21 +10476,10 @@
           </a:ln>
         </p:spPr>
         <p:txBody>
-          <a:bodyPr vert="horz" wrap="none" lIns="90004" tIns="44997" rIns="90004" bIns="44997" anchor="ctr" anchorCtr="1" compatLnSpc="0"/>
+          <a:bodyPr vert="horz" wrap="none" lIns="257150" tIns="128561" rIns="257150" bIns="128561" anchor="ctr" anchorCtr="1" compatLnSpc="0"/>
           <a:lstStyle/>
           <a:p>
-            <a:pPr marL="0" marR="0" lvl="0" indent="0" algn="ctr" defTabSz="914400" rtl="0" fontAlgn="auto" hangingPunct="1">
-              <a:lnSpc>
-                <a:spcPct val="100000"/>
-              </a:lnSpc>
-              <a:spcBef>
-                <a:spcPts val="0"/>
-              </a:spcBef>
-              <a:spcAft>
-                <a:spcPts val="0"/>
-              </a:spcAft>
-              <a:buNone/>
-              <a:tabLst/>
+            <a:pPr algn="ctr">
               <a:defRPr sz="2650" b="0" i="0" u="none" strike="noStrike" kern="0" cap="none" spc="0" baseline="0">
                 <a:solidFill>
                   <a:srgbClr val="000000"/>
@@ -7535,11 +10488,10 @@
               </a:defRPr>
             </a:pPr>
             <a:r>
-              <a:rPr lang="en-US" sz="2800" b="0" i="0" u="none" strike="noStrike" kern="1200" cap="none" spc="0" baseline="0" dirty="0">
-                <a:solidFill>
-                  <a:srgbClr val="000000"/>
-                </a:solidFill>
-                <a:uFillTx/>
+              <a:rPr lang="en-US" sz="8000" dirty="0">
+                <a:solidFill>
+                  <a:srgbClr val="000000"/>
+                </a:solidFill>
                 <a:latin typeface="Arial" pitchFamily="18"/>
                 <a:ea typeface="DejaVu Sans" pitchFamily="2"/>
                 <a:cs typeface="Lohit Hindi" pitchFamily="2"/>
@@ -7557,8 +10509,8 @@
         </p:nvSpPr>
         <p:spPr>
           <a:xfrm>
-            <a:off x="6876256" y="5157192"/>
-            <a:ext cx="1262683" cy="1191790"/>
+            <a:off x="20628770" y="13752512"/>
+            <a:ext cx="3788049" cy="3178107"/>
           </a:xfrm>
           <a:custGeom>
             <a:avLst/>
@@ -7735,21 +10687,10 @@
           </a:ln>
         </p:spPr>
         <p:txBody>
-          <a:bodyPr vert="horz" wrap="none" lIns="90004" tIns="44997" rIns="90004" bIns="44997" anchor="ctr" anchorCtr="1" compatLnSpc="0"/>
+          <a:bodyPr vert="horz" wrap="none" lIns="257150" tIns="128561" rIns="257150" bIns="128561" anchor="ctr" anchorCtr="1" compatLnSpc="0"/>
           <a:lstStyle/>
           <a:p>
-            <a:pPr marL="0" marR="0" lvl="0" indent="0" algn="ctr" defTabSz="914400" rtl="0" fontAlgn="auto" hangingPunct="1">
-              <a:lnSpc>
-                <a:spcPct val="100000"/>
-              </a:lnSpc>
-              <a:spcBef>
-                <a:spcPts val="0"/>
-              </a:spcBef>
-              <a:spcAft>
-                <a:spcPts val="0"/>
-              </a:spcAft>
-              <a:buNone/>
-              <a:tabLst/>
+            <a:pPr algn="ctr">
               <a:defRPr sz="2650" b="0" i="0" u="none" strike="noStrike" kern="0" cap="none" spc="0" baseline="0">
                 <a:solidFill>
                   <a:srgbClr val="000000"/>
@@ -7758,11 +10699,10 @@
               </a:defRPr>
             </a:pPr>
             <a:r>
-              <a:rPr lang="en-US" sz="2800" b="0" i="0" u="none" strike="noStrike" kern="1200" cap="none" spc="0" baseline="0">
-                <a:solidFill>
-                  <a:srgbClr val="000000"/>
-                </a:solidFill>
-                <a:uFillTx/>
+              <a:rPr lang="en-US" sz="8000" dirty="0">
+                <a:solidFill>
+                  <a:srgbClr val="000000"/>
+                </a:solidFill>
                 <a:latin typeface="Arial" pitchFamily="18"/>
                 <a:ea typeface="DejaVu Sans" pitchFamily="2"/>
                 <a:cs typeface="Lohit Hindi" pitchFamily="2"/>
@@ -7780,8 +10720,8 @@
         </p:nvSpPr>
         <p:spPr>
           <a:xfrm>
-            <a:off x="1187624" y="3501008"/>
-            <a:ext cx="685800" cy="685800"/>
+            <a:off x="3562872" y="9336021"/>
+            <a:ext cx="2057400" cy="1828800"/>
           </a:xfrm>
           <a:custGeom>
             <a:avLst/>
@@ -7958,21 +10898,10 @@
           </a:ln>
         </p:spPr>
         <p:txBody>
-          <a:bodyPr vert="horz" wrap="none" lIns="90004" tIns="44997" rIns="90004" bIns="44997" anchor="ctr" anchorCtr="1" compatLnSpc="0"/>
+          <a:bodyPr vert="horz" wrap="none" lIns="257150" tIns="128561" rIns="257150" bIns="128561" anchor="ctr" anchorCtr="1" compatLnSpc="0"/>
           <a:lstStyle/>
           <a:p>
-            <a:pPr marL="0" marR="0" lvl="0" indent="0" algn="ctr" defTabSz="914400" rtl="0" fontAlgn="auto" hangingPunct="1">
-              <a:lnSpc>
-                <a:spcPct val="100000"/>
-              </a:lnSpc>
-              <a:spcBef>
-                <a:spcPts val="0"/>
-              </a:spcBef>
-              <a:spcAft>
-                <a:spcPts val="0"/>
-              </a:spcAft>
-              <a:buNone/>
-              <a:tabLst/>
+            <a:pPr algn="ctr">
               <a:defRPr sz="2650" b="0" i="0" u="none" strike="noStrike" kern="0" cap="none" spc="0" baseline="0">
                 <a:solidFill>
                   <a:srgbClr val="000000"/>
@@ -7981,11 +10910,10 @@
               </a:defRPr>
             </a:pPr>
             <a:r>
-              <a:rPr lang="en-US" sz="2800" b="0" i="0" u="none" strike="noStrike" kern="1200" cap="none" spc="0" baseline="0">
-                <a:solidFill>
-                  <a:srgbClr val="000000"/>
-                </a:solidFill>
-                <a:uFillTx/>
+              <a:rPr lang="en-US" sz="8000" dirty="0">
+                <a:solidFill>
+                  <a:srgbClr val="000000"/>
+                </a:solidFill>
                 <a:latin typeface="Arial" pitchFamily="18"/>
                 <a:ea typeface="DejaVu Sans" pitchFamily="2"/>
                 <a:cs typeface="Lohit Hindi" pitchFamily="2"/>
@@ -8003,8 +10931,8 @@
         </p:nvSpPr>
         <p:spPr>
           <a:xfrm>
-            <a:off x="4788024" y="5229200"/>
-            <a:ext cx="1293515" cy="1213380"/>
+            <a:off x="14364074" y="13944533"/>
+            <a:ext cx="3880545" cy="3235680"/>
           </a:xfrm>
           <a:custGeom>
             <a:avLst/>
@@ -8181,21 +11109,10 @@
           </a:ln>
         </p:spPr>
         <p:txBody>
-          <a:bodyPr vert="horz" wrap="none" lIns="90004" tIns="44997" rIns="90004" bIns="44997" anchor="ctr" anchorCtr="1" compatLnSpc="0"/>
+          <a:bodyPr vert="horz" wrap="none" lIns="257150" tIns="128561" rIns="257150" bIns="128561" anchor="ctr" anchorCtr="1" compatLnSpc="0"/>
           <a:lstStyle/>
           <a:p>
-            <a:pPr marL="0" marR="0" lvl="0" indent="0" algn="ctr" defTabSz="914400" rtl="0" fontAlgn="auto" hangingPunct="1">
-              <a:lnSpc>
-                <a:spcPct val="100000"/>
-              </a:lnSpc>
-              <a:spcBef>
-                <a:spcPts val="0"/>
-              </a:spcBef>
-              <a:spcAft>
-                <a:spcPts val="0"/>
-              </a:spcAft>
-              <a:buNone/>
-              <a:tabLst/>
+            <a:pPr algn="ctr">
               <a:defRPr sz="2650" b="0" i="0" u="none" strike="noStrike" kern="0" cap="none" spc="0" baseline="0">
                 <a:solidFill>
                   <a:srgbClr val="000000"/>
@@ -8204,11 +11121,10 @@
               </a:defRPr>
             </a:pPr>
             <a:r>
-              <a:rPr lang="en-US" sz="2800" b="0" i="0" u="none" strike="noStrike" kern="1200" cap="none" spc="0" baseline="0">
-                <a:solidFill>
-                  <a:srgbClr val="000000"/>
-                </a:solidFill>
-                <a:uFillTx/>
+              <a:rPr lang="en-US" sz="8000" dirty="0">
+                <a:solidFill>
+                  <a:srgbClr val="000000"/>
+                </a:solidFill>
                 <a:latin typeface="Arial" pitchFamily="18"/>
                 <a:ea typeface="DejaVu Sans" pitchFamily="2"/>
                 <a:cs typeface="Lohit Hindi" pitchFamily="2"/>
@@ -8226,8 +11142,8 @@
         </p:nvSpPr>
         <p:spPr>
           <a:xfrm>
-            <a:off x="6300192" y="5589239"/>
-            <a:ext cx="457200" cy="503806"/>
+            <a:off x="18900576" y="14904637"/>
+            <a:ext cx="1371600" cy="1439315"/>
           </a:xfrm>
           <a:prstGeom prst="rect">
             <a:avLst/>
@@ -8238,23 +11154,12 @@
           </a:ln>
         </p:spPr>
         <p:txBody>
-          <a:bodyPr vert="horz" wrap="square" lIns="90004" tIns="44997" rIns="90004" bIns="44997" anchor="t" anchorCtr="0" compatLnSpc="0">
+          <a:bodyPr vert="horz" wrap="square" lIns="257150" tIns="128561" rIns="257150" bIns="128561" anchor="t" anchorCtr="0" compatLnSpc="0">
             <a:spAutoFit/>
           </a:bodyPr>
           <a:lstStyle/>
           <a:p>
-            <a:pPr marL="0" marR="0" lvl="0" indent="0" algn="l" defTabSz="914400" rtl="0" fontAlgn="auto" hangingPunct="0">
-              <a:lnSpc>
-                <a:spcPct val="100000"/>
-              </a:lnSpc>
-              <a:spcBef>
-                <a:spcPts val="0"/>
-              </a:spcBef>
-              <a:spcAft>
-                <a:spcPts val="0"/>
-              </a:spcAft>
-              <a:buNone/>
-              <a:tabLst/>
+            <a:pPr hangingPunct="0">
               <a:defRPr sz="1800" b="0" i="0" u="none" strike="noStrike" kern="0" cap="none" spc="0" baseline="0">
                 <a:solidFill>
                   <a:srgbClr val="000000"/>
@@ -8263,11 +11168,10 @@
               </a:defRPr>
             </a:pPr>
             <a:r>
-              <a:rPr lang="en-US" sz="2800" b="0" i="0" u="none" strike="noStrike" kern="1200" cap="none" spc="0" baseline="0" dirty="0">
-                <a:solidFill>
-                  <a:srgbClr val="000000"/>
-                </a:solidFill>
-                <a:uFillTx/>
+              <a:rPr lang="en-US" sz="8000" dirty="0">
+                <a:solidFill>
+                  <a:srgbClr val="000000"/>
+                </a:solidFill>
                 <a:latin typeface="Arial" pitchFamily="18"/>
                 <a:ea typeface="DejaVu Sans" pitchFamily="2"/>
                 <a:cs typeface="Lohit Hindi" pitchFamily="2"/>
@@ -8285,8 +11189,8 @@
         </p:nvCxnSpPr>
         <p:spPr>
           <a:xfrm>
-            <a:off x="1907704" y="2492896"/>
-            <a:ext cx="0" cy="576064"/>
+            <a:off x="5723112" y="6647723"/>
+            <a:ext cx="0" cy="1536171"/>
           </a:xfrm>
           <a:prstGeom prst="straightConnector1">
             <a:avLst/>
@@ -8318,8 +11222,8 @@
         </p:nvCxnSpPr>
         <p:spPr>
           <a:xfrm flipV="1">
-            <a:off x="1691680" y="2492896"/>
-            <a:ext cx="0" cy="567680"/>
+            <a:off x="5075040" y="6647723"/>
+            <a:ext cx="0" cy="1513813"/>
           </a:xfrm>
           <a:prstGeom prst="straightConnector1">
             <a:avLst/>
@@ -8351,8 +11255,8 @@
         </p:nvCxnSpPr>
         <p:spPr>
           <a:xfrm>
-            <a:off x="6588224" y="2492896"/>
-            <a:ext cx="0" cy="576064"/>
+            <a:off x="19764672" y="6647723"/>
+            <a:ext cx="0" cy="1536171"/>
           </a:xfrm>
           <a:prstGeom prst="straightConnector1">
             <a:avLst/>
@@ -8384,8 +11288,8 @@
         </p:nvCxnSpPr>
         <p:spPr>
           <a:xfrm flipV="1">
-            <a:off x="6372200" y="2492896"/>
-            <a:ext cx="0" cy="567680"/>
+            <a:off x="19116600" y="6647723"/>
+            <a:ext cx="0" cy="1513813"/>
           </a:xfrm>
           <a:prstGeom prst="straightConnector1">
             <a:avLst/>
@@ -8417,8 +11321,8 @@
         </p:nvCxnSpPr>
         <p:spPr>
           <a:xfrm>
-            <a:off x="2771800" y="620688"/>
-            <a:ext cx="2592288" cy="0"/>
+            <a:off x="8315400" y="1655168"/>
+            <a:ext cx="7776864" cy="0"/>
           </a:xfrm>
           <a:prstGeom prst="straightConnector1">
             <a:avLst/>
@@ -8451,8 +11355,8 @@
         </p:nvCxnSpPr>
         <p:spPr>
           <a:xfrm>
-            <a:off x="6732240" y="1052736"/>
-            <a:ext cx="0" cy="576064"/>
+            <a:off x="20196720" y="2807296"/>
+            <a:ext cx="0" cy="1536171"/>
           </a:xfrm>
           <a:prstGeom prst="straightConnector1">
             <a:avLst/>
@@ -8484,8 +11388,8 @@
         </p:nvCxnSpPr>
         <p:spPr>
           <a:xfrm flipV="1">
-            <a:off x="6516216" y="1052736"/>
-            <a:ext cx="0" cy="567680"/>
+            <a:off x="19548648" y="2807296"/>
+            <a:ext cx="0" cy="1513813"/>
           </a:xfrm>
           <a:prstGeom prst="straightConnector1">
             <a:avLst/>
@@ -8517,8 +11421,8 @@
         </p:nvCxnSpPr>
         <p:spPr>
           <a:xfrm>
-            <a:off x="1619672" y="1052736"/>
-            <a:ext cx="0" cy="576064"/>
+            <a:off x="4859016" y="2807296"/>
+            <a:ext cx="0" cy="1536171"/>
           </a:xfrm>
           <a:prstGeom prst="straightConnector1">
             <a:avLst/>
@@ -8550,8 +11454,8 @@
         </p:nvCxnSpPr>
         <p:spPr>
           <a:xfrm flipV="1">
-            <a:off x="1403648" y="1052736"/>
-            <a:ext cx="0" cy="567680"/>
+            <a:off x="4210944" y="2807296"/>
+            <a:ext cx="0" cy="1513813"/>
           </a:xfrm>
           <a:prstGeom prst="straightConnector1">
             <a:avLst/>
@@ -8583,8 +11487,8 @@
         </p:nvCxnSpPr>
         <p:spPr>
           <a:xfrm>
-            <a:off x="1763688" y="3789040"/>
-            <a:ext cx="1368152" cy="0"/>
+            <a:off x="5291064" y="10104107"/>
+            <a:ext cx="4104456" cy="0"/>
           </a:xfrm>
           <a:prstGeom prst="straightConnector1">
             <a:avLst/>
@@ -8617,8 +11521,8 @@
         </p:nvCxnSpPr>
         <p:spPr>
           <a:xfrm flipH="1">
-            <a:off x="4932040" y="3789040"/>
-            <a:ext cx="1008112" cy="6987"/>
+            <a:off x="14796120" y="10104108"/>
+            <a:ext cx="3024336" cy="18632"/>
           </a:xfrm>
           <a:prstGeom prst="straightConnector1">
             <a:avLst/>
@@ -8651,8 +11555,8 @@
         </p:nvSpPr>
         <p:spPr>
           <a:xfrm>
-            <a:off x="3347864" y="3501008"/>
-            <a:ext cx="1512168" cy="720080"/>
+            <a:off x="10043592" y="9336022"/>
+            <a:ext cx="4536504" cy="1920213"/>
           </a:xfrm>
           <a:prstGeom prst="flowChartProcess">
             <a:avLst/>
@@ -8673,7 +11577,7 @@
           </a:fontRef>
         </p:style>
         <p:txBody>
-          <a:bodyPr rtlCol="0" anchor="ctr"/>
+          <a:bodyPr lIns="261253" tIns="130627" rIns="261253" bIns="130627" rtlCol="0" anchor="ctr"/>
           <a:lstStyle/>
           <a:p>
             <a:pPr algn="ctr"/>
